--- a/public/ppt/template.pptx
+++ b/public/ppt/template.pptx
@@ -271,6 +271,11 @@
       </a:defRPr>
     </a:lvl9pPr>
   </p:defaultTextStyle>
+  <p:extLst>
+    <p:ext uri="{EFAFB233-063F-42B5-8137-9DF3F51BA10A}">
+      <p15:sldGuideLst xmlns:p15="http://schemas.microsoft.com/office/powerpoint/2012/main"/>
+    </p:ext>
+  </p:extLst>
 </p:presentation>
 </file>
 
@@ -1274,8 +1279,8 @@
         </p:nvSpPr>
         <p:spPr>
           <a:xfrm>
-            <a:off x="1143000" y="685800"/>
-            <a:ext cx="4572000" cy="3429000"/>
+            <a:off x="381000" y="685800"/>
+            <a:ext cx="6096000" cy="3429000"/>
           </a:xfrm>
           <a:custGeom>
             <a:avLst/>
@@ -1794,8 +1799,8 @@
         </p:nvSpPr>
         <p:spPr>
           <a:xfrm>
-            <a:off x="1143000" y="685800"/>
-            <a:ext cx="4572000" cy="3429000"/>
+            <a:off x="381000" y="685800"/>
+            <a:ext cx="6096000" cy="3429000"/>
           </a:xfrm>
           <a:custGeom>
             <a:avLst/>
@@ -10565,16 +10570,8 @@
               <a:buNone/>
             </a:pPr>
             <a:r>
-              <a:rPr lang="en-US" sz="2000" i="1" dirty="0"/>
-              <a:t>{{</a:t>
-            </a:r>
-            <a:r>
               <a:rPr lang="en-US" sz="2000" i="1" dirty="0" err="1"/>
-              <a:t>documentType</a:t>
-            </a:r>
-            <a:r>
-              <a:rPr lang="en-US" sz="2000" i="1" dirty="0"/>
-              <a:t>}}</a:t>
+              <a:t>{{documentType}}</a:t>
             </a:r>
             <a:r>
               <a:rPr lang="en-US" sz="2000" dirty="0"/>
@@ -10623,16 +10620,8 @@
               <a:t>EPCI </a:t>
             </a:r>
             <a:r>
-              <a:rPr lang="en-US" sz="2400" b="1" i="1" u="sng" dirty="0"/>
-              <a:t>{{</a:t>
-            </a:r>
-            <a:r>
               <a:rPr lang="en-US" sz="2400" b="1" i="1" u="sng" dirty="0" err="1"/>
-              <a:t>selectedEpciName</a:t>
-            </a:r>
-            <a:r>
-              <a:rPr lang="en-US" sz="2400" b="1" i="1" u="sng" dirty="0"/>
-              <a:t>}}</a:t>
+              <a:t>{{selectedEpciName}}</a:t>
             </a:r>
             <a:endParaRPr sz="2400" b="1" i="1" u="sng" dirty="0"/>
           </a:p>
@@ -10932,7 +10921,13 @@
         <p:nvGraphicFramePr>
           <p:cNvPr id="150" name="Google Shape;150;p20"/>
           <p:cNvGraphicFramePr/>
-          <p:nvPr/>
+          <p:nvPr>
+            <p:extLst>
+              <p:ext uri="{D42A27DB-BD31-4B8C-83A1-F6EECF244321}">
+                <p14:modId xmlns:p14="http://schemas.microsoft.com/office/powerpoint/2010/main" val="496623650"/>
+              </p:ext>
+            </p:extLst>
+          </p:nvPr>
         </p:nvGraphicFramePr>
         <p:xfrm>
           <a:off x="5438700" y="1310800"/>
@@ -10993,7 +10988,7 @@
                         </a:spcAft>
                         <a:buNone/>
                       </a:pPr>
-                      <a:endParaRPr sz="1000"/>
+                      <a:endParaRPr sz="1000" dirty="0"/>
                     </a:p>
                   </a:txBody>
                   <a:tcPr marL="68575" marR="68575" marT="91425" marB="91425">
@@ -11384,10 +11379,14 @@
                         <a:buNone/>
                       </a:pPr>
                       <a:r>
-                        <a:rPr lang="en-US" sz="1200" i="1"/>
-                        <a:t>Pop. basse</a:t>
+                        <a:rPr lang="en-US" sz="1200" i="1" dirty="0"/>
+                        <a:t>Pop. </a:t>
                       </a:r>
-                      <a:endParaRPr sz="1200" i="1"/>
+                      <a:r>
+                        <a:rPr lang="en-US" sz="1200" i="1" dirty="0" err="1"/>
+                        <a:t>basse</a:t>
+                      </a:r>
+                      <a:endParaRPr sz="1200" i="1" dirty="0"/>
                     </a:p>
                   </a:txBody>
                   <a:tcPr marL="68575" marR="68575" marT="0" marB="91425">
@@ -11447,10 +11446,10 @@
                         <a:buNone/>
                       </a:pPr>
                       <a:r>
-                        <a:rPr lang="en-US" sz="1200"/>
-                        <a:t>X%</a:t>
+                        <a:rPr lang="en-US" sz="1200" dirty="0"/>
+                        <a:t>{{pb1}}</a:t>
                       </a:r>
-                      <a:endParaRPr sz="1200"/>
+                      <a:endParaRPr sz="1200" dirty="0"/>
                     </a:p>
                   </a:txBody>
                   <a:tcPr marL="68575" marR="68575" marT="0" marB="91425">
@@ -11501,10 +11500,10 @@
                         <a:buNone/>
                       </a:pPr>
                       <a:r>
-                        <a:rPr lang="en-US" sz="1200"/>
-                        <a:t>X%</a:t>
+                        <a:rPr lang="en-US" sz="1200" dirty="0"/>
+                        <a:t>{{pb2}}</a:t>
                       </a:r>
-                      <a:endParaRPr sz="1200"/>
+                      <a:endParaRPr sz="1200" dirty="0"/>
                     </a:p>
                   </a:txBody>
                   <a:tcPr marL="68575" marR="68575" marT="0" marB="91425">
@@ -11555,10 +11554,10 @@
                         <a:buNone/>
                       </a:pPr>
                       <a:r>
-                        <a:rPr lang="en-US" sz="1200"/>
-                        <a:t>X%</a:t>
+                        <a:rPr lang="en-US" sz="1200" dirty="0"/>
+                        <a:t>{{pb3}}</a:t>
                       </a:r>
-                      <a:endParaRPr sz="1200"/>
+                      <a:endParaRPr sz="1200" dirty="0"/>
                     </a:p>
                   </a:txBody>
                   <a:tcPr marL="68575" marR="68575" marT="0" marB="91425">
@@ -11616,16 +11615,16 @@
                         <a:buNone/>
                       </a:pPr>
                       <a:r>
-                        <a:rPr lang="en-US" sz="1200" i="1">
+                        <a:rPr lang="en-US" sz="1200" i="1" dirty="0">
                           <a:solidFill>
-                            <a:schemeClr val="lt2"/>
+                            <a:schemeClr val="tx1"/>
                           </a:solidFill>
                         </a:rPr>
                         <a:t>Pop. centrale</a:t>
                       </a:r>
-                      <a:endParaRPr sz="1200" i="1">
+                      <a:endParaRPr sz="1200" i="1" dirty="0">
                         <a:solidFill>
-                          <a:schemeClr val="lt2"/>
+                          <a:schemeClr val="tx1"/>
                         </a:solidFill>
                       </a:endParaRPr>
                     </a:p>
@@ -11687,16 +11686,12 @@
                         <a:buNone/>
                       </a:pPr>
                       <a:r>
-                        <a:rPr lang="en-US" sz="1200">
-                          <a:solidFill>
-                            <a:schemeClr val="lt2"/>
-                          </a:solidFill>
-                        </a:rPr>
-                        <a:t>X%</a:t>
+                        <a:rPr lang="en-US" sz="1200" dirty="0"/>
+                        <a:t>{{pc1}}</a:t>
                       </a:r>
-                      <a:endParaRPr sz="1200">
+                      <a:endParaRPr sz="1200" dirty="0">
                         <a:solidFill>
-                          <a:schemeClr val="lt2"/>
+                          <a:schemeClr val="tx1"/>
                         </a:solidFill>
                       </a:endParaRPr>
                     </a:p>
@@ -11740,16 +11735,16 @@
                         <a:buNone/>
                       </a:pPr>
                       <a:r>
-                        <a:rPr lang="en-US" sz="1200">
+                        <a:rPr lang="en-US" sz="1200" dirty="0">
                           <a:solidFill>
-                            <a:schemeClr val="lt2"/>
+                            <a:schemeClr val="tx1"/>
                           </a:solidFill>
                         </a:rPr>
-                        <a:t>X%</a:t>
+                        <a:t>{{pc2}}</a:t>
                       </a:r>
-                      <a:endParaRPr sz="1200">
+                      <a:endParaRPr sz="1200" dirty="0">
                         <a:solidFill>
-                          <a:schemeClr val="lt2"/>
+                          <a:schemeClr val="tx1"/>
                         </a:solidFill>
                       </a:endParaRPr>
                     </a:p>
@@ -11793,16 +11788,16 @@
                         <a:buNone/>
                       </a:pPr>
                       <a:r>
-                        <a:rPr lang="en-US" sz="1200">
+                        <a:rPr lang="en-US" sz="1200" dirty="0">
                           <a:solidFill>
-                            <a:schemeClr val="lt2"/>
+                            <a:schemeClr val="tx1"/>
                           </a:solidFill>
                         </a:rPr>
-                        <a:t>X%</a:t>
+                        <a:t>{{pc3}}</a:t>
                       </a:r>
-                      <a:endParaRPr sz="1200">
+                      <a:endParaRPr sz="1200" dirty="0">
                         <a:solidFill>
-                          <a:schemeClr val="lt2"/>
+                          <a:schemeClr val="tx1"/>
                         </a:solidFill>
                       </a:endParaRPr>
                     </a:p>
@@ -11853,10 +11848,10 @@
                         <a:buNone/>
                       </a:pPr>
                       <a:r>
-                        <a:rPr lang="en-US" sz="1200" i="1"/>
+                        <a:rPr lang="en-US" sz="1200" i="1" dirty="0"/>
                         <a:t>Pop. haute</a:t>
                       </a:r>
-                      <a:endParaRPr sz="1200" i="1"/>
+                      <a:endParaRPr sz="1200" i="1" dirty="0"/>
                     </a:p>
                   </a:txBody>
                   <a:tcPr marL="68575" marR="68575" marT="0" marB="91425">
@@ -11887,6 +11882,114 @@
                       <a:headEnd type="none" w="sm" len="sm"/>
                       <a:tailEnd type="none" w="sm" len="sm"/>
                     </a:lnT>
+                    <a:lnB w="8650" cap="flat" cmpd="sng">
+                      <a:solidFill>
+                        <a:srgbClr val="000000"/>
+                      </a:solidFill>
+                      <a:prstDash val="solid"/>
+                      <a:round/>
+                      <a:headEnd type="none" w="sm" len="sm"/>
+                      <a:tailEnd type="none" w="sm" len="sm"/>
+                    </a:lnB>
+                  </a:tcPr>
+                </a:tc>
+                <a:tc>
+                  <a:txBody>
+                    <a:bodyPr/>
+                    <a:lstStyle/>
+                    <a:p>
+                      <a:pPr marL="0" lvl="0" indent="0" algn="ctr" rtl="0">
+                        <a:lnSpc>
+                          <a:spcPct val="100000"/>
+                        </a:lnSpc>
+                        <a:spcBef>
+                          <a:spcPts val="1200"/>
+                        </a:spcBef>
+                        <a:spcAft>
+                          <a:spcPts val="0"/>
+                        </a:spcAft>
+                        <a:buNone/>
+                      </a:pPr>
+                      <a:r>
+                        <a:rPr lang="en-US" sz="1200" dirty="0"/>
+                        <a:t>{{ph1}}</a:t>
+                      </a:r>
+                      <a:endParaRPr sz="1200" dirty="0"/>
+                    </a:p>
+                  </a:txBody>
+                  <a:tcPr marL="68575" marR="68575" marT="0" marB="91425">
+                    <a:lnL w="8650" cap="flat" cmpd="sng">
+                      <a:solidFill>
+                        <a:srgbClr val="000000"/>
+                      </a:solidFill>
+                      <a:prstDash val="solid"/>
+                      <a:round/>
+                      <a:headEnd type="none" w="sm" len="sm"/>
+                      <a:tailEnd type="none" w="sm" len="sm"/>
+                    </a:lnL>
+                    <a:lnR w="8650" cap="flat" cmpd="sng">
+                      <a:solidFill>
+                        <a:srgbClr val="000000"/>
+                      </a:solidFill>
+                      <a:prstDash val="solid"/>
+                      <a:round/>
+                      <a:headEnd type="none" w="sm" len="sm"/>
+                      <a:tailEnd type="none" w="sm" len="sm"/>
+                    </a:lnR>
+                    <a:lnB w="8650" cap="flat" cmpd="sng">
+                      <a:solidFill>
+                        <a:srgbClr val="000000"/>
+                      </a:solidFill>
+                      <a:prstDash val="solid"/>
+                      <a:round/>
+                      <a:headEnd type="none" w="sm" len="sm"/>
+                      <a:tailEnd type="none" w="sm" len="sm"/>
+                    </a:lnB>
+                  </a:tcPr>
+                </a:tc>
+                <a:tc>
+                  <a:txBody>
+                    <a:bodyPr/>
+                    <a:lstStyle/>
+                    <a:p>
+                      <a:pPr marL="0" lvl="0" indent="0" algn="ctr" rtl="0">
+                        <a:lnSpc>
+                          <a:spcPct val="100000"/>
+                        </a:lnSpc>
+                        <a:spcBef>
+                          <a:spcPts val="1200"/>
+                        </a:spcBef>
+                        <a:spcAft>
+                          <a:spcPts val="0"/>
+                        </a:spcAft>
+                        <a:buNone/>
+                      </a:pPr>
+                      <a:r>
+                        <a:rPr lang="en-US" sz="1200" dirty="0"/>
+                        <a:t>{{ph2}}</a:t>
+                      </a:r>
+                      <a:endParaRPr sz="1200" dirty="0"/>
+                    </a:p>
+                  </a:txBody>
+                  <a:tcPr marL="68575" marR="68575" marT="0" marB="91425">
+                    <a:lnL w="8650" cap="flat" cmpd="sng">
+                      <a:solidFill>
+                        <a:srgbClr val="000000"/>
+                      </a:solidFill>
+                      <a:prstDash val="solid"/>
+                      <a:round/>
+                      <a:headEnd type="none" w="sm" len="sm"/>
+                      <a:tailEnd type="none" w="sm" len="sm"/>
+                    </a:lnL>
+                    <a:lnR w="8650" cap="flat" cmpd="sng">
+                      <a:solidFill>
+                        <a:srgbClr val="000000"/>
+                      </a:solidFill>
+                      <a:prstDash val="solid"/>
+                      <a:round/>
+                      <a:headEnd type="none" w="sm" len="sm"/>
+                      <a:tailEnd type="none" w="sm" len="sm"/>
+                    </a:lnR>
                     <a:lnB w="8650" cap="flat" cmpd="sng">
                       <a:solidFill>
                         <a:srgbClr val="000000"/>
@@ -11917,117 +12020,9 @@
                       </a:pPr>
                       <a:r>
                         <a:rPr lang="en-US" sz="1200"/>
-                        <a:t>X%</a:t>
+                        <a:t>{{ph3}}</a:t>
                       </a:r>
-                      <a:endParaRPr sz="1200"/>
-                    </a:p>
-                  </a:txBody>
-                  <a:tcPr marL="68575" marR="68575" marT="0" marB="91425">
-                    <a:lnL w="8650" cap="flat" cmpd="sng">
-                      <a:solidFill>
-                        <a:srgbClr val="000000"/>
-                      </a:solidFill>
-                      <a:prstDash val="solid"/>
-                      <a:round/>
-                      <a:headEnd type="none" w="sm" len="sm"/>
-                      <a:tailEnd type="none" w="sm" len="sm"/>
-                    </a:lnL>
-                    <a:lnR w="8650" cap="flat" cmpd="sng">
-                      <a:solidFill>
-                        <a:srgbClr val="000000"/>
-                      </a:solidFill>
-                      <a:prstDash val="solid"/>
-                      <a:round/>
-                      <a:headEnd type="none" w="sm" len="sm"/>
-                      <a:tailEnd type="none" w="sm" len="sm"/>
-                    </a:lnR>
-                    <a:lnB w="8650" cap="flat" cmpd="sng">
-                      <a:solidFill>
-                        <a:srgbClr val="000000"/>
-                      </a:solidFill>
-                      <a:prstDash val="solid"/>
-                      <a:round/>
-                      <a:headEnd type="none" w="sm" len="sm"/>
-                      <a:tailEnd type="none" w="sm" len="sm"/>
-                    </a:lnB>
-                  </a:tcPr>
-                </a:tc>
-                <a:tc>
-                  <a:txBody>
-                    <a:bodyPr/>
-                    <a:lstStyle/>
-                    <a:p>
-                      <a:pPr marL="0" lvl="0" indent="0" algn="ctr" rtl="0">
-                        <a:lnSpc>
-                          <a:spcPct val="100000"/>
-                        </a:lnSpc>
-                        <a:spcBef>
-                          <a:spcPts val="1200"/>
-                        </a:spcBef>
-                        <a:spcAft>
-                          <a:spcPts val="0"/>
-                        </a:spcAft>
-                        <a:buNone/>
-                      </a:pPr>
-                      <a:r>
-                        <a:rPr lang="en-US" sz="1200"/>
-                        <a:t>X%</a:t>
-                      </a:r>
-                      <a:endParaRPr sz="1200"/>
-                    </a:p>
-                  </a:txBody>
-                  <a:tcPr marL="68575" marR="68575" marT="0" marB="91425">
-                    <a:lnL w="8650" cap="flat" cmpd="sng">
-                      <a:solidFill>
-                        <a:srgbClr val="000000"/>
-                      </a:solidFill>
-                      <a:prstDash val="solid"/>
-                      <a:round/>
-                      <a:headEnd type="none" w="sm" len="sm"/>
-                      <a:tailEnd type="none" w="sm" len="sm"/>
-                    </a:lnL>
-                    <a:lnR w="8650" cap="flat" cmpd="sng">
-                      <a:solidFill>
-                        <a:srgbClr val="000000"/>
-                      </a:solidFill>
-                      <a:prstDash val="solid"/>
-                      <a:round/>
-                      <a:headEnd type="none" w="sm" len="sm"/>
-                      <a:tailEnd type="none" w="sm" len="sm"/>
-                    </a:lnR>
-                    <a:lnB w="8650" cap="flat" cmpd="sng">
-                      <a:solidFill>
-                        <a:srgbClr val="000000"/>
-                      </a:solidFill>
-                      <a:prstDash val="solid"/>
-                      <a:round/>
-                      <a:headEnd type="none" w="sm" len="sm"/>
-                      <a:tailEnd type="none" w="sm" len="sm"/>
-                    </a:lnB>
-                  </a:tcPr>
-                </a:tc>
-                <a:tc>
-                  <a:txBody>
-                    <a:bodyPr/>
-                    <a:lstStyle/>
-                    <a:p>
-                      <a:pPr marL="0" lvl="0" indent="0" algn="ctr" rtl="0">
-                        <a:lnSpc>
-                          <a:spcPct val="100000"/>
-                        </a:lnSpc>
-                        <a:spcBef>
-                          <a:spcPts val="1200"/>
-                        </a:spcBef>
-                        <a:spcAft>
-                          <a:spcPts val="0"/>
-                        </a:spcAft>
-                        <a:buNone/>
-                      </a:pPr>
-                      <a:r>
-                        <a:rPr lang="en-US" sz="1200"/>
-                        <a:t>X%</a:t>
-                      </a:r>
-                      <a:endParaRPr sz="1200"/>
+                      <a:endParaRPr sz="1200" dirty="0"/>
                     </a:p>
                   </a:txBody>
                   <a:tcPr marL="68575" marR="68575" marT="0" marB="91425">
@@ -12072,10 +12067,10 @@
       </p:graphicFrame>
       <p:sp>
         <p:nvSpPr>
-          <p:cNvPr id="4" name="Google Shape;91;p14">
+          <p:cNvPr id="2" name="Google Shape;91;p14">
             <a:extLst>
               <a:ext uri="{FF2B5EF4-FFF2-40B4-BE49-F238E27FC236}">
-                <a16:creationId xmlns:a16="http://schemas.microsoft.com/office/drawing/2014/main" id="{389579A1-31D4-AE04-6D0D-7164A775FBD0}"/>
+                <a16:creationId xmlns:a16="http://schemas.microsoft.com/office/drawing/2014/main" id="{32A8B432-5E1E-6A8E-4277-770204E64AFD}"/>
               </a:ext>
             </a:extLst>
           </p:cNvPr>
@@ -12351,19 +12346,30 @@
           <a:p>
             <a:pPr marL="0" indent="0"/>
             <a:r>
-              <a:rPr lang="en-US" sz="1100" i="1"/>
-              <a:t>EPCI {{layoutEpciName}} / BH {{layoutBassinName}}</a:t>
-            </a:r>
-            <a:endParaRPr lang="en-US" sz="1100" i="1" dirty="0"/>
+              <a:rPr lang="en-US" sz="1100" i="1" dirty="0"/>
+              <a:t>EPCI </a:t>
+            </a:r>
+            <a:r>
+              <a:rPr lang="en-US" sz="1100" i="1" dirty="0" err="1"/>
+              <a:t>{{layoutEpciName}}</a:t>
+            </a:r>
+            <a:r>
+              <a:rPr lang="en-US" sz="1100" i="1" dirty="0"/>
+              <a:t> / BH </a:t>
+            </a:r>
+            <a:r>
+              <a:rPr lang="en-US" sz="1100" i="1" dirty="0" err="1"/>
+              <a:t>{{layoutBassinName}}</a:t>
+            </a:r>
           </a:p>
         </p:txBody>
       </p:sp>
       <p:sp>
         <p:nvSpPr>
-          <p:cNvPr id="5" name="Google Shape;92;p14">
+          <p:cNvPr id="3" name="Google Shape;92;p14">
             <a:extLst>
               <a:ext uri="{FF2B5EF4-FFF2-40B4-BE49-F238E27FC236}">
-                <a16:creationId xmlns:a16="http://schemas.microsoft.com/office/drawing/2014/main" id="{D20E0DA8-69C2-3005-7046-12F0B90015D8}"/>
+                <a16:creationId xmlns:a16="http://schemas.microsoft.com/office/drawing/2014/main" id="{710A8A66-2EAC-AB57-3729-844C42590DA2}"/>
               </a:ext>
             </a:extLst>
           </p:cNvPr>
@@ -12374,7 +12380,7 @@
         </p:nvSpPr>
         <p:spPr>
           <a:xfrm>
-            <a:off x="355025" y="876896"/>
+            <a:off x="355025" y="1017925"/>
             <a:ext cx="1535700" cy="733054"/>
           </a:xfrm>
           <a:prstGeom prst="rect">
@@ -12648,31 +12654,27 @@
             </a:r>
             <a:r>
               <a:rPr lang="en-US" sz="1100" dirty="0"/>
-              <a:t> {{</a:t>
+              <a:t> </a:t>
             </a:r>
             <a:r>
               <a:rPr lang="en-US" sz="1100" dirty="0" err="1"/>
-              <a:t>layoutStart</a:t>
+              <a:t>{{layoutStart}}</a:t>
             </a:r>
             <a:r>
               <a:rPr lang="en-US" sz="1100" dirty="0"/>
-              <a:t>}} – {{</a:t>
+              <a:t> – </a:t>
             </a:r>
             <a:r>
               <a:rPr lang="en-US" sz="1100" dirty="0" err="1"/>
-              <a:t>layoutEnd</a:t>
+              <a:t>{{layoutEnd}}</a:t>
             </a:r>
             <a:r>
               <a:rPr lang="en-US" sz="1100" dirty="0"/>
-              <a:t>}} pour le {{</a:t>
+              <a:t> pour le </a:t>
             </a:r>
             <a:r>
               <a:rPr lang="en-US" sz="1100" dirty="0" err="1"/>
-              <a:t>layoutDocumentType</a:t>
-            </a:r>
-            <a:r>
-              <a:rPr lang="en-US" sz="1100" dirty="0"/>
-              <a:t>}}</a:t>
+              <a:t>{{layoutDocumentType}}</a:t>
             </a:r>
             <a:endParaRPr lang="en-US" sz="1100" i="1" dirty="0"/>
           </a:p>
@@ -12767,17 +12769,15 @@
           <p:cNvPicPr preferRelativeResize="0"/>
           <p:nvPr/>
         </p:nvPicPr>
-        <p:blipFill rotWithShape="1">
-          <a:blip r:embed="rId3">
-            <a:alphaModFix/>
-          </a:blip>
+        <p:blipFill>
+          <a:blip r:embed="rId3"/>
           <a:srcRect/>
           <a:stretch/>
         </p:blipFill>
         <p:spPr>
           <a:xfrm>
-            <a:off x="234325" y="1636713"/>
-            <a:ext cx="4934151" cy="3014899"/>
+            <a:off x="234325" y="1846391"/>
+            <a:ext cx="5067925" cy="2871659"/>
           </a:xfrm>
           <a:prstGeom prst="rect">
             <a:avLst/>
@@ -12792,10 +12792,16 @@
         <p:nvGraphicFramePr>
           <p:cNvPr id="159" name="Google Shape;159;p21"/>
           <p:cNvGraphicFramePr/>
-          <p:nvPr/>
+          <p:nvPr>
+            <p:extLst>
+              <p:ext uri="{D42A27DB-BD31-4B8C-83A1-F6EECF244321}">
+                <p14:modId xmlns:p14="http://schemas.microsoft.com/office/powerpoint/2010/main" val="691776630"/>
+              </p:ext>
+            </p:extLst>
+          </p:nvPr>
         </p:nvGraphicFramePr>
         <p:xfrm>
-          <a:off x="5630600" y="891113"/>
+          <a:off x="5630600" y="872063"/>
           <a:ext cx="3406750" cy="4143875"/>
         </p:xfrm>
         <a:graphic>
@@ -13311,10 +13317,10 @@
                         <a:buNone/>
                       </a:pPr>
                       <a:r>
-                        <a:rPr lang="en-US" sz="1200"/>
-                        <a:t>X%</a:t>
+                        <a:rPr lang="en-US" sz="1200" dirty="0"/>
+                        <a:t>{{pcA1}}</a:t>
                       </a:r>
-                      <a:endParaRPr sz="1200"/>
+                      <a:endParaRPr sz="1200" dirty="0"/>
                     </a:p>
                   </a:txBody>
                   <a:tcPr marL="68575" marR="68575" marT="0" marB="0" anchor="ctr">
@@ -13365,10 +13371,9 @@
                         <a:buNone/>
                       </a:pPr>
                       <a:r>
-                        <a:rPr lang="en-US" sz="1200"/>
-                        <a:t>X%</a:t>
+                        <a:rPr lang="en-US" sz="1200" dirty="0"/>
+                        <a:t>{{pcA2}}</a:t>
                       </a:r>
-                      <a:endParaRPr sz="1200"/>
                     </a:p>
                   </a:txBody>
                   <a:tcPr marL="68575" marR="68575" marT="0" marB="0" anchor="ctr">
@@ -13406,7 +13411,7 @@
                     <a:bodyPr/>
                     <a:lstStyle/>
                     <a:p>
-                      <a:pPr marL="0" lvl="0" indent="0" algn="ctr" rtl="0">
+                      <a:pPr marL="0" marR="0" lvl="0" indent="0" algn="ctr" defTabSz="914400" rtl="0" eaLnBrk="1" fontAlgn="auto" latinLnBrk="0" hangingPunct="1">
                         <a:lnSpc>
                           <a:spcPct val="100000"/>
                         </a:lnSpc>
@@ -13416,13 +13421,19 @@
                         <a:spcAft>
                           <a:spcPts val="0"/>
                         </a:spcAft>
+                        <a:buClr>
+                          <a:srgbClr val="000000"/>
+                        </a:buClr>
+                        <a:buSzTx/>
+                        <a:buFont typeface="Arial"/>
                         <a:buNone/>
+                        <a:tabLst/>
+                        <a:defRPr/>
                       </a:pPr>
                       <a:r>
-                        <a:rPr lang="en-US" sz="1200"/>
-                        <a:t>X%</a:t>
+                        <a:rPr lang="en-US" sz="1200" dirty="0"/>
+                        <a:t>{{pcA3}}</a:t>
                       </a:r>
-                      <a:endParaRPr sz="1200"/>
                     </a:p>
                   </a:txBody>
                   <a:tcPr marL="68575" marR="68575" marT="0" marB="0" anchor="ctr">
@@ -13480,16 +13491,40 @@
                         <a:buNone/>
                       </a:pPr>
                       <a:r>
-                        <a:rPr lang="en-US" sz="1000" i="1">
+                        <a:rPr lang="en-US" sz="1000" i="1" dirty="0">
                           <a:solidFill>
-                            <a:schemeClr val="lt2"/>
+                            <a:schemeClr val="tx1"/>
                           </a:solidFill>
                         </a:rPr>
-                        <a:t>Pop. Centrale - Décohabitation tendancielle</a:t>
+                        <a:t>Pop. Centrale - </a:t>
                       </a:r>
-                      <a:endParaRPr sz="1000" i="1">
+                      <a:r>
+                        <a:rPr lang="en-US" sz="1000" i="1" dirty="0" err="1">
+                          <a:solidFill>
+                            <a:schemeClr val="tx1"/>
+                          </a:solidFill>
+                        </a:rPr>
+                        <a:t>Décohabitation</a:t>
+                      </a:r>
+                      <a:r>
+                        <a:rPr lang="en-US" sz="1000" i="1" dirty="0">
+                          <a:solidFill>
+                            <a:schemeClr val="tx1"/>
+                          </a:solidFill>
+                        </a:rPr>
+                        <a:t> </a:t>
+                      </a:r>
+                      <a:r>
+                        <a:rPr lang="en-US" sz="1000" i="1" dirty="0" err="1">
+                          <a:solidFill>
+                            <a:schemeClr val="tx1"/>
+                          </a:solidFill>
+                        </a:rPr>
+                        <a:t>tendancielle</a:t>
+                      </a:r>
+                      <a:endParaRPr sz="1000" i="1" dirty="0">
                         <a:solidFill>
-                          <a:schemeClr val="lt2"/>
+                          <a:schemeClr val="tx1"/>
                         </a:solidFill>
                       </a:endParaRPr>
                     </a:p>
@@ -13551,18 +13586,9 @@
                         <a:buNone/>
                       </a:pPr>
                       <a:r>
-                        <a:rPr lang="en-US" sz="1200">
-                          <a:solidFill>
-                            <a:schemeClr val="lt2"/>
-                          </a:solidFill>
-                        </a:rPr>
-                        <a:t>X%</a:t>
+                        <a:rPr lang="en-US" sz="1200" dirty="0"/>
+                        <a:t>{{pcT1}}</a:t>
                       </a:r>
-                      <a:endParaRPr sz="1200">
-                        <a:solidFill>
-                          <a:schemeClr val="lt2"/>
-                        </a:solidFill>
-                      </a:endParaRPr>
                     </a:p>
                   </a:txBody>
                   <a:tcPr marL="68575" marR="68575" marT="0" marB="0" anchor="ctr">
@@ -13604,18 +13630,9 @@
                         <a:buNone/>
                       </a:pPr>
                       <a:r>
-                        <a:rPr lang="en-US" sz="1200">
-                          <a:solidFill>
-                            <a:schemeClr val="lt2"/>
-                          </a:solidFill>
-                        </a:rPr>
-                        <a:t>X%</a:t>
+                        <a:rPr lang="en-US" sz="1200" dirty="0"/>
+                        <a:t>{{pcT2}}</a:t>
                       </a:r>
-                      <a:endParaRPr sz="1200">
-                        <a:solidFill>
-                          <a:schemeClr val="lt2"/>
-                        </a:solidFill>
-                      </a:endParaRPr>
                     </a:p>
                   </a:txBody>
                   <a:tcPr marL="68575" marR="68575" marT="0" marB="0" anchor="ctr">
@@ -13657,18 +13674,9 @@
                         <a:buNone/>
                       </a:pPr>
                       <a:r>
-                        <a:rPr lang="en-US" sz="1200">
-                          <a:solidFill>
-                            <a:schemeClr val="lt2"/>
-                          </a:solidFill>
-                        </a:rPr>
-                        <a:t>X%</a:t>
+                        <a:rPr lang="en-US" sz="1200" dirty="0"/>
+                        <a:t>{{pcT3}}</a:t>
                       </a:r>
-                      <a:endParaRPr sz="1200">
-                        <a:solidFill>
-                          <a:schemeClr val="lt2"/>
-                        </a:solidFill>
-                      </a:endParaRPr>
                     </a:p>
                   </a:txBody>
                   <a:tcPr marL="68575" marR="68575" marT="0" marB="0" anchor="ctr">
@@ -13780,10 +13788,9 @@
                         <a:buNone/>
                       </a:pPr>
                       <a:r>
-                        <a:rPr lang="en-US" sz="1200"/>
-                        <a:t>X%</a:t>
+                        <a:rPr lang="en-US" sz="1200" dirty="0"/>
+                        <a:t>{{pcD1}}</a:t>
                       </a:r>
-                      <a:endParaRPr sz="1200"/>
                     </a:p>
                   </a:txBody>
                   <a:tcPr marL="68575" marR="68575" marT="0" marB="0" anchor="ctr">
@@ -13825,10 +13832,9 @@
                         <a:buNone/>
                       </a:pPr>
                       <a:r>
-                        <a:rPr lang="en-US" sz="1200"/>
-                        <a:t>X%</a:t>
+                        <a:rPr lang="en-US" sz="1200" dirty="0"/>
+                        <a:t>{{pcD2}}</a:t>
                       </a:r>
-                      <a:endParaRPr sz="1200"/>
                     </a:p>
                   </a:txBody>
                   <a:tcPr marL="68575" marR="68575" marT="0" marB="0" anchor="ctr">
@@ -13857,7 +13863,7 @@
                     <a:bodyPr/>
                     <a:lstStyle/>
                     <a:p>
-                      <a:pPr marL="0" lvl="0" indent="0" algn="ctr" rtl="0">
+                      <a:pPr marL="0" marR="0" lvl="0" indent="0" algn="ctr" defTabSz="914400" rtl="0" eaLnBrk="1" fontAlgn="auto" latinLnBrk="0" hangingPunct="1">
                         <a:lnSpc>
                           <a:spcPct val="100000"/>
                         </a:lnSpc>
@@ -13867,13 +13873,19 @@
                         <a:spcAft>
                           <a:spcPts val="0"/>
                         </a:spcAft>
+                        <a:buClr>
+                          <a:srgbClr val="000000"/>
+                        </a:buClr>
+                        <a:buSzTx/>
+                        <a:buFont typeface="Arial"/>
                         <a:buNone/>
+                        <a:tabLst/>
+                        <a:defRPr/>
                       </a:pPr>
                       <a:r>
-                        <a:rPr lang="en-US" sz="1200"/>
-                        <a:t>X%</a:t>
+                        <a:rPr lang="en-US" sz="1200" dirty="0"/>
+                        <a:t>{{pcD3}}</a:t>
                       </a:r>
-                      <a:endParaRPr sz="1200"/>
                     </a:p>
                   </a:txBody>
                   <a:tcPr marL="68575" marR="68575" marT="0" marB="0" anchor="ctr">
@@ -13985,10 +13997,10 @@
                         <a:buNone/>
                       </a:pPr>
                       <a:r>
-                        <a:rPr lang="en-US" sz="1200"/>
-                        <a:t>X%</a:t>
+                        <a:rPr lang="en-US" sz="1200" dirty="0"/>
+                        <a:t>{{phT1}}</a:t>
                       </a:r>
-                      <a:endParaRPr sz="1200"/>
+                      <a:endParaRPr sz="1200" dirty="0"/>
                     </a:p>
                   </a:txBody>
                   <a:tcPr marL="68575" marR="68575" marT="0" marB="0" anchor="ctr">
@@ -14030,10 +14042,9 @@
                         <a:buNone/>
                       </a:pPr>
                       <a:r>
-                        <a:rPr lang="en-US" sz="1200"/>
-                        <a:t>X%</a:t>
+                        <a:rPr lang="en-US" sz="1200" dirty="0"/>
+                        <a:t>{{phT2}}</a:t>
                       </a:r>
-                      <a:endParaRPr sz="1200"/>
                     </a:p>
                   </a:txBody>
                   <a:tcPr marL="68575" marR="68575" marT="0" marB="0" anchor="ctr">
@@ -14075,10 +14086,9 @@
                         <a:buNone/>
                       </a:pPr>
                       <a:r>
-                        <a:rPr lang="en-US" sz="1200"/>
-                        <a:t>X%</a:t>
+                        <a:rPr lang="en-US" sz="1200" dirty="0"/>
+                        <a:t>{{phT3}}</a:t>
                       </a:r>
-                      <a:endParaRPr sz="1200"/>
                     </a:p>
                   </a:txBody>
                   <a:tcPr marL="68575" marR="68575" marT="0" marB="0" anchor="ctr">
@@ -14177,7 +14187,7 @@
                     <a:bodyPr/>
                     <a:lstStyle/>
                     <a:p>
-                      <a:pPr marL="0" lvl="0" indent="0" algn="ctr" rtl="0">
+                      <a:pPr marL="0" marR="0" lvl="0" indent="0" algn="ctr" defTabSz="914400" rtl="0" eaLnBrk="1" fontAlgn="auto" latinLnBrk="0" hangingPunct="1">
                         <a:lnSpc>
                           <a:spcPct val="100000"/>
                         </a:lnSpc>
@@ -14187,13 +14197,19 @@
                         <a:spcAft>
                           <a:spcPts val="0"/>
                         </a:spcAft>
+                        <a:buClr>
+                          <a:srgbClr val="000000"/>
+                        </a:buClr>
+                        <a:buSzTx/>
+                        <a:buFont typeface="Arial"/>
                         <a:buNone/>
+                        <a:tabLst/>
+                        <a:defRPr/>
                       </a:pPr>
                       <a:r>
-                        <a:rPr lang="en-US" sz="1200"/>
-                        <a:t>X%</a:t>
+                        <a:rPr lang="en-US" sz="1200" dirty="0"/>
+                        <a:t>{{pbT1}}</a:t>
                       </a:r>
-                      <a:endParaRPr sz="1200"/>
                     </a:p>
                   </a:txBody>
                   <a:tcPr marL="68575" marR="68575" marT="0" marB="0" anchor="ctr">
@@ -14231,7 +14247,7 @@
                     <a:bodyPr/>
                     <a:lstStyle/>
                     <a:p>
-                      <a:pPr marL="0" lvl="0" indent="0" algn="ctr" rtl="0">
+                      <a:pPr marL="0" marR="0" lvl="0" indent="0" algn="ctr" defTabSz="914400" rtl="0" eaLnBrk="1" fontAlgn="auto" latinLnBrk="0" hangingPunct="1">
                         <a:lnSpc>
                           <a:spcPct val="100000"/>
                         </a:lnSpc>
@@ -14241,13 +14257,19 @@
                         <a:spcAft>
                           <a:spcPts val="0"/>
                         </a:spcAft>
+                        <a:buClr>
+                          <a:srgbClr val="000000"/>
+                        </a:buClr>
+                        <a:buSzTx/>
+                        <a:buFont typeface="Arial"/>
                         <a:buNone/>
+                        <a:tabLst/>
+                        <a:defRPr/>
                       </a:pPr>
                       <a:r>
-                        <a:rPr lang="en-US" sz="1200"/>
-                        <a:t>X%</a:t>
+                        <a:rPr lang="en-US" sz="1200" dirty="0"/>
+                        <a:t>{{pbT2}}</a:t>
                       </a:r>
-                      <a:endParaRPr sz="1200"/>
                     </a:p>
                   </a:txBody>
                   <a:tcPr marL="68575" marR="68575" marT="0" marB="0" anchor="ctr">
@@ -14285,7 +14307,7 @@
                     <a:bodyPr/>
                     <a:lstStyle/>
                     <a:p>
-                      <a:pPr marL="0" lvl="0" indent="0" algn="ctr" rtl="0">
+                      <a:pPr marL="0" marR="0" lvl="0" indent="0" algn="ctr" defTabSz="914400" rtl="0" eaLnBrk="1" fontAlgn="auto" latinLnBrk="0" hangingPunct="1">
                         <a:lnSpc>
                           <a:spcPct val="100000"/>
                         </a:lnSpc>
@@ -14295,13 +14317,19 @@
                         <a:spcAft>
                           <a:spcPts val="0"/>
                         </a:spcAft>
+                        <a:buClr>
+                          <a:srgbClr val="000000"/>
+                        </a:buClr>
+                        <a:buSzTx/>
+                        <a:buFont typeface="Arial"/>
                         <a:buNone/>
+                        <a:tabLst/>
+                        <a:defRPr/>
                       </a:pPr>
                       <a:r>
-                        <a:rPr lang="en-US" sz="1200"/>
-                        <a:t>X%</a:t>
+                        <a:rPr lang="en-US" sz="1200" dirty="0"/>
+                        <a:t>{{pbT3}}</a:t>
                       </a:r>
-                      <a:endParaRPr sz="1200"/>
                     </a:p>
                   </a:txBody>
                   <a:tcPr marL="68575" marR="68575" marT="0" marB="0" anchor="ctr">
@@ -14346,10 +14374,10 @@
       </p:graphicFrame>
       <p:sp>
         <p:nvSpPr>
-          <p:cNvPr id="2" name="Google Shape;91;p14">
+          <p:cNvPr id="3" name="Google Shape;91;p14">
             <a:extLst>
               <a:ext uri="{FF2B5EF4-FFF2-40B4-BE49-F238E27FC236}">
-                <a16:creationId xmlns:a16="http://schemas.microsoft.com/office/drawing/2014/main" id="{4D2AFAD5-1BA0-0C24-3F03-2FF40E63E7F4}"/>
+                <a16:creationId xmlns:a16="http://schemas.microsoft.com/office/drawing/2014/main" id="{210AD738-62E3-87E6-2468-773D0087FAEB}"/>
               </a:ext>
             </a:extLst>
           </p:cNvPr>
@@ -14625,19 +14653,30 @@
           <a:p>
             <a:pPr marL="0" indent="0"/>
             <a:r>
-              <a:rPr lang="en-US" sz="1100" i="1"/>
-              <a:t>EPCI {{layoutEpciName}} / BH {{layoutBassinName}}</a:t>
-            </a:r>
-            <a:endParaRPr lang="en-US" sz="1100" i="1" dirty="0"/>
+              <a:rPr lang="en-US" sz="1100" i="1" dirty="0"/>
+              <a:t>EPCI </a:t>
+            </a:r>
+            <a:r>
+              <a:rPr lang="en-US" sz="1100" i="1" dirty="0" err="1"/>
+              <a:t>{{layoutEpciName}}</a:t>
+            </a:r>
+            <a:r>
+              <a:rPr lang="en-US" sz="1100" i="1" dirty="0"/>
+              <a:t> / BH </a:t>
+            </a:r>
+            <a:r>
+              <a:rPr lang="en-US" sz="1100" i="1" dirty="0" err="1"/>
+              <a:t>{{layoutBassinName}}</a:t>
+            </a:r>
           </a:p>
         </p:txBody>
       </p:sp>
       <p:sp>
         <p:nvSpPr>
-          <p:cNvPr id="3" name="Google Shape;92;p14">
+          <p:cNvPr id="6" name="Google Shape;92;p14">
             <a:extLst>
               <a:ext uri="{FF2B5EF4-FFF2-40B4-BE49-F238E27FC236}">
-                <a16:creationId xmlns:a16="http://schemas.microsoft.com/office/drawing/2014/main" id="{E6CCFF36-9FEF-CE52-5B4F-8CD74FB816E3}"/>
+                <a16:creationId xmlns:a16="http://schemas.microsoft.com/office/drawing/2014/main" id="{E646B48C-896E-D64B-4F60-3A381FF5048B}"/>
               </a:ext>
             </a:extLst>
           </p:cNvPr>
@@ -14648,7 +14687,7 @@
         </p:nvSpPr>
         <p:spPr>
           <a:xfrm>
-            <a:off x="355025" y="903659"/>
+            <a:off x="355025" y="1017925"/>
             <a:ext cx="1535700" cy="733054"/>
           </a:xfrm>
           <a:prstGeom prst="rect">
@@ -14922,31 +14961,27 @@
             </a:r>
             <a:r>
               <a:rPr lang="en-US" sz="1100" dirty="0"/>
-              <a:t> {{</a:t>
+              <a:t> </a:t>
             </a:r>
             <a:r>
               <a:rPr lang="en-US" sz="1100" dirty="0" err="1"/>
-              <a:t>layoutStart</a:t>
+              <a:t>{{layoutStart}}</a:t>
             </a:r>
             <a:r>
               <a:rPr lang="en-US" sz="1100" dirty="0"/>
-              <a:t>}} – {{</a:t>
+              <a:t> – </a:t>
             </a:r>
             <a:r>
               <a:rPr lang="en-US" sz="1100" dirty="0" err="1"/>
-              <a:t>layoutEnd</a:t>
+              <a:t>{{layoutEnd}}</a:t>
             </a:r>
             <a:r>
               <a:rPr lang="en-US" sz="1100" dirty="0"/>
-              <a:t>}} pour le {{</a:t>
+              <a:t> pour le </a:t>
             </a:r>
             <a:r>
               <a:rPr lang="en-US" sz="1100" dirty="0" err="1"/>
-              <a:t>layoutDocumentType</a:t>
-            </a:r>
-            <a:r>
-              <a:rPr lang="en-US" sz="1100" dirty="0"/>
-              <a:t>}}</a:t>
+              <a:t>{{layoutDocumentType}}</a:t>
             </a:r>
             <a:endParaRPr lang="en-US" sz="1100" i="1" dirty="0"/>
           </a:p>
@@ -15073,17 +15108,15 @@
           <p:cNvPicPr preferRelativeResize="0"/>
           <p:nvPr/>
         </p:nvPicPr>
-        <p:blipFill rotWithShape="1">
-          <a:blip r:embed="rId3">
-            <a:alphaModFix/>
-          </a:blip>
-          <a:srcRect l="4387" t="18633" r="4387"/>
+        <p:blipFill>
+          <a:blip r:embed="rId3"/>
+          <a:srcRect l="1139" r="1139"/>
           <a:stretch/>
         </p:blipFill>
         <p:spPr>
           <a:xfrm>
-            <a:off x="2922871" y="1438024"/>
-            <a:ext cx="4974349" cy="3100501"/>
+            <a:off x="2577096" y="1243174"/>
+            <a:ext cx="6211879" cy="3551076"/>
           </a:xfrm>
           <a:prstGeom prst="rect">
             <a:avLst/>
@@ -15094,62 +15127,6 @@
           </a:ln>
         </p:spPr>
       </p:pic>
-      <p:sp>
-        <p:nvSpPr>
-          <p:cNvPr id="166" name="Google Shape;166;p22"/>
-          <p:cNvSpPr/>
-          <p:nvPr/>
-        </p:nvSpPr>
-        <p:spPr>
-          <a:xfrm>
-            <a:off x="5260800" y="4226675"/>
-            <a:ext cx="550200" cy="117000"/>
-          </a:xfrm>
-          <a:prstGeom prst="roundRect">
-            <a:avLst>
-              <a:gd name="adj" fmla="val 16667"/>
-            </a:avLst>
-          </a:prstGeom>
-          <a:solidFill>
-            <a:schemeClr val="dk1"/>
-          </a:solidFill>
-          <a:ln w="9525" cap="flat" cmpd="sng">
-            <a:solidFill>
-              <a:schemeClr val="dk1"/>
-            </a:solidFill>
-            <a:prstDash val="solid"/>
-            <a:round/>
-            <a:headEnd type="none" w="sm" len="sm"/>
-            <a:tailEnd type="none" w="sm" len="sm"/>
-          </a:ln>
-        </p:spPr>
-        <p:txBody>
-          <a:bodyPr spcFirstLastPara="1" wrap="square" lIns="91425" tIns="91425" rIns="91425" bIns="91425" anchor="ctr" anchorCtr="0">
-            <a:noAutofit/>
-          </a:bodyPr>
-          <a:lstStyle/>
-          <a:p>
-            <a:pPr marL="0" lvl="0" indent="0" algn="ctr" rtl="0">
-              <a:spcBef>
-                <a:spcPts val="0"/>
-              </a:spcBef>
-              <a:spcAft>
-                <a:spcPts val="0"/>
-              </a:spcAft>
-              <a:buNone/>
-            </a:pPr>
-            <a:endParaRPr>
-              <a:solidFill>
-                <a:schemeClr val="lt1"/>
-              </a:solidFill>
-              <a:latin typeface="Calibri"/>
-              <a:ea typeface="Calibri"/>
-              <a:cs typeface="Calibri"/>
-              <a:sym typeface="Calibri"/>
-            </a:endParaRPr>
-          </a:p>
-        </p:txBody>
-      </p:sp>
       <p:sp>
         <p:nvSpPr>
           <p:cNvPr id="2" name="Google Shape;91;p14">
@@ -15786,10 +15763,34 @@
               <a:buNone/>
             </a:pPr>
             <a:r>
-              <a:rPr lang="en-US"/>
-              <a:t>3. Comparaison des X scenarios retenus </a:t>
-            </a:r>
-            <a:endParaRPr/>
+              <a:rPr lang="en-US" dirty="0"/>
+              <a:t>3. </a:t>
+            </a:r>
+            <a:r>
+              <a:rPr lang="en-US" dirty="0" err="1"/>
+              <a:t>Comparaison</a:t>
+            </a:r>
+            <a:r>
+              <a:rPr lang="en-US" dirty="0"/>
+              <a:t> des </a:t>
+            </a:r>
+            <a:r>
+              <a:rPr lang="en-US" dirty="0" err="1"/>
+              <a:t>{{nb}}</a:t>
+            </a:r>
+            <a:r>
+              <a:rPr lang="en-US" dirty="0"/>
+              <a:t> scenarios </a:t>
+            </a:r>
+            <a:r>
+              <a:rPr lang="en-US" dirty="0" err="1"/>
+              <a:t>retenus</a:t>
+            </a:r>
+            <a:r>
+              <a:rPr lang="en-US" dirty="0"/>
+              <a:t> </a:t>
+            </a:r>
+            <a:endParaRPr dirty="0"/>
           </a:p>
         </p:txBody>
       </p:sp>
@@ -15896,11 +15897,17 @@
         <p:nvGraphicFramePr>
           <p:cNvPr id="179" name="Google Shape;179;p24"/>
           <p:cNvGraphicFramePr/>
-          <p:nvPr/>
+          <p:nvPr>
+            <p:extLst>
+              <p:ext uri="{D42A27DB-BD31-4B8C-83A1-F6EECF244321}">
+                <p14:modId xmlns:p14="http://schemas.microsoft.com/office/powerpoint/2010/main" val="2161532800"/>
+              </p:ext>
+            </p:extLst>
+          </p:nvPr>
         </p:nvGraphicFramePr>
         <p:xfrm>
           <a:off x="2154425" y="866100"/>
-          <a:ext cx="6837225" cy="2983225"/>
+          <a:ext cx="6837225" cy="2971389"/>
         </p:xfrm>
         <a:graphic>
           <a:graphicData uri="http://schemas.openxmlformats.org/drawingml/2006/table">
@@ -16035,14 +16042,22 @@
                         <a:buNone/>
                       </a:pPr>
                       <a:r>
-                        <a:rPr lang="en-US" sz="1200" b="1">
+                        <a:rPr lang="en-US" sz="1200" b="1" dirty="0">
                           <a:solidFill>
                             <a:schemeClr val="dk2"/>
                           </a:solidFill>
                         </a:rPr>
-                        <a:t>🟠 Tendanciel</a:t>
+                        <a:t>🟠 </a:t>
                       </a:r>
-                      <a:endParaRPr sz="1200" b="1">
+                      <a:r>
+                        <a:rPr lang="en-US" sz="1200" b="1" dirty="0" err="1">
+                          <a:solidFill>
+                            <a:schemeClr val="dk2"/>
+                          </a:solidFill>
+                        </a:rPr>
+                        <a:t>Tendanciel</a:t>
+                      </a:r>
+                      <a:endParaRPr sz="1200" b="1" dirty="0">
                         <a:solidFill>
                           <a:schemeClr val="dk2"/>
                         </a:solidFill>
@@ -16110,14 +16125,22 @@
                         <a:buNone/>
                       </a:pPr>
                       <a:r>
-                        <a:rPr lang="en-US" sz="1200" b="1">
+                        <a:rPr lang="en-US" sz="1200" b="1" dirty="0">
                           <a:solidFill>
                             <a:schemeClr val="dk2"/>
                           </a:solidFill>
                         </a:rPr>
-                        <a:t>🟣 Accélération</a:t>
+                        <a:t>🟣 </a:t>
                       </a:r>
-                      <a:endParaRPr sz="1200" b="1">
+                      <a:r>
+                        <a:rPr lang="en-US" sz="1200" b="1" dirty="0" err="1">
+                          <a:solidFill>
+                            <a:schemeClr val="dk2"/>
+                          </a:solidFill>
+                        </a:rPr>
+                        <a:t>Accélération</a:t>
+                      </a:r>
+                      <a:endParaRPr sz="1200" b="1" dirty="0">
                         <a:solidFill>
                           <a:schemeClr val="dk2"/>
                         </a:solidFill>
@@ -16270,7 +16293,7 @@
                         <a:buNone/>
                       </a:pPr>
                       <a:r>
-                        <a:rPr lang="en-US" sz="1100" b="1">
+                        <a:rPr lang="en-US" sz="1100" b="1" dirty="0">
                           <a:solidFill>
                             <a:schemeClr val="accent5"/>
                           </a:solidFill>
@@ -16278,14 +16301,14 @@
                         <a:t>Population </a:t>
                       </a:r>
                       <a:r>
-                        <a:rPr lang="en-US" sz="1100" b="1" i="1">
+                        <a:rPr lang="en-US" sz="1100" b="1" i="1" dirty="0">
                           <a:solidFill>
                             <a:schemeClr val="accent5"/>
                           </a:solidFill>
                         </a:rPr>
-                        <a:t>[horizon]</a:t>
+                        <a:t>{{horizon}}</a:t>
                       </a:r>
-                      <a:endParaRPr sz="1100" b="1" i="1">
+                      <a:endParaRPr sz="1100" b="1" i="1" dirty="0">
                         <a:solidFill>
                           <a:schemeClr val="accent5"/>
                         </a:solidFill>
@@ -16355,15 +16378,15 @@
                         <a:buNone/>
                       </a:pPr>
                       <a:r>
-                        <a:rPr lang="en-US" sz="1100" i="1">
+                        <a:rPr lang="en-US" sz="1100" i="1" dirty="0" err="1">
                           <a:solidFill>
                             <a:schemeClr val="dk1"/>
                           </a:solidFill>
                         </a:rPr>
-                        <a:t>[nom scenario] X</a:t>
+                        <a:t>{{scenarioName}} {{tendanciel}}</a:t>
                       </a:r>
                       <a:r>
-                        <a:rPr lang="en-US" sz="1100">
+                        <a:rPr lang="en-US" sz="1100" dirty="0">
                           <a:solidFill>
                             <a:schemeClr val="dk1"/>
                           </a:solidFill>
@@ -16371,10 +16394,10 @@
                         <a:t> </a:t>
                       </a:r>
                       <a:r>
-                        <a:rPr lang="en-US" sz="1100" i="1"/>
+                        <a:rPr lang="en-US" sz="1100" i="1" dirty="0"/>
                         <a:t>hab.</a:t>
                       </a:r>
-                      <a:endParaRPr sz="1100" i="1"/>
+                      <a:endParaRPr sz="1100" i="1" dirty="0"/>
                     </a:p>
                   </a:txBody>
                   <a:tcPr marL="28575" marR="28575" marT="19050" marB="19050" anchor="ctr">
@@ -16438,18 +16461,26 @@
                         <a:buNone/>
                       </a:pPr>
                       <a:r>
-                        <a:rPr lang="en-US" sz="1100" i="1">
+                        <a:rPr lang="en-US" sz="1100" i="1" dirty="0" err="1">
                           <a:solidFill>
                             <a:schemeClr val="dk1"/>
                           </a:solidFill>
                         </a:rPr>
-                        <a:t>[nom scenario] X</a:t>
+                        <a:t>{{scenarioName}}</a:t>
                       </a:r>
                       <a:r>
-                        <a:rPr lang="en-US" sz="1100"/>
+                        <a:rPr lang="en-US" sz="1100" i="1" dirty="0">
+                          <a:solidFill>
+                            <a:schemeClr val="dk1"/>
+                          </a:solidFill>
+                        </a:rPr>
+                        <a:t> {{acceleration}}</a:t>
+                      </a:r>
+                      <a:r>
+                        <a:rPr lang="en-US" sz="1100" dirty="0"/>
                         <a:t> hab.</a:t>
                       </a:r>
-                      <a:endParaRPr sz="1100"/>
+                      <a:endParaRPr sz="1100" dirty="0"/>
                     </a:p>
                   </a:txBody>
                   <a:tcPr marL="28575" marR="28575" marT="19050" marB="19050" anchor="ctr">
@@ -16516,15 +16547,23 @@
                         <a:buNone/>
                       </a:pPr>
                       <a:r>
-                        <a:rPr lang="en-US" sz="1100" i="1">
+                        <a:rPr lang="en-US" sz="1100" i="1" dirty="0" err="1">
                           <a:solidFill>
                             <a:schemeClr val="dk1"/>
                           </a:solidFill>
                         </a:rPr>
-                        <a:t>[nom scenario] X</a:t>
+                        <a:t>{{scenarioName}}</a:t>
                       </a:r>
                       <a:r>
-                        <a:rPr lang="en-US" sz="1100">
+                        <a:rPr lang="en-US" sz="1100" i="1" dirty="0">
+                          <a:solidFill>
+                            <a:schemeClr val="dk1"/>
+                          </a:solidFill>
+                        </a:rPr>
+                        <a:t> {{default}}</a:t>
+                      </a:r>
+                      <a:r>
+                        <a:rPr lang="en-US" sz="1100" dirty="0">
                           <a:solidFill>
                             <a:schemeClr val="dk1"/>
                           </a:solidFill>
@@ -16532,10 +16571,10 @@
                         <a:t> </a:t>
                       </a:r>
                       <a:r>
-                        <a:rPr lang="en-US" sz="1100"/>
+                        <a:rPr lang="en-US" sz="1100" dirty="0"/>
                         <a:t>hab.</a:t>
                       </a:r>
-                      <a:endParaRPr sz="1100"/>
+                      <a:endParaRPr sz="1100" dirty="0"/>
                     </a:p>
                   </a:txBody>
                   <a:tcPr marL="91425" marR="91425" marT="19050" marB="19050" anchor="ctr">
@@ -16606,7 +16645,7 @@
                         <a:buNone/>
                       </a:pPr>
                       <a:r>
-                        <a:rPr lang="en-US" sz="1100" b="1">
+                        <a:rPr lang="en-US" sz="1100" b="1" dirty="0">
                           <a:solidFill>
                             <a:schemeClr val="accent5"/>
                           </a:solidFill>
@@ -16614,14 +16653,14 @@
                         <a:t>Ménages </a:t>
                       </a:r>
                       <a:r>
-                        <a:rPr lang="en-US" sz="1100" b="1" i="1">
+                        <a:rPr lang="en-US" sz="1100" b="1" i="1" dirty="0">
                           <a:solidFill>
                             <a:schemeClr val="accent5"/>
                           </a:solidFill>
                         </a:rPr>
-                        <a:t>[horizon]</a:t>
+                        <a:t>{{horizon}}</a:t>
                       </a:r>
-                      <a:endParaRPr sz="1100" b="1" i="1">
+                      <a:endParaRPr sz="1100" b="1" i="1" dirty="0">
                         <a:solidFill>
                           <a:schemeClr val="accent5"/>
                         </a:solidFill>
@@ -16691,10 +16730,22 @@
                         <a:buNone/>
                       </a:pPr>
                       <a:r>
-                        <a:rPr lang="en-US" sz="1100"/>
-                        <a:t> X Rés. Principales</a:t>
+                        <a:rPr lang="en-US" sz="1100" dirty="0"/>
+                        <a:t> {{prin1}} </a:t>
                       </a:r>
-                      <a:endParaRPr sz="1100"/>
+                      <a:r>
+                        <a:rPr lang="en-US" sz="1100" dirty="0" err="1"/>
+                        <a:t>Rés</a:t>
+                      </a:r>
+                      <a:r>
+                        <a:rPr lang="en-US" sz="1100" dirty="0"/>
+                        <a:t>. </a:t>
+                      </a:r>
+                      <a:r>
+                        <a:rPr lang="en-US" sz="1100" dirty="0" err="1"/>
+                        <a:t>Principales</a:t>
+                      </a:r>
+                      <a:endParaRPr sz="1100" dirty="0"/>
                     </a:p>
                   </a:txBody>
                   <a:tcPr marL="28575" marR="28575" marT="19050" marB="19050" anchor="ctr">
@@ -16763,14 +16814,38 @@
                         <a:buNone/>
                       </a:pPr>
                       <a:r>
-                        <a:rPr lang="en-US" sz="1100">
+                        <a:rPr lang="en-US" sz="1100" dirty="0">
                           <a:solidFill>
                             <a:schemeClr val="dk1"/>
                           </a:solidFill>
                         </a:rPr>
-                        <a:t>X Rés. Principales</a:t>
+                        <a:t>{{prin2}} </a:t>
                       </a:r>
-                      <a:endParaRPr sz="1100" b="1"/>
+                      <a:r>
+                        <a:rPr lang="en-US" sz="1100" dirty="0" err="1">
+                          <a:solidFill>
+                            <a:schemeClr val="dk1"/>
+                          </a:solidFill>
+                        </a:rPr>
+                        <a:t>Rés</a:t>
+                      </a:r>
+                      <a:r>
+                        <a:rPr lang="en-US" sz="1100" dirty="0">
+                          <a:solidFill>
+                            <a:schemeClr val="dk1"/>
+                          </a:solidFill>
+                        </a:rPr>
+                        <a:t>. </a:t>
+                      </a:r>
+                      <a:r>
+                        <a:rPr lang="en-US" sz="1100" dirty="0" err="1">
+                          <a:solidFill>
+                            <a:schemeClr val="dk1"/>
+                          </a:solidFill>
+                        </a:rPr>
+                        <a:t>Principales</a:t>
+                      </a:r>
+                      <a:endParaRPr sz="1100" b="1" dirty="0"/>
                     </a:p>
                   </a:txBody>
                   <a:tcPr marL="28575" marR="28575" marT="19050" marB="19050" anchor="ctr">
@@ -16842,14 +16917,38 @@
                         <a:buNone/>
                       </a:pPr>
                       <a:r>
-                        <a:rPr lang="en-US" sz="1100">
+                        <a:rPr lang="en-US" sz="1100" dirty="0">
                           <a:solidFill>
                             <a:schemeClr val="dk1"/>
                           </a:solidFill>
                         </a:rPr>
-                        <a:t>X Rés. Principales</a:t>
+                        <a:t>{{prin3}} </a:t>
                       </a:r>
-                      <a:endParaRPr sz="1100"/>
+                      <a:r>
+                        <a:rPr lang="en-US" sz="1100" dirty="0" err="1">
+                          <a:solidFill>
+                            <a:schemeClr val="dk1"/>
+                          </a:solidFill>
+                        </a:rPr>
+                        <a:t>Rés</a:t>
+                      </a:r>
+                      <a:r>
+                        <a:rPr lang="en-US" sz="1100" dirty="0">
+                          <a:solidFill>
+                            <a:schemeClr val="dk1"/>
+                          </a:solidFill>
+                        </a:rPr>
+                        <a:t>. </a:t>
+                      </a:r>
+                      <a:r>
+                        <a:rPr lang="en-US" sz="1100" dirty="0" err="1">
+                          <a:solidFill>
+                            <a:schemeClr val="dk1"/>
+                          </a:solidFill>
+                        </a:rPr>
+                        <a:t>Principales</a:t>
+                      </a:r>
+                      <a:endParaRPr sz="1100" dirty="0"/>
                     </a:p>
                   </a:txBody>
                   <a:tcPr marL="28575" marR="28575" marT="19050" marB="19050" anchor="ctr">
@@ -16997,17 +17096,25 @@
                         <a:buNone/>
                       </a:pPr>
                       <a:r>
-                        <a:rPr lang="en-US" sz="1100" i="1"/>
-                        <a:t>Tendance actuelle</a:t>
+                        <a:rPr lang="en-US" sz="1100" i="1" dirty="0"/>
+                        <a:t>Tendance </a:t>
+                      </a:r>
+                      <a:r>
+                        <a:rPr lang="en-US" sz="1100" i="1" dirty="0" err="1"/>
+                        <a:t>actuelle</a:t>
                       </a:r>
                       <a:br>
-                        <a:rPr lang="en-US" sz="1100" i="1"/>
+                        <a:rPr lang="en-US" sz="1100" i="1" dirty="0"/>
                       </a:br>
                       <a:r>
-                        <a:rPr lang="en-US" sz="1100" i="1"/>
-                        <a:t>[Taille des ménages à horizon]</a:t>
+                        <a:rPr lang="en-US" sz="1100" i="1" dirty="0">
+                          <a:solidFill>
+                            <a:schemeClr val="dk1"/>
+                          </a:solidFill>
+                        </a:rPr>
+                        <a:t>{{menagesHorizon1}}</a:t>
                       </a:r>
-                      <a:endParaRPr sz="1100" i="1"/>
+                      <a:endParaRPr sz="1100" i="1" dirty="0"/>
                     </a:p>
                   </a:txBody>
                   <a:tcPr marL="28575" marR="28575" marT="19050" marB="19050" anchor="ctr">
@@ -17071,10 +17178,18 @@
                         <a:buNone/>
                       </a:pPr>
                       <a:r>
-                        <a:rPr lang="en-US" sz="1100" i="1"/>
-                        <a:t>Décohabitation accélérée</a:t>
+                        <a:rPr lang="en-US" sz="1100" i="1" dirty="0" err="1"/>
+                        <a:t>Décohabitation</a:t>
                       </a:r>
-                      <a:endParaRPr sz="1100" i="1"/>
+                      <a:r>
+                        <a:rPr lang="en-US" sz="1100" i="1" dirty="0"/>
+                        <a:t> </a:t>
+                      </a:r>
+                      <a:r>
+                        <a:rPr lang="en-US" sz="1100" i="1" dirty="0" err="1"/>
+                        <a:t>accélérée</a:t>
+                      </a:r>
+                      <a:endParaRPr sz="1100" i="1" dirty="0"/>
                     </a:p>
                     <a:p>
                       <a:pPr marL="45720" marR="45720" lvl="0" indent="0" algn="l" rtl="0">
@@ -17095,14 +17210,14 @@
                         <a:buNone/>
                       </a:pPr>
                       <a:r>
-                        <a:rPr lang="en-US" sz="1100" i="1">
+                        <a:rPr lang="en-US" sz="1100" i="1" dirty="0">
                           <a:solidFill>
                             <a:schemeClr val="dk1"/>
                           </a:solidFill>
                         </a:rPr>
-                        <a:t>[Taille des ménages à horizon]</a:t>
+                        <a:t>{{menagesHorizon2}}</a:t>
                       </a:r>
-                      <a:endParaRPr sz="1100" b="1" i="1"/>
+                      <a:endParaRPr lang="en-US" sz="1100" i="1" dirty="0"/>
                     </a:p>
                   </a:txBody>
                   <a:tcPr marL="28575" marR="28575" marT="19050" marB="19050" anchor="ctr">
@@ -17169,10 +17284,14 @@
                         <a:buNone/>
                       </a:pPr>
                       <a:r>
-                        <a:rPr lang="en-US" sz="1100" i="1"/>
-                        <a:t>Tendance actuelle</a:t>
+                        <a:rPr lang="en-US" sz="1100" i="1" dirty="0"/>
+                        <a:t>Tendance </a:t>
                       </a:r>
-                      <a:endParaRPr sz="1100" i="1"/>
+                      <a:r>
+                        <a:rPr lang="en-US" sz="1100" i="1" dirty="0" err="1"/>
+                        <a:t>actuelle</a:t>
+                      </a:r>
+                      <a:endParaRPr sz="1100" i="1" dirty="0"/>
                     </a:p>
                     <a:p>
                       <a:pPr marL="45720" marR="45720" lvl="0" indent="0" algn="l" rtl="0">
@@ -17193,14 +17312,14 @@
                         <a:buNone/>
                       </a:pPr>
                       <a:r>
-                        <a:rPr lang="en-US" sz="1100" i="1">
+                        <a:rPr lang="en-US" sz="1100" i="1" dirty="0">
                           <a:solidFill>
                             <a:schemeClr val="dk1"/>
                           </a:solidFill>
                         </a:rPr>
-                        <a:t>[Taille des ménages à horizon]</a:t>
+                        <a:t>{{menagesHorizon3}}</a:t>
                       </a:r>
-                      <a:endParaRPr sz="1100" i="1"/>
+                      <a:endParaRPr sz="1100" i="1" dirty="0"/>
                     </a:p>
                   </a:txBody>
                   <a:tcPr marL="91425" marR="91425" marT="19050" marB="19050" anchor="ctr">
@@ -17353,14 +17472,14 @@
                         <a:buNone/>
                       </a:pPr>
                       <a:r>
-                        <a:rPr lang="en-US" sz="1100" i="1">
+                        <a:rPr lang="en-US" sz="1100" i="1" dirty="0">
                           <a:solidFill>
                             <a:schemeClr val="dk1"/>
                           </a:solidFill>
                         </a:rPr>
-                        <a:t>X% </a:t>
+                        <a:t>{{vacance1}}% </a:t>
                       </a:r>
-                      <a:endParaRPr sz="1100" i="1"/>
+                      <a:endParaRPr sz="1100" i="1" dirty="0"/>
                     </a:p>
                   </a:txBody>
                   <a:tcPr marL="28575" marR="28575" marT="19050" marB="19050" anchor="ctr">
@@ -17424,14 +17543,14 @@
                         <a:buNone/>
                       </a:pPr>
                       <a:r>
-                        <a:rPr lang="en-US" sz="1100" i="1">
+                        <a:rPr lang="en-US" sz="1100" i="1" dirty="0">
                           <a:solidFill>
                             <a:schemeClr val="dk1"/>
                           </a:solidFill>
                         </a:rPr>
-                        <a:t>X% </a:t>
+                        <a:t>{{vacance2}}% </a:t>
                       </a:r>
-                      <a:endParaRPr sz="1100" i="1"/>
+                      <a:endParaRPr sz="1100" i="1" dirty="0"/>
                     </a:p>
                   </a:txBody>
                   <a:tcPr marL="28575" marR="28575" marT="19050" marB="19050" anchor="ctr">
@@ -17649,10 +17768,10 @@
                         <a:buNone/>
                       </a:pPr>
                       <a:r>
-                        <a:rPr lang="en-US" sz="1100" i="1"/>
-                        <a:t>X% </a:t>
+                        <a:rPr lang="en-US" sz="1100" i="1" dirty="0"/>
+                        <a:t>{{rs1}}% </a:t>
                       </a:r>
-                      <a:endParaRPr sz="1100" i="1"/>
+                      <a:endParaRPr sz="1100" i="1" dirty="0"/>
                     </a:p>
                   </a:txBody>
                   <a:tcPr marL="28575" marR="28575" marT="19050" marB="19050" anchor="ctr">
@@ -17721,14 +17840,18 @@
                         <a:buNone/>
                       </a:pPr>
                       <a:r>
-                        <a:rPr lang="en-US" sz="1100" i="1">
+                        <a:rPr lang="en-US" sz="1100" i="1" dirty="0"/>
+                        <a:t>{{rs2}}</a:t>
+                      </a:r>
+                      <a:r>
+                        <a:rPr lang="en-US" sz="1100" i="1" dirty="0">
                           <a:solidFill>
                             <a:schemeClr val="dk1"/>
                           </a:solidFill>
                         </a:rPr>
-                        <a:t>X% </a:t>
+                        <a:t>% </a:t>
                       </a:r>
-                      <a:endParaRPr sz="1100" i="1"/>
+                      <a:endParaRPr sz="1100" i="1" dirty="0"/>
                     </a:p>
                   </a:txBody>
                   <a:tcPr marL="28575" marR="28575" marT="19050" marB="19050" anchor="ctr">
@@ -17946,10 +18069,14 @@
                         <a:buNone/>
                       </a:pPr>
                       <a:r>
-                        <a:rPr lang="en-US" sz="1100" i="1"/>
-                        <a:t>D'ici xxxx</a:t>
+                        <a:rPr lang="en-US" sz="1100" i="1" dirty="0" err="1"/>
+                        <a:t>D'ici</a:t>
                       </a:r>
-                      <a:endParaRPr sz="1100" i="1"/>
+                      <a:r>
+                        <a:rPr lang="en-US" sz="1100" i="1" dirty="0"/>
+                        <a:t> {{resorb1}}</a:t>
+                      </a:r>
+                      <a:endParaRPr sz="1100" i="1" dirty="0"/>
                     </a:p>
                   </a:txBody>
                   <a:tcPr marL="28575" marR="28575" marT="19050" marB="19050" anchor="ctr">
@@ -18013,10 +18140,14 @@
                         <a:buNone/>
                       </a:pPr>
                       <a:r>
-                        <a:rPr lang="en-US" sz="1100" i="1"/>
-                        <a:t>D'ici xxxx</a:t>
+                        <a:rPr lang="en-US" sz="1100" i="1" dirty="0" err="1"/>
+                        <a:t>D'ici</a:t>
                       </a:r>
-                      <a:endParaRPr sz="1100" i="1"/>
+                      <a:r>
+                        <a:rPr lang="en-US" sz="1100" i="1" dirty="0"/>
+                        <a:t> {{resorb2}}</a:t>
+                      </a:r>
+                      <a:endParaRPr sz="1100" i="1" dirty="0"/>
                     </a:p>
                   </a:txBody>
                   <a:tcPr marL="28575" marR="28575" marT="19050" marB="19050" anchor="ctr">
@@ -18083,10 +18214,14 @@
                         <a:buNone/>
                       </a:pPr>
                       <a:r>
-                        <a:rPr lang="en-US" sz="1100" i="1"/>
-                        <a:t>D'ici xxxx</a:t>
+                        <a:rPr lang="en-US" sz="1100" i="1" dirty="0" err="1"/>
+                        <a:t>D'ici</a:t>
                       </a:r>
-                      <a:endParaRPr sz="1100" i="1"/>
+                      <a:r>
+                        <a:rPr lang="en-US" sz="1100" i="1" dirty="0"/>
+                        <a:t> {{resorb3}}</a:t>
+                      </a:r>
+                      <a:endParaRPr sz="1100" i="1" dirty="0"/>
                     </a:p>
                   </a:txBody>
                   <a:tcPr marL="28575" marR="28575" marT="19050" marB="19050" anchor="ctr">
@@ -18182,14 +18317,70 @@
               <a:buNone/>
             </a:pPr>
             <a:r>
-              <a:rPr lang="en-US" sz="1100" b="1" u="sng">
+              <a:rPr lang="en-US" sz="1100" b="1" u="sng" dirty="0" err="1">
                 <a:solidFill>
                   <a:schemeClr val="dk1"/>
                 </a:solidFill>
               </a:rPr>
-              <a:t>Pourquoi avoir choisir le scenario [ nom du scenario privilégié ] :</a:t>
-            </a:r>
-            <a:endParaRPr sz="1100" u="sng">
+              <a:t>Pourquoi</a:t>
+            </a:r>
+            <a:r>
+              <a:rPr lang="en-US" sz="1100" b="1" u="sng" dirty="0">
+                <a:solidFill>
+                  <a:schemeClr val="dk1"/>
+                </a:solidFill>
+              </a:rPr>
+              <a:t> </a:t>
+            </a:r>
+            <a:r>
+              <a:rPr lang="en-US" sz="1100" b="1" u="sng" dirty="0" err="1">
+                <a:solidFill>
+                  <a:schemeClr val="dk1"/>
+                </a:solidFill>
+              </a:rPr>
+              <a:t>avoir</a:t>
+            </a:r>
+            <a:r>
+              <a:rPr lang="en-US" sz="1100" b="1" u="sng" dirty="0">
+                <a:solidFill>
+                  <a:schemeClr val="dk1"/>
+                </a:solidFill>
+              </a:rPr>
+              <a:t> </a:t>
+            </a:r>
+            <a:r>
+              <a:rPr lang="en-US" sz="1100" b="1" u="sng" dirty="0" err="1">
+                <a:solidFill>
+                  <a:schemeClr val="dk1"/>
+                </a:solidFill>
+              </a:rPr>
+              <a:t>choisir</a:t>
+            </a:r>
+            <a:r>
+              <a:rPr lang="en-US" sz="1100" b="1" u="sng" dirty="0">
+                <a:solidFill>
+                  <a:schemeClr val="dk1"/>
+                </a:solidFill>
+              </a:rPr>
+              <a:t> le scenario </a:t>
+            </a:r>
+            <a:r>
+              <a:rPr lang="en-US" sz="1100" b="1" u="sng" dirty="0" err="1">
+                <a:solidFill>
+                  <a:schemeClr val="dk1"/>
+                </a:solidFill>
+              </a:rPr>
+              <a:t>{{privilegedScenario}}</a:t>
+            </a:r>
+            <a:r>
+              <a:rPr lang="en-US" sz="1100" b="1" u="sng" dirty="0">
+                <a:solidFill>
+                  <a:schemeClr val="dk1"/>
+                </a:solidFill>
+              </a:rPr>
+              <a:t> :</a:t>
+            </a:r>
+            <a:endParaRPr sz="1100" u="sng" dirty="0">
               <a:solidFill>
                 <a:schemeClr val="dk1"/>
               </a:solidFill>
@@ -18208,7 +18399,7 @@
               </a:spcAft>
               <a:buNone/>
             </a:pPr>
-            <a:endParaRPr sz="1100">
+            <a:endParaRPr sz="1100" dirty="0">
               <a:solidFill>
                 <a:schemeClr val="dk1"/>
               </a:solidFill>
@@ -18785,8 +18976,36 @@
           <a:p>
             <a:pPr marL="0" indent="0"/>
             <a:r>
-              <a:rPr lang="en-US" sz="1100"/>
-              <a:t>Estimation sur la période {{layoutStart}} – {{layoutEnd}} pour le {{layoutDocumentType}}</a:t>
+              <a:rPr lang="en-US" sz="1100" dirty="0"/>
+              <a:t>Estimation sur la </a:t>
+            </a:r>
+            <a:r>
+              <a:rPr lang="en-US" sz="1100" dirty="0" err="1"/>
+              <a:t>période</a:t>
+            </a:r>
+            <a:r>
+              <a:rPr lang="en-US" sz="1100" dirty="0"/>
+              <a:t> </a:t>
+            </a:r>
+            <a:r>
+              <a:rPr lang="en-US" sz="1100" dirty="0" err="1"/>
+              <a:t>{{layoutStart}}</a:t>
+            </a:r>
+            <a:r>
+              <a:rPr lang="en-US" sz="1100" dirty="0"/>
+              <a:t> – </a:t>
+            </a:r>
+            <a:r>
+              <a:rPr lang="en-US" sz="1100" dirty="0" err="1"/>
+              <a:t>{{layoutEnd}}</a:t>
+            </a:r>
+            <a:r>
+              <a:rPr lang="en-US" sz="1100" dirty="0"/>
+              <a:t> pour le </a:t>
+            </a:r>
+            <a:r>
+              <a:rPr lang="en-US" sz="1100" dirty="0" err="1"/>
+              <a:t>{{layoutDocumentType}}</a:t>
             </a:r>
             <a:endParaRPr lang="en-US" sz="1100" i="1" dirty="0"/>
           </a:p>
@@ -18918,14 +19137,22 @@
               <a:buNone/>
             </a:pPr>
             <a:r>
-              <a:rPr lang="en-US" sz="2000" i="1">
+              <a:rPr lang="en-US" sz="2000" i="1" dirty="0" err="1">
                 <a:solidFill>
                   <a:srgbClr val="262626"/>
                 </a:solidFill>
               </a:rPr>
-              <a:t>Période document xxxx-xxxx</a:t>
-            </a:r>
-            <a:endParaRPr sz="800" i="1">
+              <a:t>Période</a:t>
+            </a:r>
+            <a:r>
+              <a:rPr lang="en-US" sz="2000" i="1" dirty="0">
+                <a:solidFill>
+                  <a:srgbClr val="262626"/>
+                </a:solidFill>
+              </a:rPr>
+              <a:t> document {{start}}-{{end}}</a:t>
+            </a:r>
+            <a:endParaRPr sz="800" i="1" dirty="0">
               <a:solidFill>
                 <a:srgbClr val="262626"/>
               </a:solidFill>
@@ -18937,7 +19164,13 @@
         <p:nvGraphicFramePr>
           <p:cNvPr id="189" name="Google Shape;189;p25"/>
           <p:cNvGraphicFramePr/>
-          <p:nvPr/>
+          <p:nvPr>
+            <p:extLst>
+              <p:ext uri="{D42A27DB-BD31-4B8C-83A1-F6EECF244321}">
+                <p14:modId xmlns:p14="http://schemas.microsoft.com/office/powerpoint/2010/main" val="3619413292"/>
+              </p:ext>
+            </p:extLst>
+          </p:nvPr>
         </p:nvGraphicFramePr>
         <p:xfrm>
           <a:off x="2191725" y="1064650"/>
@@ -19335,7 +19568,11 @@
                         </a:spcAft>
                         <a:buNone/>
                       </a:pPr>
-                      <a:endParaRPr/>
+                      <a:r>
+                        <a:rPr lang="en-US" dirty="0"/>
+                        <a:t>{{newHousing1}}</a:t>
+                      </a:r>
+                      <a:endParaRPr dirty="0"/>
                     </a:p>
                   </a:txBody>
                   <a:tcPr marL="28575" marR="28575" marT="19050" marB="19050" anchor="ctr">
@@ -19384,16 +19621,29 @@
                     <a:bodyPr/>
                     <a:lstStyle/>
                     <a:p>
-                      <a:pPr marL="0" lvl="0" indent="0" algn="l" rtl="0">
+                      <a:pPr marL="0" marR="0" lvl="0" indent="0" algn="l" defTabSz="914400" rtl="0" eaLnBrk="1" fontAlgn="auto" latinLnBrk="0" hangingPunct="1">
+                        <a:lnSpc>
+                          <a:spcPct val="100000"/>
+                        </a:lnSpc>
                         <a:spcBef>
                           <a:spcPts val="0"/>
                         </a:spcBef>
                         <a:spcAft>
                           <a:spcPts val="0"/>
                         </a:spcAft>
+                        <a:buClr>
+                          <a:srgbClr val="000000"/>
+                        </a:buClr>
+                        <a:buSzTx/>
+                        <a:buFont typeface="Arial"/>
                         <a:buNone/>
+                        <a:tabLst/>
+                        <a:defRPr/>
                       </a:pPr>
-                      <a:endParaRPr/>
+                      <a:r>
+                        <a:rPr lang="en-US" dirty="0"/>
+                        <a:t>{{newHousing2}}</a:t>
+                      </a:r>
                     </a:p>
                   </a:txBody>
                   <a:tcPr marL="28575" marR="28575" marT="19050" marB="19050" anchor="ctr">
@@ -19442,16 +19692,29 @@
                     <a:bodyPr/>
                     <a:lstStyle/>
                     <a:p>
-                      <a:pPr marL="0" lvl="0" indent="0" algn="l" rtl="0">
+                      <a:pPr marL="0" marR="0" lvl="0" indent="0" algn="l" defTabSz="914400" rtl="0" eaLnBrk="1" fontAlgn="auto" latinLnBrk="0" hangingPunct="1">
+                        <a:lnSpc>
+                          <a:spcPct val="100000"/>
+                        </a:lnSpc>
                         <a:spcBef>
                           <a:spcPts val="0"/>
                         </a:spcBef>
                         <a:spcAft>
                           <a:spcPts val="0"/>
                         </a:spcAft>
+                        <a:buClr>
+                          <a:srgbClr val="000000"/>
+                        </a:buClr>
+                        <a:buSzTx/>
+                        <a:buFont typeface="Arial"/>
                         <a:buNone/>
+                        <a:tabLst/>
+                        <a:defRPr/>
                       </a:pPr>
-                      <a:endParaRPr/>
+                      <a:r>
+                        <a:rPr lang="en-US" dirty="0"/>
+                        <a:t>{{newHousing3}}</a:t>
+                      </a:r>
                     </a:p>
                   </a:txBody>
                   <a:tcPr marL="28575" marR="28575" marT="19050" marB="19050" anchor="ctr">
@@ -19570,16 +19833,29 @@
                     <a:bodyPr/>
                     <a:lstStyle/>
                     <a:p>
-                      <a:pPr marL="0" lvl="0" indent="0" algn="l" rtl="0">
+                      <a:pPr marL="0" marR="0" lvl="0" indent="0" algn="l" defTabSz="914400" rtl="0" eaLnBrk="1" fontAlgn="auto" latinLnBrk="0" hangingPunct="1">
+                        <a:lnSpc>
+                          <a:spcPct val="100000"/>
+                        </a:lnSpc>
                         <a:spcBef>
                           <a:spcPts val="0"/>
                         </a:spcBef>
                         <a:spcAft>
                           <a:spcPts val="0"/>
                         </a:spcAft>
+                        <a:buClr>
+                          <a:srgbClr val="000000"/>
+                        </a:buClr>
+                        <a:buSzTx/>
+                        <a:buFont typeface="Arial"/>
                         <a:buNone/>
+                        <a:tabLst/>
+                        <a:defRPr/>
                       </a:pPr>
-                      <a:endParaRPr/>
+                      <a:r>
+                        <a:rPr lang="en-US" dirty="0"/>
+                        <a:t>{{demographic1}}</a:t>
+                      </a:r>
                     </a:p>
                   </a:txBody>
                   <a:tcPr marL="28575" marR="28575" marT="19050" marB="19050" anchor="ctr">
@@ -19630,16 +19906,29 @@
                     <a:bodyPr/>
                     <a:lstStyle/>
                     <a:p>
-                      <a:pPr marL="0" lvl="0" indent="0" algn="l" rtl="0">
+                      <a:pPr marL="0" marR="0" lvl="0" indent="0" algn="l" defTabSz="914400" rtl="0" eaLnBrk="1" fontAlgn="auto" latinLnBrk="0" hangingPunct="1">
+                        <a:lnSpc>
+                          <a:spcPct val="100000"/>
+                        </a:lnSpc>
                         <a:spcBef>
                           <a:spcPts val="0"/>
                         </a:spcBef>
                         <a:spcAft>
                           <a:spcPts val="0"/>
                         </a:spcAft>
+                        <a:buClr>
+                          <a:srgbClr val="000000"/>
+                        </a:buClr>
+                        <a:buSzTx/>
+                        <a:buFont typeface="Arial"/>
                         <a:buNone/>
+                        <a:tabLst/>
+                        <a:defRPr/>
                       </a:pPr>
-                      <a:endParaRPr/>
+                      <a:r>
+                        <a:rPr lang="en-US" dirty="0"/>
+                        <a:t>{{demographic2}}</a:t>
+                      </a:r>
                     </a:p>
                   </a:txBody>
                   <a:tcPr marL="28575" marR="28575" marT="19050" marB="19050" anchor="ctr">
@@ -19690,16 +19979,29 @@
                     <a:bodyPr/>
                     <a:lstStyle/>
                     <a:p>
-                      <a:pPr marL="0" lvl="0" indent="0" algn="l" rtl="0">
+                      <a:pPr marL="0" marR="0" lvl="0" indent="0" algn="l" defTabSz="914400" rtl="0" eaLnBrk="1" fontAlgn="auto" latinLnBrk="0" hangingPunct="1">
+                        <a:lnSpc>
+                          <a:spcPct val="100000"/>
+                        </a:lnSpc>
                         <a:spcBef>
                           <a:spcPts val="0"/>
                         </a:spcBef>
                         <a:spcAft>
                           <a:spcPts val="0"/>
                         </a:spcAft>
+                        <a:buClr>
+                          <a:srgbClr val="000000"/>
+                        </a:buClr>
+                        <a:buSzTx/>
+                        <a:buFont typeface="Arial"/>
                         <a:buNone/>
+                        <a:tabLst/>
+                        <a:defRPr/>
                       </a:pPr>
-                      <a:endParaRPr/>
+                      <a:r>
+                        <a:rPr lang="en-US" dirty="0"/>
+                        <a:t>{{demographic3}}</a:t>
+                      </a:r>
                     </a:p>
                   </a:txBody>
                   <a:tcPr marL="28575" marR="28575" marT="19050" marB="19050" anchor="ctr">
@@ -19829,7 +20131,11 @@
                         </a:spcAft>
                         <a:buNone/>
                       </a:pPr>
-                      <a:endParaRPr/>
+                      <a:r>
+                        <a:rPr lang="en-US" dirty="0"/>
+                        <a:t>{{fluidity1}}</a:t>
+                      </a:r>
+                      <a:endParaRPr dirty="0"/>
                     </a:p>
                   </a:txBody>
                   <a:tcPr marL="28575" marR="28575" marT="19050" marB="19050" anchor="ctr">
@@ -19880,16 +20186,29 @@
                     <a:bodyPr/>
                     <a:lstStyle/>
                     <a:p>
-                      <a:pPr marL="0" lvl="0" indent="0" algn="l" rtl="0">
+                      <a:pPr marL="0" marR="0" lvl="0" indent="0" algn="l" defTabSz="914400" rtl="0" eaLnBrk="1" fontAlgn="auto" latinLnBrk="0" hangingPunct="1">
+                        <a:lnSpc>
+                          <a:spcPct val="100000"/>
+                        </a:lnSpc>
                         <a:spcBef>
                           <a:spcPts val="0"/>
                         </a:spcBef>
                         <a:spcAft>
                           <a:spcPts val="0"/>
                         </a:spcAft>
+                        <a:buClr>
+                          <a:srgbClr val="000000"/>
+                        </a:buClr>
+                        <a:buSzTx/>
+                        <a:buFont typeface="Arial"/>
                         <a:buNone/>
+                        <a:tabLst/>
+                        <a:defRPr/>
                       </a:pPr>
-                      <a:endParaRPr/>
+                      <a:r>
+                        <a:rPr lang="en-US" dirty="0"/>
+                        <a:t>{{fluidity2}}</a:t>
+                      </a:r>
                     </a:p>
                   </a:txBody>
                   <a:tcPr marL="28575" marR="28575" marT="19050" marB="19050" anchor="ctr">
@@ -19940,16 +20259,29 @@
                     <a:bodyPr/>
                     <a:lstStyle/>
                     <a:p>
-                      <a:pPr marL="0" lvl="0" indent="0" algn="l" rtl="0">
+                      <a:pPr marL="0" marR="0" lvl="0" indent="0" algn="l" defTabSz="914400" rtl="0" eaLnBrk="1" fontAlgn="auto" latinLnBrk="0" hangingPunct="1">
+                        <a:lnSpc>
+                          <a:spcPct val="100000"/>
+                        </a:lnSpc>
                         <a:spcBef>
                           <a:spcPts val="0"/>
                         </a:spcBef>
                         <a:spcAft>
                           <a:spcPts val="0"/>
                         </a:spcAft>
+                        <a:buClr>
+                          <a:srgbClr val="000000"/>
+                        </a:buClr>
+                        <a:buSzTx/>
+                        <a:buFont typeface="Arial"/>
                         <a:buNone/>
+                        <a:tabLst/>
+                        <a:defRPr/>
                       </a:pPr>
-                      <a:endParaRPr/>
+                      <a:r>
+                        <a:rPr lang="en-US" dirty="0"/>
+                        <a:t>{{fluidity3}}</a:t>
+                      </a:r>
                     </a:p>
                   </a:txBody>
                   <a:tcPr marL="28575" marR="28575" marT="19050" marB="19050" anchor="ctr">
@@ -20070,16 +20402,29 @@
                     <a:bodyPr/>
                     <a:lstStyle/>
                     <a:p>
-                      <a:pPr marL="0" lvl="0" indent="0" algn="l" rtl="0">
+                      <a:pPr marL="0" marR="0" lvl="0" indent="0" algn="l" defTabSz="914400" rtl="0" eaLnBrk="1" fontAlgn="auto" latinLnBrk="0" hangingPunct="1">
+                        <a:lnSpc>
+                          <a:spcPct val="100000"/>
+                        </a:lnSpc>
                         <a:spcBef>
                           <a:spcPts val="0"/>
                         </a:spcBef>
                         <a:spcAft>
                           <a:spcPts val="0"/>
                         </a:spcAft>
+                        <a:buClr>
+                          <a:srgbClr val="000000"/>
+                        </a:buClr>
+                        <a:buSzTx/>
+                        <a:buFont typeface="Arial"/>
                         <a:buNone/>
+                        <a:tabLst/>
+                        <a:defRPr/>
                       </a:pPr>
-                      <a:endParaRPr/>
+                      <a:r>
+                        <a:rPr lang="en-US" dirty="0"/>
+                        <a:t>{{badHousing1}}</a:t>
+                      </a:r>
                     </a:p>
                   </a:txBody>
                   <a:tcPr marL="28575" marR="28575" marT="19050" marB="19050" anchor="ctr">
@@ -20130,16 +20475,29 @@
                     <a:bodyPr/>
                     <a:lstStyle/>
                     <a:p>
-                      <a:pPr marL="0" lvl="0" indent="0" algn="l" rtl="0">
+                      <a:pPr marL="0" marR="0" lvl="0" indent="0" algn="l" defTabSz="914400" rtl="0" eaLnBrk="1" fontAlgn="auto" latinLnBrk="0" hangingPunct="1">
+                        <a:lnSpc>
+                          <a:spcPct val="100000"/>
+                        </a:lnSpc>
                         <a:spcBef>
                           <a:spcPts val="0"/>
                         </a:spcBef>
                         <a:spcAft>
                           <a:spcPts val="0"/>
                         </a:spcAft>
+                        <a:buClr>
+                          <a:srgbClr val="000000"/>
+                        </a:buClr>
+                        <a:buSzTx/>
+                        <a:buFont typeface="Arial"/>
                         <a:buNone/>
+                        <a:tabLst/>
+                        <a:defRPr/>
                       </a:pPr>
-                      <a:endParaRPr/>
+                      <a:r>
+                        <a:rPr lang="en-US" dirty="0"/>
+                        <a:t>{{badHousing2}}</a:t>
+                      </a:r>
                     </a:p>
                   </a:txBody>
                   <a:tcPr marL="28575" marR="28575" marT="19050" marB="19050" anchor="ctr">
@@ -20190,16 +20548,29 @@
                     <a:bodyPr/>
                     <a:lstStyle/>
                     <a:p>
-                      <a:pPr marL="0" lvl="0" indent="0" algn="l" rtl="0">
+                      <a:pPr marL="0" marR="0" lvl="0" indent="0" algn="l" defTabSz="914400" rtl="0" eaLnBrk="1" fontAlgn="auto" latinLnBrk="0" hangingPunct="1">
+                        <a:lnSpc>
+                          <a:spcPct val="100000"/>
+                        </a:lnSpc>
                         <a:spcBef>
                           <a:spcPts val="0"/>
                         </a:spcBef>
                         <a:spcAft>
                           <a:spcPts val="0"/>
                         </a:spcAft>
+                        <a:buClr>
+                          <a:srgbClr val="000000"/>
+                        </a:buClr>
+                        <a:buSzTx/>
+                        <a:buFont typeface="Arial"/>
                         <a:buNone/>
+                        <a:tabLst/>
+                        <a:defRPr/>
                       </a:pPr>
-                      <a:endParaRPr/>
+                      <a:r>
+                        <a:rPr lang="en-US" dirty="0"/>
+                        <a:t>{{badHousing3}}</a:t>
+                      </a:r>
                     </a:p>
                   </a:txBody>
                   <a:tcPr marL="28575" marR="28575" marT="19050" marB="19050" anchor="ctr">
@@ -20320,16 +20691,29 @@
                     <a:bodyPr/>
                     <a:lstStyle/>
                     <a:p>
-                      <a:pPr marL="0" lvl="0" indent="0" algn="l" rtl="0">
+                      <a:pPr marL="0" marR="0" lvl="0" indent="0" algn="l" defTabSz="914400" rtl="0" eaLnBrk="1" fontAlgn="auto" latinLnBrk="0" hangingPunct="1">
+                        <a:lnSpc>
+                          <a:spcPct val="100000"/>
+                        </a:lnSpc>
                         <a:spcBef>
                           <a:spcPts val="0"/>
                         </a:spcBef>
                         <a:spcAft>
                           <a:spcPts val="0"/>
                         </a:spcAft>
+                        <a:buClr>
+                          <a:srgbClr val="000000"/>
+                        </a:buClr>
+                        <a:buSzTx/>
+                        <a:buFont typeface="Arial"/>
                         <a:buNone/>
+                        <a:tabLst/>
+                        <a:defRPr/>
                       </a:pPr>
-                      <a:endParaRPr/>
+                      <a:r>
+                        <a:rPr lang="en-US" dirty="0"/>
+                        <a:t>{{secondary1}}</a:t>
+                      </a:r>
                     </a:p>
                   </a:txBody>
                   <a:tcPr marL="28575" marR="28575" marT="19050" marB="19050" anchor="ctr">
@@ -20380,16 +20764,29 @@
                     <a:bodyPr/>
                     <a:lstStyle/>
                     <a:p>
-                      <a:pPr marL="0" lvl="0" indent="0" algn="l" rtl="0">
+                      <a:pPr marL="0" marR="0" lvl="0" indent="0" algn="l" defTabSz="914400" rtl="0" eaLnBrk="1" fontAlgn="auto" latinLnBrk="0" hangingPunct="1">
+                        <a:lnSpc>
+                          <a:spcPct val="100000"/>
+                        </a:lnSpc>
                         <a:spcBef>
                           <a:spcPts val="0"/>
                         </a:spcBef>
                         <a:spcAft>
                           <a:spcPts val="0"/>
                         </a:spcAft>
+                        <a:buClr>
+                          <a:srgbClr val="000000"/>
+                        </a:buClr>
+                        <a:buSzTx/>
+                        <a:buFont typeface="Arial"/>
                         <a:buNone/>
+                        <a:tabLst/>
+                        <a:defRPr/>
                       </a:pPr>
-                      <a:endParaRPr/>
+                      <a:r>
+                        <a:rPr lang="en-US" dirty="0"/>
+                        <a:t>{{secondary2}}</a:t>
+                      </a:r>
                     </a:p>
                   </a:txBody>
                   <a:tcPr marL="28575" marR="28575" marT="19050" marB="19050" anchor="ctr">
@@ -20440,16 +20837,29 @@
                     <a:bodyPr/>
                     <a:lstStyle/>
                     <a:p>
-                      <a:pPr marL="0" lvl="0" indent="0" algn="l" rtl="0">
+                      <a:pPr marL="0" marR="0" lvl="0" indent="0" algn="l" defTabSz="914400" rtl="0" eaLnBrk="1" fontAlgn="auto" latinLnBrk="0" hangingPunct="1">
+                        <a:lnSpc>
+                          <a:spcPct val="100000"/>
+                        </a:lnSpc>
                         <a:spcBef>
                           <a:spcPts val="0"/>
                         </a:spcBef>
                         <a:spcAft>
                           <a:spcPts val="0"/>
                         </a:spcAft>
+                        <a:buClr>
+                          <a:srgbClr val="000000"/>
+                        </a:buClr>
+                        <a:buSzTx/>
+                        <a:buFont typeface="Arial"/>
                         <a:buNone/>
+                        <a:tabLst/>
+                        <a:defRPr/>
                       </a:pPr>
-                      <a:endParaRPr/>
+                      <a:r>
+                        <a:rPr lang="en-US" dirty="0"/>
+                        <a:t>{{secondary3}}</a:t>
+                      </a:r>
                     </a:p>
                   </a:txBody>
                   <a:tcPr marL="28575" marR="28575" marT="19050" marB="19050" anchor="ctr">
@@ -20579,7 +20989,11 @@
                         </a:spcAft>
                         <a:buNone/>
                       </a:pPr>
-                      <a:endParaRPr/>
+                      <a:r>
+                        <a:rPr lang="en-US" dirty="0"/>
+                        <a:t>{{housingNeeds1}}</a:t>
+                      </a:r>
+                      <a:endParaRPr dirty="0"/>
                     </a:p>
                   </a:txBody>
                   <a:tcPr marL="28575" marR="28575" marT="19050" marB="19050" anchor="ctr">
@@ -20628,16 +21042,29 @@
                     <a:bodyPr/>
                     <a:lstStyle/>
                     <a:p>
-                      <a:pPr marL="0" lvl="0" indent="0" algn="l" rtl="0">
+                      <a:pPr marL="0" marR="0" lvl="0" indent="0" algn="l" defTabSz="914400" rtl="0" eaLnBrk="1" fontAlgn="auto" latinLnBrk="0" hangingPunct="1">
+                        <a:lnSpc>
+                          <a:spcPct val="100000"/>
+                        </a:lnSpc>
                         <a:spcBef>
                           <a:spcPts val="0"/>
                         </a:spcBef>
                         <a:spcAft>
                           <a:spcPts val="0"/>
                         </a:spcAft>
+                        <a:buClr>
+                          <a:srgbClr val="000000"/>
+                        </a:buClr>
+                        <a:buSzTx/>
+                        <a:buFont typeface="Arial"/>
                         <a:buNone/>
+                        <a:tabLst/>
+                        <a:defRPr/>
                       </a:pPr>
-                      <a:endParaRPr/>
+                      <a:r>
+                        <a:rPr lang="en-US" dirty="0"/>
+                        <a:t>{{housingNeeds2}}</a:t>
+                      </a:r>
                     </a:p>
                   </a:txBody>
                   <a:tcPr marL="28575" marR="28575" marT="19050" marB="19050" anchor="ctr">
@@ -20686,16 +21113,29 @@
                     <a:bodyPr/>
                     <a:lstStyle/>
                     <a:p>
-                      <a:pPr marL="0" lvl="0" indent="0" algn="l" rtl="0">
+                      <a:pPr marL="0" marR="0" lvl="0" indent="0" algn="l" defTabSz="914400" rtl="0" eaLnBrk="1" fontAlgn="auto" latinLnBrk="0" hangingPunct="1">
+                        <a:lnSpc>
+                          <a:spcPct val="100000"/>
+                        </a:lnSpc>
                         <a:spcBef>
                           <a:spcPts val="0"/>
                         </a:spcBef>
                         <a:spcAft>
                           <a:spcPts val="0"/>
                         </a:spcAft>
+                        <a:buClr>
+                          <a:srgbClr val="000000"/>
+                        </a:buClr>
+                        <a:buSzTx/>
+                        <a:buFont typeface="Arial"/>
                         <a:buNone/>
+                        <a:tabLst/>
+                        <a:defRPr/>
                       </a:pPr>
-                      <a:endParaRPr/>
+                      <a:r>
+                        <a:rPr lang="en-US" dirty="0"/>
+                        <a:t>{{housingNeeds3}}</a:t>
+                      </a:r>
                     </a:p>
                   </a:txBody>
                   <a:tcPr marL="28575" marR="28575" marT="19050" marB="19050" anchor="ctr">
@@ -20825,7 +21265,11 @@
                         </a:spcAft>
                         <a:buNone/>
                       </a:pPr>
-                      <a:endParaRPr/>
+                      <a:r>
+                        <a:rPr lang="en-US" dirty="0"/>
+                        <a:t>{{vacant1}}</a:t>
+                      </a:r>
+                      <a:endParaRPr dirty="0"/>
                     </a:p>
                   </a:txBody>
                   <a:tcPr marL="28575" marR="28575" marT="19050" marB="19050" anchor="ctr">
@@ -20881,7 +21325,11 @@
                         </a:spcAft>
                         <a:buNone/>
                       </a:pPr>
-                      <a:endParaRPr/>
+                      <a:r>
+                        <a:rPr lang="en-US" dirty="0"/>
+                        <a:t>{{vacant2}}</a:t>
+                      </a:r>
+                      <a:endParaRPr dirty="0"/>
                     </a:p>
                   </a:txBody>
                   <a:tcPr marL="28575" marR="28575" marT="19050" marB="19050" anchor="ctr">
@@ -20937,7 +21385,11 @@
                         </a:spcAft>
                         <a:buNone/>
                       </a:pPr>
-                      <a:endParaRPr/>
+                      <a:r>
+                        <a:rPr lang="en-US" dirty="0"/>
+                        <a:t>{{vacant3}}</a:t>
+                      </a:r>
+                      <a:endParaRPr dirty="0"/>
                     </a:p>
                   </a:txBody>
                   <a:tcPr marL="28575" marR="28575" marT="19050" marB="19050" anchor="ctr">
@@ -21067,7 +21519,11 @@
                         </a:spcAft>
                         <a:buNone/>
                       </a:pPr>
-                      <a:endParaRPr/>
+                      <a:r>
+                        <a:rPr lang="en-US" dirty="0"/>
+                        <a:t>{{total1}}</a:t>
+                      </a:r>
+                      <a:endParaRPr dirty="0"/>
                     </a:p>
                   </a:txBody>
                   <a:tcPr marL="28575" marR="28575" marT="19050" marB="19050" anchor="ctr">
@@ -21125,7 +21581,11 @@
                         </a:spcAft>
                         <a:buNone/>
                       </a:pPr>
-                      <a:endParaRPr/>
+                      <a:r>
+                        <a:rPr lang="en-US" dirty="0"/>
+                        <a:t>{{total2}}</a:t>
+                      </a:r>
+                      <a:endParaRPr dirty="0"/>
                     </a:p>
                   </a:txBody>
                   <a:tcPr marL="28575" marR="28575" marT="19050" marB="19050" anchor="ctr">
@@ -21183,7 +21643,11 @@
                         </a:spcAft>
                         <a:buNone/>
                       </a:pPr>
-                      <a:endParaRPr/>
+                      <a:r>
+                        <a:rPr lang="en-US" dirty="0"/>
+                        <a:t>{{total3}}</a:t>
+                      </a:r>
+                      <a:endParaRPr dirty="0"/>
                     </a:p>
                   </a:txBody>
                   <a:tcPr marL="28575" marR="28575" marT="19050" marB="19050" anchor="ctr">
@@ -21847,7 +22311,7 @@
         <p:spPr>
           <a:xfrm>
             <a:off x="2600450" y="209550"/>
-            <a:ext cx="6381300" cy="831000"/>
+            <a:ext cx="6381300" cy="1138733"/>
           </a:xfrm>
           <a:prstGeom prst="rect">
             <a:avLst/>
@@ -21881,22 +22345,110 @@
               <a:buNone/>
             </a:pPr>
             <a:r>
-              <a:rPr lang="en-US" sz="2400" b="1">
+              <a:rPr lang="en-US" sz="2400" b="1" dirty="0" err="1">
                 <a:solidFill>
                   <a:srgbClr val="262626"/>
                 </a:solidFill>
               </a:rPr>
-              <a:t>Comparaison des besoins en construction neuve par scénario </a:t>
-            </a:r>
-            <a:r>
-              <a:rPr lang="en-US" sz="2000" i="1">
+              <a:t>Comparaison</a:t>
+            </a:r>
+            <a:r>
+              <a:rPr lang="en-US" sz="2400" b="1" dirty="0">
                 <a:solidFill>
                   <a:srgbClr val="262626"/>
                 </a:solidFill>
               </a:rPr>
-              <a:t>(période document xxxx-xxxx)</a:t>
-            </a:r>
-            <a:endParaRPr sz="2400" b="1">
+              <a:t> des </a:t>
+            </a:r>
+            <a:r>
+              <a:rPr lang="en-US" sz="2400" b="1" dirty="0" err="1">
+                <a:solidFill>
+                  <a:srgbClr val="262626"/>
+                </a:solidFill>
+              </a:rPr>
+              <a:t>besoins</a:t>
+            </a:r>
+            <a:r>
+              <a:rPr lang="en-US" sz="2400" b="1" dirty="0">
+                <a:solidFill>
+                  <a:srgbClr val="262626"/>
+                </a:solidFill>
+              </a:rPr>
+              <a:t> </a:t>
+            </a:r>
+            <a:r>
+              <a:rPr lang="en-US" sz="2400" b="1" dirty="0" err="1">
+                <a:solidFill>
+                  <a:srgbClr val="262626"/>
+                </a:solidFill>
+              </a:rPr>
+              <a:t>en</a:t>
+            </a:r>
+            <a:r>
+              <a:rPr lang="en-US" sz="2400" b="1" dirty="0">
+                <a:solidFill>
+                  <a:srgbClr val="262626"/>
+                </a:solidFill>
+              </a:rPr>
+              <a:t> construction </a:t>
+            </a:r>
+            <a:r>
+              <a:rPr lang="en-US" sz="2400" b="1" dirty="0" err="1">
+                <a:solidFill>
+                  <a:srgbClr val="262626"/>
+                </a:solidFill>
+              </a:rPr>
+              <a:t>neuve</a:t>
+            </a:r>
+            <a:r>
+              <a:rPr lang="en-US" sz="2400" b="1" dirty="0">
+                <a:solidFill>
+                  <a:srgbClr val="262626"/>
+                </a:solidFill>
+              </a:rPr>
+              <a:t> par </a:t>
+            </a:r>
+            <a:r>
+              <a:rPr lang="en-US" sz="2400" b="1" dirty="0" err="1">
+                <a:solidFill>
+                  <a:srgbClr val="262626"/>
+                </a:solidFill>
+              </a:rPr>
+              <a:t>scénario</a:t>
+            </a:r>
+            <a:r>
+              <a:rPr lang="en-US" sz="2400" b="1" dirty="0">
+                <a:solidFill>
+                  <a:srgbClr val="262626"/>
+                </a:solidFill>
+              </a:rPr>
+              <a:t> </a:t>
+            </a:r>
+            <a:r>
+              <a:rPr lang="en-US" sz="2000" i="1" dirty="0">
+                <a:solidFill>
+                  <a:srgbClr val="262626"/>
+                </a:solidFill>
+              </a:rPr>
+              <a:t>(</a:t>
+            </a:r>
+            <a:r>
+              <a:rPr lang="en-US" sz="2000" i="1" dirty="0" err="1">
+                <a:solidFill>
+                  <a:srgbClr val="262626"/>
+                </a:solidFill>
+              </a:rPr>
+              <a:t>période</a:t>
+            </a:r>
+            <a:r>
+              <a:rPr lang="en-US" sz="2000" i="1" dirty="0">
+                <a:solidFill>
+                  <a:srgbClr val="262626"/>
+                </a:solidFill>
+              </a:rPr>
+              <a:t> document {{start}}-{{end}})</a:t>
+            </a:r>
+            <a:endParaRPr sz="2400" b="1" dirty="0">
               <a:solidFill>
                 <a:srgbClr val="262626"/>
               </a:solidFill>
@@ -21919,8 +22471,8 @@
         </p:blipFill>
         <p:spPr>
           <a:xfrm>
-            <a:off x="2600450" y="1248925"/>
-            <a:ext cx="6209925" cy="3499350"/>
+            <a:off x="2600450" y="1348283"/>
+            <a:ext cx="6209925" cy="3399992"/>
           </a:xfrm>
           <a:prstGeom prst="rect">
             <a:avLst/>
@@ -23680,26 +24232,30 @@
               <a:buNone/>
             </a:pPr>
             <a:r>
-              <a:rPr lang="en-US"/>
-              <a:t>4. Décryptage et justification du scénario privilégié</a:t>
-            </a:r>
-            <a:endParaRPr/>
-          </a:p>
-          <a:p>
-            <a:pPr marL="0" lvl="0" indent="0" algn="l" rtl="0">
-              <a:spcBef>
-                <a:spcPts val="0"/>
-              </a:spcBef>
-              <a:spcAft>
-                <a:spcPts val="0"/>
-              </a:spcAft>
-              <a:buNone/>
-            </a:pPr>
-            <a:r>
-              <a:rPr lang="en-US" sz="3000" b="0" i="1"/>
-              <a:t>[Scénario privilégié]</a:t>
-            </a:r>
-            <a:endParaRPr sz="3000" b="0" i="1"/>
+              <a:rPr lang="en-US" dirty="0"/>
+              <a:t>4. </a:t>
+            </a:r>
+            <a:r>
+              <a:rPr lang="en-US" dirty="0" err="1"/>
+              <a:t>Décryptage</a:t>
+            </a:r>
+            <a:r>
+              <a:rPr lang="en-US" dirty="0"/>
+              <a:t> et justification du </a:t>
+            </a:r>
+            <a:r>
+              <a:rPr lang="en-US" dirty="0" err="1"/>
+              <a:t>scénario</a:t>
+            </a:r>
+            <a:r>
+              <a:rPr lang="en-US" dirty="0"/>
+              <a:t> </a:t>
+            </a:r>
+            <a:r>
+              <a:rPr lang="en-US" dirty="0" err="1"/>
+              <a:t>privilégié {{privilegedScenario}}</a:t>
+            </a:r>
+            <a:endParaRPr dirty="0"/>
           </a:p>
         </p:txBody>
       </p:sp>
@@ -23771,14 +24327,102 @@
               <a:buNone/>
             </a:pPr>
             <a:r>
-              <a:rPr lang="en-US" sz="2400" b="1">
+              <a:rPr lang="en-US" sz="2400" b="1" dirty="0" err="1">
                 <a:solidFill>
                   <a:srgbClr val="262626"/>
                 </a:solidFill>
               </a:rPr>
-              <a:t>Besoins en constructions neuves pour le scénario privilégié "🟣 Accélération"</a:t>
-            </a:r>
-            <a:endParaRPr sz="1200" i="1">
+              <a:t>Besoins</a:t>
+            </a:r>
+            <a:r>
+              <a:rPr lang="en-US" sz="2400" b="1" dirty="0">
+                <a:solidFill>
+                  <a:srgbClr val="262626"/>
+                </a:solidFill>
+              </a:rPr>
+              <a:t> </a:t>
+            </a:r>
+            <a:r>
+              <a:rPr lang="en-US" sz="2400" b="1" dirty="0" err="1">
+                <a:solidFill>
+                  <a:srgbClr val="262626"/>
+                </a:solidFill>
+              </a:rPr>
+              <a:t>en</a:t>
+            </a:r>
+            <a:r>
+              <a:rPr lang="en-US" sz="2400" b="1" dirty="0">
+                <a:solidFill>
+                  <a:srgbClr val="262626"/>
+                </a:solidFill>
+              </a:rPr>
+              <a:t> constructions </a:t>
+            </a:r>
+            <a:r>
+              <a:rPr lang="en-US" sz="2400" b="1" dirty="0" err="1">
+                <a:solidFill>
+                  <a:srgbClr val="262626"/>
+                </a:solidFill>
+              </a:rPr>
+              <a:t>neuves</a:t>
+            </a:r>
+            <a:r>
+              <a:rPr lang="en-US" sz="2400" b="1" dirty="0">
+                <a:solidFill>
+                  <a:srgbClr val="262626"/>
+                </a:solidFill>
+              </a:rPr>
+              <a:t> pour le </a:t>
+            </a:r>
+            <a:r>
+              <a:rPr lang="en-US" sz="2400" b="1" dirty="0" err="1">
+                <a:solidFill>
+                  <a:srgbClr val="262626"/>
+                </a:solidFill>
+              </a:rPr>
+              <a:t>scénario</a:t>
+            </a:r>
+            <a:r>
+              <a:rPr lang="en-US" sz="2400" b="1" dirty="0">
+                <a:solidFill>
+                  <a:srgbClr val="262626"/>
+                </a:solidFill>
+              </a:rPr>
+              <a:t> </a:t>
+            </a:r>
+            <a:r>
+              <a:rPr lang="en-US" sz="2400" b="1" dirty="0" err="1">
+                <a:solidFill>
+                  <a:srgbClr val="262626"/>
+                </a:solidFill>
+              </a:rPr>
+              <a:t>privilégié</a:t>
+            </a:r>
+            <a:r>
+              <a:rPr lang="en-US" sz="2400" b="1" dirty="0">
+                <a:solidFill>
+                  <a:srgbClr val="262626"/>
+                </a:solidFill>
+              </a:rPr>
+              <a:t> "🟣 </a:t>
+            </a:r>
+            <a:r>
+              <a:rPr lang="en-US" sz="2400" b="1" dirty="0" err="1">
+                <a:solidFill>
+                  <a:srgbClr val="262626"/>
+                </a:solidFill>
+              </a:rPr>
+              <a:t>Accélération</a:t>
+            </a:r>
+            <a:r>
+              <a:rPr lang="en-US" sz="2400" b="1" dirty="0">
+                <a:solidFill>
+                  <a:srgbClr val="262626"/>
+                </a:solidFill>
+              </a:rPr>
+              <a:t>"</a:t>
+            </a:r>
+            <a:endParaRPr sz="1200" i="1" dirty="0">
               <a:solidFill>
                 <a:srgbClr val="262626"/>
               </a:solidFill>
@@ -23794,7 +24438,7 @@
         </p:nvSpPr>
         <p:spPr>
           <a:xfrm>
-            <a:off x="2600446" y="1047750"/>
+            <a:off x="2558652" y="1040925"/>
             <a:ext cx="6267300" cy="261600"/>
           </a:xfrm>
           <a:prstGeom prst="rect">
@@ -23829,14 +24473,22 @@
               <a:buNone/>
             </a:pPr>
             <a:r>
-              <a:rPr lang="en-US" sz="1100" i="1">
+              <a:rPr lang="en-US" sz="1100" i="1" dirty="0" err="1">
                 <a:solidFill>
                   <a:srgbClr val="262626"/>
                 </a:solidFill>
               </a:rPr>
-              <a:t>Calendrier 2021 - 2040</a:t>
-            </a:r>
-            <a:endParaRPr sz="200" i="1">
+              <a:t>Calendrier {{docStart}}</a:t>
+            </a:r>
+            <a:r>
+              <a:rPr lang="en-US" sz="1100" i="1" dirty="0">
+                <a:solidFill>
+                  <a:srgbClr val="262626"/>
+                </a:solidFill>
+              </a:rPr>
+              <a:t> – {{projection}}</a:t>
+            </a:r>
+            <a:endParaRPr sz="200" i="1" dirty="0">
               <a:solidFill>
                 <a:srgbClr val="262626"/>
               </a:solidFill>
@@ -23889,14 +24541,14 @@
               <a:buNone/>
             </a:pPr>
             <a:r>
-              <a:rPr lang="en-US" sz="1447" b="1" u="sng">
+              <a:rPr lang="en-US" sz="1447" b="1" u="sng" dirty="0">
                 <a:solidFill>
                   <a:schemeClr val="dk1"/>
                 </a:solidFill>
               </a:rPr>
-              <a:t>Phase 1: 2021-[début doc -1]</a:t>
-            </a:r>
-            <a:endParaRPr sz="1447" b="1" u="sng">
+              <a:t>Phase 1: 2021-{{docStart-1}}</a:t>
+            </a:r>
+            <a:endParaRPr sz="1447" b="1" u="sng" dirty="0">
               <a:solidFill>
                 <a:schemeClr val="dk2"/>
               </a:solidFill>
@@ -23920,14 +24572,30 @@
               <a:buChar char="●"/>
             </a:pPr>
             <a:r>
-              <a:rPr lang="en-US" sz="1347" b="1">
+              <a:rPr lang="en-US" sz="1347" b="1" dirty="0">
                 <a:solidFill>
                   <a:schemeClr val="dk1"/>
                 </a:solidFill>
               </a:rPr>
-              <a:t>XXX-XXX logements/an</a:t>
-            </a:r>
-            <a:endParaRPr sz="1347" b="1">
+              <a:t>{{nb1}} </a:t>
+            </a:r>
+            <a:r>
+              <a:rPr lang="en-US" sz="1347" b="1" dirty="0" err="1">
+                <a:solidFill>
+                  <a:schemeClr val="dk1"/>
+                </a:solidFill>
+              </a:rPr>
+              <a:t>logements</a:t>
+            </a:r>
+            <a:r>
+              <a:rPr lang="en-US" sz="1347" b="1" dirty="0">
+                <a:solidFill>
+                  <a:schemeClr val="dk1"/>
+                </a:solidFill>
+              </a:rPr>
+              <a:t>/an</a:t>
+            </a:r>
+            <a:endParaRPr sz="1347" b="1" dirty="0">
               <a:solidFill>
                 <a:schemeClr val="dk1"/>
               </a:solidFill>
@@ -23946,7 +24614,7 @@
               </a:spcAft>
               <a:buNone/>
             </a:pPr>
-            <a:endParaRPr sz="1347">
+            <a:endParaRPr sz="1347" dirty="0">
               <a:solidFill>
                 <a:schemeClr val="lt1"/>
               </a:solidFill>
@@ -23994,38 +24662,78 @@
               <a:buNone/>
             </a:pPr>
             <a:r>
-              <a:rPr lang="en-US" sz="1447" b="1" u="sng">
+              <a:rPr lang="en-US" sz="1447" b="1" u="sng" dirty="0">
                 <a:solidFill>
                   <a:schemeClr val="dk1"/>
                 </a:solidFill>
               </a:rPr>
-              <a:t>Phase 2 (début doc-fin doc)</a:t>
-            </a:r>
-            <a:r>
-              <a:rPr lang="en-US" sz="1447" b="1">
+              <a:t>Phase 2 (</a:t>
+            </a:r>
+            <a:r>
+              <a:rPr lang="en-US" sz="1447" b="1" u="sng" dirty="0" err="1">
                 <a:solidFill>
                   <a:schemeClr val="dk1"/>
                 </a:solidFill>
               </a:rPr>
+              <a:t>{{docStart}}</a:t>
+            </a:r>
+            <a:r>
+              <a:rPr lang="en-US" sz="1447" b="1" u="sng" dirty="0">
+                <a:solidFill>
+                  <a:schemeClr val="dk1"/>
+                </a:solidFill>
+              </a:rPr>
+              <a:t>-</a:t>
+            </a:r>
+            <a:r>
+              <a:rPr lang="en-US" sz="1447" b="1" u="sng" dirty="0" err="1">
+                <a:solidFill>
+                  <a:schemeClr val="dk1"/>
+                </a:solidFill>
+              </a:rPr>
+              <a:t>{{docEnd}}</a:t>
+            </a:r>
+            <a:r>
+              <a:rPr lang="en-US" sz="1447" b="1" u="sng" dirty="0">
+                <a:solidFill>
+                  <a:schemeClr val="dk1"/>
+                </a:solidFill>
+              </a:rPr>
+              <a:t>)</a:t>
+            </a:r>
+            <a:r>
+              <a:rPr lang="en-US" sz="1447" b="1" dirty="0">
+                <a:solidFill>
+                  <a:schemeClr val="dk1"/>
+                </a:solidFill>
+              </a:rPr>
               <a:t> : </a:t>
             </a:r>
             <a:r>
-              <a:rPr lang="en-US" sz="1447" b="1">
+              <a:rPr lang="en-US" sz="1447" b="1" dirty="0" err="1">
                 <a:solidFill>
                   <a:schemeClr val="dk2"/>
                 </a:solidFill>
               </a:rPr>
-              <a:t>Période </a:t>
-            </a:r>
-            <a:r>
-              <a:rPr lang="en-US" sz="1447" b="1" i="1">
+              <a:t>Période</a:t>
+            </a:r>
+            <a:r>
+              <a:rPr lang="en-US" sz="1447" b="1" dirty="0">
                 <a:solidFill>
                   <a:schemeClr val="dk2"/>
                 </a:solidFill>
               </a:rPr>
+              <a:t> </a:t>
+            </a:r>
+            <a:r>
+              <a:rPr lang="en-US" sz="1447" b="1" i="1" dirty="0">
+                <a:solidFill>
+                  <a:schemeClr val="dk2"/>
+                </a:solidFill>
+              </a:rPr>
               <a:t>document</a:t>
             </a:r>
-            <a:endParaRPr sz="1447" b="1" i="1">
+            <a:endParaRPr sz="1447" b="1" i="1" dirty="0">
               <a:solidFill>
                 <a:schemeClr val="dk2"/>
               </a:solidFill>
@@ -24049,22 +24757,62 @@
               <a:buChar char="●"/>
             </a:pPr>
             <a:r>
-              <a:rPr lang="en-US" sz="1347" b="1">
+              <a:rPr lang="en-US" sz="1347" b="1" dirty="0">
                 <a:solidFill>
                   <a:schemeClr val="dk1"/>
                 </a:solidFill>
               </a:rPr>
-              <a:t>XXX logements/an en moyenne</a:t>
-            </a:r>
-            <a:r>
-              <a:rPr lang="en-US" sz="1347">
+              <a:t>{{nb2}} </a:t>
+            </a:r>
+            <a:r>
+              <a:rPr lang="en-US" sz="1347" b="1" dirty="0" err="1">
                 <a:solidFill>
                   <a:schemeClr val="dk1"/>
                 </a:solidFill>
               </a:rPr>
-              <a:t> (XXX total)</a:t>
-            </a:r>
-            <a:endParaRPr sz="1347">
+              <a:t>logements</a:t>
+            </a:r>
+            <a:r>
+              <a:rPr lang="en-US" sz="1347" b="1" dirty="0">
+                <a:solidFill>
+                  <a:schemeClr val="dk1"/>
+                </a:solidFill>
+              </a:rPr>
+              <a:t>/an </a:t>
+            </a:r>
+            <a:r>
+              <a:rPr lang="en-US" sz="1347" b="1" dirty="0" err="1">
+                <a:solidFill>
+                  <a:schemeClr val="dk1"/>
+                </a:solidFill>
+              </a:rPr>
+              <a:t>en</a:t>
+            </a:r>
+            <a:r>
+              <a:rPr lang="en-US" sz="1347" b="1" dirty="0">
+                <a:solidFill>
+                  <a:schemeClr val="dk1"/>
+                </a:solidFill>
+              </a:rPr>
+              <a:t> </a:t>
+            </a:r>
+            <a:r>
+              <a:rPr lang="en-US" sz="1347" b="1" dirty="0" err="1">
+                <a:solidFill>
+                  <a:schemeClr val="dk1"/>
+                </a:solidFill>
+              </a:rPr>
+              <a:t>moyenne</a:t>
+            </a:r>
+            <a:r>
+              <a:rPr lang="en-US" sz="1347" dirty="0">
+                <a:solidFill>
+                  <a:schemeClr val="dk1"/>
+                </a:solidFill>
+              </a:rPr>
+              <a:t> ({{total}} total)</a:t>
+            </a:r>
+            <a:endParaRPr sz="1347" dirty="0">
               <a:solidFill>
                 <a:schemeClr val="dk1"/>
               </a:solidFill>
@@ -24083,7 +24831,7 @@
               </a:spcAft>
               <a:buNone/>
             </a:pPr>
-            <a:endParaRPr sz="1571">
+            <a:endParaRPr sz="1571" dirty="0">
               <a:solidFill>
                 <a:schemeClr val="lt1"/>
               </a:solidFill>
@@ -24137,14 +24885,30 @@
               <a:buNone/>
             </a:pPr>
             <a:r>
+              <a:rPr lang="en-US" sz="1447" b="1" u="sng" dirty="0">
+                <a:solidFill>
+                  <a:schemeClr val="dk1"/>
+                </a:solidFill>
+              </a:rPr>
+              <a:t>Phase 3 </a:t>
+            </a:r>
+            <a:r>
               <a:rPr lang="en-US" sz="1447" b="1" u="sng">
                 <a:solidFill>
                   <a:schemeClr val="dk1"/>
                 </a:solidFill>
               </a:rPr>
-              <a:t>Phase 3 (fin doc + 1-horizon de projection)</a:t>
-            </a:r>
-            <a:endParaRPr sz="1447" b="1" u="sng">
+              <a:t>({{docEnd2}}-</a:t>
+            </a:r>
+            <a:r>
+              <a:rPr lang="en-US" sz="1447" b="1" u="sng" dirty="0">
+                <a:solidFill>
+                  <a:schemeClr val="dk1"/>
+                </a:solidFill>
+              </a:rPr>
+              <a:t>{{projection}})</a:t>
+            </a:r>
+            <a:endParaRPr sz="1447" b="1" u="sng" dirty="0">
               <a:solidFill>
                 <a:schemeClr val="dk2"/>
               </a:solidFill>
@@ -24168,14 +24932,30 @@
               <a:buChar char="●"/>
             </a:pPr>
             <a:r>
-              <a:rPr lang="en-US" sz="1347" b="1">
+              <a:rPr lang="en-US" sz="1347" b="1" dirty="0">
                 <a:solidFill>
                   <a:schemeClr val="dk1"/>
                 </a:solidFill>
               </a:rPr>
-              <a:t>XXX-XXX logements/an</a:t>
-            </a:r>
-            <a:endParaRPr sz="1347">
+              <a:t>{{nb3}} </a:t>
+            </a:r>
+            <a:r>
+              <a:rPr lang="en-US" sz="1347" b="1" dirty="0" err="1">
+                <a:solidFill>
+                  <a:schemeClr val="dk1"/>
+                </a:solidFill>
+              </a:rPr>
+              <a:t>logements</a:t>
+            </a:r>
+            <a:r>
+              <a:rPr lang="en-US" sz="1347" b="1" dirty="0">
+                <a:solidFill>
+                  <a:schemeClr val="dk1"/>
+                </a:solidFill>
+              </a:rPr>
+              <a:t>/an</a:t>
+            </a:r>
+            <a:endParaRPr sz="1347" dirty="0">
               <a:solidFill>
                 <a:schemeClr val="dk1"/>
               </a:solidFill>
@@ -24752,8 +25532,36 @@
           <a:p>
             <a:pPr marL="0" indent="0"/>
             <a:r>
-              <a:rPr lang="en-US" sz="1100"/>
-              <a:t>Estimation sur la période {{layoutStart}} – {{layoutEnd}} pour le {{layoutDocumentType}}</a:t>
+              <a:rPr lang="en-US" sz="1100" dirty="0"/>
+              <a:t>Estimation sur la </a:t>
+            </a:r>
+            <a:r>
+              <a:rPr lang="en-US" sz="1100" dirty="0" err="1"/>
+              <a:t>période</a:t>
+            </a:r>
+            <a:r>
+              <a:rPr lang="en-US" sz="1100" dirty="0"/>
+              <a:t> </a:t>
+            </a:r>
+            <a:r>
+              <a:rPr lang="en-US" sz="1100" dirty="0" err="1"/>
+              <a:t>{{layoutStart}}</a:t>
+            </a:r>
+            <a:r>
+              <a:rPr lang="en-US" sz="1100" dirty="0"/>
+              <a:t> – </a:t>
+            </a:r>
+            <a:r>
+              <a:rPr lang="en-US" sz="1100" dirty="0" err="1"/>
+              <a:t>{{layoutEnd}}</a:t>
+            </a:r>
+            <a:r>
+              <a:rPr lang="en-US" sz="1100" dirty="0"/>
+              <a:t> pour le </a:t>
+            </a:r>
+            <a:r>
+              <a:rPr lang="en-US" sz="1100" dirty="0" err="1"/>
+              <a:t>{{layoutDocumentType}}</a:t>
             </a:r>
             <a:endParaRPr lang="en-US" sz="1100" i="1" dirty="0"/>
           </a:p>
@@ -25042,19 +25850,11 @@
             </a:pPr>
             <a:r>
               <a:rPr lang="en-US" sz="1600" dirty="0"/>
-              <a:t>Les {{</a:t>
+              <a:t>Les</a:t>
             </a:r>
             <a:r>
               <a:rPr lang="en-US" sz="1600" dirty="0" err="1"/>
-              <a:t>nb</a:t>
-            </a:r>
-            <a:r>
-              <a:rPr lang="en-US" sz="1600" dirty="0"/>
-              <a:t>}} </a:t>
-            </a:r>
-            <a:r>
-              <a:rPr lang="en-US" sz="1600" dirty="0" err="1"/>
-              <a:t>scénarios</a:t>
+              <a:t> {{nb}} scénarios</a:t>
             </a:r>
             <a:r>
               <a:rPr lang="en-US" sz="1600" dirty="0"/>
@@ -25131,19 +25931,7 @@
             </a:br>
             <a:r>
               <a:rPr lang="en-US" sz="1400" b="0" i="1" dirty="0" err="1"/>
-              <a:t>Scénario</a:t>
-            </a:r>
-            <a:r>
-              <a:rPr lang="en-US" sz="1400" b="0" i="1" dirty="0"/>
-              <a:t> {{</a:t>
-            </a:r>
-            <a:r>
-              <a:rPr lang="en-US" sz="1400" b="0" i="1" dirty="0" err="1"/>
-              <a:t>privilegedScenario</a:t>
-            </a:r>
-            <a:r>
-              <a:rPr lang="en-US" sz="1400" b="0" i="1" dirty="0"/>
-              <a:t>}}</a:t>
+              <a:t>Scénario {{privilegedScenario}}</a:t>
             </a:r>
             <a:endParaRPr sz="1400" b="0" i="1" dirty="0"/>
           </a:p>
@@ -25971,7 +26759,7 @@
         <p:spPr>
           <a:xfrm>
             <a:off x="2600446" y="209550"/>
-            <a:ext cx="6267300" cy="831000"/>
+            <a:ext cx="6267300" cy="830956"/>
           </a:xfrm>
           <a:prstGeom prst="rect">
             <a:avLst/>
@@ -26005,14 +26793,86 @@
               <a:buNone/>
             </a:pPr>
             <a:r>
-              <a:rPr lang="en-US" sz="2400" b="1">
+              <a:rPr lang="en-US" sz="2400" b="1" dirty="0" err="1">
                 <a:solidFill>
                   <a:srgbClr val="262626"/>
                 </a:solidFill>
               </a:rPr>
-              <a:t>Répartition des besoins pour le scénario privilégié "🟣  Accélération"</a:t>
-            </a:r>
-            <a:endParaRPr sz="1200" i="1">
+              <a:t>Répartition</a:t>
+            </a:r>
+            <a:r>
+              <a:rPr lang="en-US" sz="2400" b="1" dirty="0">
+                <a:solidFill>
+                  <a:srgbClr val="262626"/>
+                </a:solidFill>
+              </a:rPr>
+              <a:t> des </a:t>
+            </a:r>
+            <a:r>
+              <a:rPr lang="en-US" sz="2400" b="1" dirty="0" err="1">
+                <a:solidFill>
+                  <a:srgbClr val="262626"/>
+                </a:solidFill>
+              </a:rPr>
+              <a:t>besoins</a:t>
+            </a:r>
+            <a:r>
+              <a:rPr lang="en-US" sz="2400" b="1" dirty="0">
+                <a:solidFill>
+                  <a:srgbClr val="262626"/>
+                </a:solidFill>
+              </a:rPr>
+              <a:t> pour le </a:t>
+            </a:r>
+            <a:r>
+              <a:rPr lang="en-US" sz="2400" b="1" dirty="0" err="1">
+                <a:solidFill>
+                  <a:srgbClr val="262626"/>
+                </a:solidFill>
+              </a:rPr>
+              <a:t>scénario</a:t>
+            </a:r>
+            <a:r>
+              <a:rPr lang="en-US" sz="2400" b="1" dirty="0">
+                <a:solidFill>
+                  <a:srgbClr val="262626"/>
+                </a:solidFill>
+              </a:rPr>
+              <a:t> </a:t>
+            </a:r>
+            <a:r>
+              <a:rPr lang="en-US" sz="2400" b="1" dirty="0" err="1">
+                <a:solidFill>
+                  <a:srgbClr val="262626"/>
+                </a:solidFill>
+              </a:rPr>
+              <a:t>privilégié</a:t>
+            </a:r>
+            <a:r>
+              <a:rPr lang="en-US" sz="2400" b="1" dirty="0">
+                <a:solidFill>
+                  <a:srgbClr val="262626"/>
+                </a:solidFill>
+              </a:rPr>
+              <a:t> "🟣 </a:t>
+            </a:r>
+            <a:r>
+              <a:rPr lang="en-US" sz="2400" b="1" dirty="0" err="1">
+                <a:solidFill>
+                  <a:srgbClr val="262626"/>
+                </a:solidFill>
+              </a:rPr>
+              <a:t>Accélération</a:t>
+            </a:r>
+            <a:r>
+              <a:rPr lang="en-US" sz="2400" b="1" dirty="0">
+                <a:solidFill>
+                  <a:srgbClr val="262626"/>
+                </a:solidFill>
+              </a:rPr>
+              <a:t>"</a:t>
+            </a:r>
+            <a:endParaRPr sz="1200" i="1" dirty="0">
               <a:solidFill>
                 <a:srgbClr val="262626"/>
               </a:solidFill>
@@ -26060,14 +26920,22 @@
               <a:buNone/>
             </a:pPr>
             <a:r>
-              <a:rPr lang="en-US" sz="1100" i="1">
+              <a:rPr lang="en-US" sz="1100" i="1" dirty="0" err="1">
                 <a:solidFill>
                   <a:srgbClr val="262626"/>
                 </a:solidFill>
               </a:rPr>
-              <a:t>Calendrier 2021 - 2040</a:t>
-            </a:r>
-            <a:endParaRPr sz="100" i="1">
+              <a:t>Calendrier</a:t>
+            </a:r>
+            <a:r>
+              <a:rPr lang="en-US" sz="1100" i="1" dirty="0">
+                <a:solidFill>
+                  <a:srgbClr val="262626"/>
+                </a:solidFill>
+              </a:rPr>
+              <a:t> 2021 – {{projection}}</a:t>
+            </a:r>
+            <a:endParaRPr sz="100" i="1" dirty="0">
               <a:solidFill>
                 <a:srgbClr val="262626"/>
               </a:solidFill>
@@ -26092,14 +26960,86 @@
               <a:buNone/>
             </a:pPr>
             <a:r>
-              <a:rPr lang="en-US" sz="1100" i="1">
+              <a:rPr lang="en-US" sz="1100" i="1" dirty="0" err="1">
                 <a:solidFill>
                   <a:srgbClr val="262626"/>
                 </a:solidFill>
               </a:rPr>
-              <a:t>D'où viennent les XXX logements neufs ?</a:t>
-            </a:r>
-            <a:endParaRPr sz="100" i="1">
+              <a:t>D'où</a:t>
+            </a:r>
+            <a:r>
+              <a:rPr lang="en-US" sz="1100" i="1" dirty="0">
+                <a:solidFill>
+                  <a:srgbClr val="262626"/>
+                </a:solidFill>
+              </a:rPr>
+              <a:t> </a:t>
+            </a:r>
+            <a:r>
+              <a:rPr lang="en-US" sz="1100" i="1" dirty="0" err="1">
+                <a:solidFill>
+                  <a:srgbClr val="262626"/>
+                </a:solidFill>
+              </a:rPr>
+              <a:t>viennent</a:t>
+            </a:r>
+            <a:r>
+              <a:rPr lang="en-US" sz="1100" i="1" dirty="0">
+                <a:solidFill>
+                  <a:srgbClr val="262626"/>
+                </a:solidFill>
+              </a:rPr>
+              <a:t> les </a:t>
+            </a:r>
+            <a:r>
+              <a:rPr lang="en-US" sz="1100" i="1" dirty="0" err="1">
+                <a:solidFill>
+                  <a:srgbClr val="262626"/>
+                </a:solidFill>
+              </a:rPr>
+              <a:t>{{nb}}</a:t>
+            </a:r>
+            <a:r>
+              <a:rPr lang="en-US" sz="1100" i="1" dirty="0">
+                <a:solidFill>
+                  <a:srgbClr val="262626"/>
+                </a:solidFill>
+              </a:rPr>
+              <a:t> </a:t>
+            </a:r>
+            <a:r>
+              <a:rPr lang="en-US" sz="1100" i="1" dirty="0" err="1">
+                <a:solidFill>
+                  <a:srgbClr val="262626"/>
+                </a:solidFill>
+              </a:rPr>
+              <a:t>logements</a:t>
+            </a:r>
+            <a:r>
+              <a:rPr lang="en-US" sz="1100" i="1" dirty="0">
+                <a:solidFill>
+                  <a:srgbClr val="262626"/>
+                </a:solidFill>
+              </a:rPr>
+              <a:t> </a:t>
+            </a:r>
+            <a:r>
+              <a:rPr lang="en-US" sz="1100" i="1" dirty="0" err="1">
+                <a:solidFill>
+                  <a:srgbClr val="262626"/>
+                </a:solidFill>
+              </a:rPr>
+              <a:t>neufs</a:t>
+            </a:r>
+            <a:r>
+              <a:rPr lang="en-US" sz="1100" i="1" dirty="0">
+                <a:solidFill>
+                  <a:srgbClr val="262626"/>
+                </a:solidFill>
+              </a:rPr>
+              <a:t> ?</a:t>
+            </a:r>
+            <a:endParaRPr sz="100" i="1" dirty="0">
               <a:solidFill>
                 <a:srgbClr val="262626"/>
               </a:solidFill>
@@ -26111,7 +27051,13 @@
         <p:nvGraphicFramePr>
           <p:cNvPr id="247" name="Google Shape;247;p31"/>
           <p:cNvGraphicFramePr/>
-          <p:nvPr/>
+          <p:nvPr>
+            <p:extLst>
+              <p:ext uri="{D42A27DB-BD31-4B8C-83A1-F6EECF244321}">
+                <p14:modId xmlns:p14="http://schemas.microsoft.com/office/powerpoint/2010/main" val="758264537"/>
+              </p:ext>
+            </p:extLst>
+          </p:nvPr>
         </p:nvGraphicFramePr>
         <p:xfrm>
           <a:off x="2889150" y="1481625"/>
@@ -26173,10 +27119,10 @@
                         <a:buNone/>
                       </a:pPr>
                       <a:r>
-                        <a:rPr lang="en-US" sz="1200" b="1"/>
+                        <a:rPr lang="en-US" sz="1200" b="1" dirty="0" err="1"/>
                         <a:t>Composante</a:t>
                       </a:r>
-                      <a:endParaRPr sz="1200" b="1"/>
+                      <a:endParaRPr sz="1200" b="1" dirty="0"/>
                     </a:p>
                   </a:txBody>
                   <a:tcPr marL="28575" marR="28575" marT="19050" marB="19050" anchor="ctr">
@@ -26550,10 +27496,325 @@
                         <a:buNone/>
                       </a:pPr>
                       <a:r>
+                        <a:rPr lang="en-US" sz="1200" dirty="0" err="1"/>
+                        <a:t>{{nbNv}}</a:t>
+                      </a:r>
+                      <a:endParaRPr sz="1200" dirty="0"/>
+                    </a:p>
+                  </a:txBody>
+                  <a:tcPr marL="28575" marR="28575" marT="19050" marB="19050" anchor="ctr">
+                    <a:lnL w="9525" cap="flat" cmpd="sng">
+                      <a:solidFill>
+                        <a:srgbClr val="CCCCCC">
+                          <a:alpha val="0"/>
+                        </a:srgbClr>
+                      </a:solidFill>
+                      <a:prstDash val="solid"/>
+                      <a:round/>
+                      <a:headEnd type="none" w="sm" len="sm"/>
+                      <a:tailEnd type="none" w="sm" len="sm"/>
+                    </a:lnL>
+                    <a:lnR w="9525" cap="flat" cmpd="sng">
+                      <a:solidFill>
+                        <a:srgbClr val="CCCCCC">
+                          <a:alpha val="0"/>
+                        </a:srgbClr>
+                      </a:solidFill>
+                      <a:prstDash val="solid"/>
+                      <a:round/>
+                      <a:headEnd type="none" w="sm" len="sm"/>
+                      <a:tailEnd type="none" w="sm" len="sm"/>
+                    </a:lnR>
+                    <a:lnT w="9525" cap="flat" cmpd="sng">
+                      <a:solidFill>
+                        <a:srgbClr val="CCCCCC">
+                          <a:alpha val="0"/>
+                        </a:srgbClr>
+                      </a:solidFill>
+                      <a:prstDash val="solid"/>
+                      <a:round/>
+                      <a:headEnd type="none" w="sm" len="sm"/>
+                      <a:tailEnd type="none" w="sm" len="sm"/>
+                    </a:lnT>
+                    <a:lnB w="9525" cap="flat" cmpd="sng">
+                      <a:solidFill>
+                        <a:srgbClr val="CCCCCC">
+                          <a:alpha val="0"/>
+                        </a:srgbClr>
+                      </a:solidFill>
+                      <a:prstDash val="solid"/>
+                      <a:round/>
+                      <a:headEnd type="none" w="sm" len="sm"/>
+                      <a:tailEnd type="none" w="sm" len="sm"/>
+                    </a:lnB>
+                    <a:solidFill>
+                      <a:srgbClr val="CED1FF"/>
+                    </a:solidFill>
+                  </a:tcPr>
+                </a:tc>
+                <a:tc>
+                  <a:txBody>
+                    <a:bodyPr/>
+                    <a:lstStyle/>
+                    <a:p>
+                      <a:pPr marL="0" lvl="0" indent="0" algn="ctr" rtl="0">
+                        <a:lnSpc>
+                          <a:spcPct val="115000"/>
+                        </a:lnSpc>
+                        <a:spcBef>
+                          <a:spcPts val="0"/>
+                        </a:spcBef>
+                        <a:spcAft>
+                          <a:spcPts val="0"/>
+                        </a:spcAft>
+                        <a:buNone/>
+                      </a:pPr>
+                      <a:r>
+                        <a:rPr lang="en-US" sz="1200" dirty="0"/>
+                        <a:t>X %</a:t>
+                      </a:r>
+                      <a:endParaRPr sz="1200" dirty="0"/>
+                    </a:p>
+                  </a:txBody>
+                  <a:tcPr marL="28575" marR="28575" marT="19050" marB="19050" anchor="ctr">
+                    <a:lnL w="9525" cap="flat" cmpd="sng">
+                      <a:solidFill>
+                        <a:srgbClr val="CCCCCC">
+                          <a:alpha val="0"/>
+                        </a:srgbClr>
+                      </a:solidFill>
+                      <a:prstDash val="solid"/>
+                      <a:round/>
+                      <a:headEnd type="none" w="sm" len="sm"/>
+                      <a:tailEnd type="none" w="sm" len="sm"/>
+                    </a:lnL>
+                    <a:lnR w="9525" cap="flat" cmpd="sng">
+                      <a:solidFill>
+                        <a:srgbClr val="CCCCCC">
+                          <a:alpha val="0"/>
+                        </a:srgbClr>
+                      </a:solidFill>
+                      <a:prstDash val="solid"/>
+                      <a:round/>
+                      <a:headEnd type="none" w="sm" len="sm"/>
+                      <a:tailEnd type="none" w="sm" len="sm"/>
+                    </a:lnR>
+                    <a:lnT w="9525" cap="flat" cmpd="sng">
+                      <a:solidFill>
+                        <a:srgbClr val="CCCCCC">
+                          <a:alpha val="0"/>
+                        </a:srgbClr>
+                      </a:solidFill>
+                      <a:prstDash val="solid"/>
+                      <a:round/>
+                      <a:headEnd type="none" w="sm" len="sm"/>
+                      <a:tailEnd type="none" w="sm" len="sm"/>
+                    </a:lnT>
+                    <a:lnB w="9525" cap="flat" cmpd="sng">
+                      <a:solidFill>
+                        <a:srgbClr val="CCCCCC">
+                          <a:alpha val="0"/>
+                        </a:srgbClr>
+                      </a:solidFill>
+                      <a:prstDash val="solid"/>
+                      <a:round/>
+                      <a:headEnd type="none" w="sm" len="sm"/>
+                      <a:tailEnd type="none" w="sm" len="sm"/>
+                    </a:lnB>
+                    <a:solidFill>
+                      <a:srgbClr val="CED1FF"/>
+                    </a:solidFill>
+                  </a:tcPr>
+                </a:tc>
+                <a:tc>
+                  <a:txBody>
+                    <a:bodyPr/>
+                    <a:lstStyle/>
+                    <a:p>
+                      <a:pPr marL="0" lvl="0" indent="0" algn="l" rtl="0">
+                        <a:lnSpc>
+                          <a:spcPct val="115000"/>
+                        </a:lnSpc>
+                        <a:spcBef>
+                          <a:spcPts val="0"/>
+                        </a:spcBef>
+                        <a:spcAft>
+                          <a:spcPts val="0"/>
+                        </a:spcAft>
+                        <a:buNone/>
+                      </a:pPr>
+                      <a:r>
                         <a:rPr lang="en-US" sz="1200"/>
-                        <a:t>XXX</a:t>
+                        <a:t>Croissance du nombre de ménages</a:t>
                       </a:r>
                       <a:endParaRPr sz="1200"/>
+                    </a:p>
+                  </a:txBody>
+                  <a:tcPr marL="91425" marR="91425" marT="19050" marB="19050" anchor="ctr">
+                    <a:lnL w="9525" cap="flat" cmpd="sng">
+                      <a:solidFill>
+                        <a:srgbClr val="CCCCCC">
+                          <a:alpha val="0"/>
+                        </a:srgbClr>
+                      </a:solidFill>
+                      <a:prstDash val="solid"/>
+                      <a:round/>
+                      <a:headEnd type="none" w="sm" len="sm"/>
+                      <a:tailEnd type="none" w="sm" len="sm"/>
+                    </a:lnL>
+                    <a:lnR w="9525" cap="flat" cmpd="sng">
+                      <a:solidFill>
+                        <a:srgbClr val="000000">
+                          <a:alpha val="0"/>
+                        </a:srgbClr>
+                      </a:solidFill>
+                      <a:prstDash val="solid"/>
+                      <a:round/>
+                      <a:headEnd type="none" w="sm" len="sm"/>
+                      <a:tailEnd type="none" w="sm" len="sm"/>
+                    </a:lnR>
+                    <a:lnT w="9525" cap="flat" cmpd="sng">
+                      <a:solidFill>
+                        <a:srgbClr val="CCCCCC">
+                          <a:alpha val="0"/>
+                        </a:srgbClr>
+                      </a:solidFill>
+                      <a:prstDash val="solid"/>
+                      <a:round/>
+                      <a:headEnd type="none" w="sm" len="sm"/>
+                      <a:tailEnd type="none" w="sm" len="sm"/>
+                    </a:lnT>
+                    <a:lnB w="9525" cap="flat" cmpd="sng">
+                      <a:solidFill>
+                        <a:srgbClr val="CCCCCC">
+                          <a:alpha val="0"/>
+                        </a:srgbClr>
+                      </a:solidFill>
+                      <a:prstDash val="solid"/>
+                      <a:round/>
+                      <a:headEnd type="none" w="sm" len="sm"/>
+                      <a:tailEnd type="none" w="sm" len="sm"/>
+                    </a:lnB>
+                    <a:solidFill>
+                      <a:srgbClr val="CED1FF"/>
+                    </a:solidFill>
+                  </a:tcPr>
+                </a:tc>
+                <a:extLst>
+                  <a:ext uri="{0D108BD9-81ED-4DB2-BD59-A6C34878D82A}">
+                    <a16:rowId xmlns:a16="http://schemas.microsoft.com/office/drawing/2014/main" val="10001"/>
+                  </a:ext>
+                </a:extLst>
+              </a:tr>
+              <a:tr h="335000">
+                <a:tc>
+                  <a:txBody>
+                    <a:bodyPr/>
+                    <a:lstStyle/>
+                    <a:p>
+                      <a:pPr marL="0" lvl="0" indent="0" algn="l" rtl="0">
+                        <a:lnSpc>
+                          <a:spcPct val="115000"/>
+                        </a:lnSpc>
+                        <a:spcBef>
+                          <a:spcPts val="0"/>
+                        </a:spcBef>
+                        <a:spcAft>
+                          <a:spcPts val="0"/>
+                        </a:spcAft>
+                        <a:buNone/>
+                      </a:pPr>
+                      <a:r>
+                        <a:rPr lang="en-US" sz="1200" dirty="0"/>
+                        <a:t>🏠 </a:t>
+                      </a:r>
+                      <a:r>
+                        <a:rPr lang="en-US" sz="1200" dirty="0" err="1"/>
+                        <a:t>Fluidité</a:t>
+                      </a:r>
+                      <a:r>
+                        <a:rPr lang="en-US" sz="1200" dirty="0"/>
+                        <a:t> du </a:t>
+                      </a:r>
+                      <a:r>
+                        <a:rPr lang="en-US" sz="1200" dirty="0" err="1"/>
+                        <a:t>marché</a:t>
+                      </a:r>
+                      <a:endParaRPr sz="1200" dirty="0"/>
+                    </a:p>
+                  </a:txBody>
+                  <a:tcPr marL="28575" marR="28575" marT="19050" marB="19050" anchor="ctr">
+                    <a:lnL w="9525" cap="flat" cmpd="sng">
+                      <a:solidFill>
+                        <a:srgbClr val="CCCCCC">
+                          <a:alpha val="0"/>
+                        </a:srgbClr>
+                      </a:solidFill>
+                      <a:prstDash val="solid"/>
+                      <a:round/>
+                      <a:headEnd type="none" w="sm" len="sm"/>
+                      <a:tailEnd type="none" w="sm" len="sm"/>
+                    </a:lnL>
+                    <a:lnR w="9525" cap="flat" cmpd="sng">
+                      <a:solidFill>
+                        <a:srgbClr val="CCCCCC">
+                          <a:alpha val="0"/>
+                        </a:srgbClr>
+                      </a:solidFill>
+                      <a:prstDash val="solid"/>
+                      <a:round/>
+                      <a:headEnd type="none" w="sm" len="sm"/>
+                      <a:tailEnd type="none" w="sm" len="sm"/>
+                    </a:lnR>
+                    <a:lnT w="9525" cap="flat" cmpd="sng">
+                      <a:solidFill>
+                        <a:srgbClr val="CCCCCC">
+                          <a:alpha val="0"/>
+                        </a:srgbClr>
+                      </a:solidFill>
+                      <a:prstDash val="solid"/>
+                      <a:round/>
+                      <a:headEnd type="none" w="sm" len="sm"/>
+                      <a:tailEnd type="none" w="sm" len="sm"/>
+                    </a:lnT>
+                    <a:lnB w="9525" cap="flat" cmpd="sng">
+                      <a:solidFill>
+                        <a:srgbClr val="CCCCCC">
+                          <a:alpha val="0"/>
+                        </a:srgbClr>
+                      </a:solidFill>
+                      <a:prstDash val="solid"/>
+                      <a:round/>
+                      <a:headEnd type="none" w="sm" len="sm"/>
+                      <a:tailEnd type="none" w="sm" len="sm"/>
+                    </a:lnB>
+                    <a:solidFill>
+                      <a:srgbClr val="CED1FF"/>
+                    </a:solidFill>
+                  </a:tcPr>
+                </a:tc>
+                <a:tc>
+                  <a:txBody>
+                    <a:bodyPr/>
+                    <a:lstStyle/>
+                    <a:p>
+                      <a:pPr marL="0" lvl="0" indent="0" algn="ctr" rtl="0">
+                        <a:lnSpc>
+                          <a:spcPct val="115000"/>
+                        </a:lnSpc>
+                        <a:spcBef>
+                          <a:spcPts val="0"/>
+                        </a:spcBef>
+                        <a:spcAft>
+                          <a:spcPts val="0"/>
+                        </a:spcAft>
+                        <a:buNone/>
+                      </a:pPr>
+                      <a:r>
+                        <a:rPr lang="en-US" sz="1200" dirty="0" err="1"/>
+                        <a:t>{{nbFluid}}</a:t>
+                      </a:r>
+                      <a:endParaRPr sz="1200" dirty="0"/>
                     </a:p>
                   </a:txBody>
                   <a:tcPr marL="28575" marR="28575" marT="19050" marB="19050" anchor="ctr">
@@ -26699,309 +27960,6 @@
                       </a:pPr>
                       <a:r>
                         <a:rPr lang="en-US" sz="1200"/>
-                        <a:t>Croissance du nombre de ménages</a:t>
-                      </a:r>
-                      <a:endParaRPr sz="1200"/>
-                    </a:p>
-                  </a:txBody>
-                  <a:tcPr marL="91425" marR="91425" marT="19050" marB="19050" anchor="ctr">
-                    <a:lnL w="9525" cap="flat" cmpd="sng">
-                      <a:solidFill>
-                        <a:srgbClr val="CCCCCC">
-                          <a:alpha val="0"/>
-                        </a:srgbClr>
-                      </a:solidFill>
-                      <a:prstDash val="solid"/>
-                      <a:round/>
-                      <a:headEnd type="none" w="sm" len="sm"/>
-                      <a:tailEnd type="none" w="sm" len="sm"/>
-                    </a:lnL>
-                    <a:lnR w="9525" cap="flat" cmpd="sng">
-                      <a:solidFill>
-                        <a:srgbClr val="000000">
-                          <a:alpha val="0"/>
-                        </a:srgbClr>
-                      </a:solidFill>
-                      <a:prstDash val="solid"/>
-                      <a:round/>
-                      <a:headEnd type="none" w="sm" len="sm"/>
-                      <a:tailEnd type="none" w="sm" len="sm"/>
-                    </a:lnR>
-                    <a:lnT w="9525" cap="flat" cmpd="sng">
-                      <a:solidFill>
-                        <a:srgbClr val="CCCCCC">
-                          <a:alpha val="0"/>
-                        </a:srgbClr>
-                      </a:solidFill>
-                      <a:prstDash val="solid"/>
-                      <a:round/>
-                      <a:headEnd type="none" w="sm" len="sm"/>
-                      <a:tailEnd type="none" w="sm" len="sm"/>
-                    </a:lnT>
-                    <a:lnB w="9525" cap="flat" cmpd="sng">
-                      <a:solidFill>
-                        <a:srgbClr val="CCCCCC">
-                          <a:alpha val="0"/>
-                        </a:srgbClr>
-                      </a:solidFill>
-                      <a:prstDash val="solid"/>
-                      <a:round/>
-                      <a:headEnd type="none" w="sm" len="sm"/>
-                      <a:tailEnd type="none" w="sm" len="sm"/>
-                    </a:lnB>
-                    <a:solidFill>
-                      <a:srgbClr val="CED1FF"/>
-                    </a:solidFill>
-                  </a:tcPr>
-                </a:tc>
-                <a:extLst>
-                  <a:ext uri="{0D108BD9-81ED-4DB2-BD59-A6C34878D82A}">
-                    <a16:rowId xmlns:a16="http://schemas.microsoft.com/office/drawing/2014/main" val="10001"/>
-                  </a:ext>
-                </a:extLst>
-              </a:tr>
-              <a:tr h="335000">
-                <a:tc>
-                  <a:txBody>
-                    <a:bodyPr/>
-                    <a:lstStyle/>
-                    <a:p>
-                      <a:pPr marL="0" lvl="0" indent="0" algn="l" rtl="0">
-                        <a:lnSpc>
-                          <a:spcPct val="115000"/>
-                        </a:lnSpc>
-                        <a:spcBef>
-                          <a:spcPts val="0"/>
-                        </a:spcBef>
-                        <a:spcAft>
-                          <a:spcPts val="0"/>
-                        </a:spcAft>
-                        <a:buNone/>
-                      </a:pPr>
-                      <a:r>
-                        <a:rPr lang="en-US" sz="1200"/>
-                        <a:t>🏠 Fluidité du marché</a:t>
-                      </a:r>
-                      <a:endParaRPr sz="1200"/>
-                    </a:p>
-                  </a:txBody>
-                  <a:tcPr marL="28575" marR="28575" marT="19050" marB="19050" anchor="ctr">
-                    <a:lnL w="9525" cap="flat" cmpd="sng">
-                      <a:solidFill>
-                        <a:srgbClr val="CCCCCC">
-                          <a:alpha val="0"/>
-                        </a:srgbClr>
-                      </a:solidFill>
-                      <a:prstDash val="solid"/>
-                      <a:round/>
-                      <a:headEnd type="none" w="sm" len="sm"/>
-                      <a:tailEnd type="none" w="sm" len="sm"/>
-                    </a:lnL>
-                    <a:lnR w="9525" cap="flat" cmpd="sng">
-                      <a:solidFill>
-                        <a:srgbClr val="CCCCCC">
-                          <a:alpha val="0"/>
-                        </a:srgbClr>
-                      </a:solidFill>
-                      <a:prstDash val="solid"/>
-                      <a:round/>
-                      <a:headEnd type="none" w="sm" len="sm"/>
-                      <a:tailEnd type="none" w="sm" len="sm"/>
-                    </a:lnR>
-                    <a:lnT w="9525" cap="flat" cmpd="sng">
-                      <a:solidFill>
-                        <a:srgbClr val="CCCCCC">
-                          <a:alpha val="0"/>
-                        </a:srgbClr>
-                      </a:solidFill>
-                      <a:prstDash val="solid"/>
-                      <a:round/>
-                      <a:headEnd type="none" w="sm" len="sm"/>
-                      <a:tailEnd type="none" w="sm" len="sm"/>
-                    </a:lnT>
-                    <a:lnB w="9525" cap="flat" cmpd="sng">
-                      <a:solidFill>
-                        <a:srgbClr val="CCCCCC">
-                          <a:alpha val="0"/>
-                        </a:srgbClr>
-                      </a:solidFill>
-                      <a:prstDash val="solid"/>
-                      <a:round/>
-                      <a:headEnd type="none" w="sm" len="sm"/>
-                      <a:tailEnd type="none" w="sm" len="sm"/>
-                    </a:lnB>
-                    <a:solidFill>
-                      <a:srgbClr val="CED1FF"/>
-                    </a:solidFill>
-                  </a:tcPr>
-                </a:tc>
-                <a:tc>
-                  <a:txBody>
-                    <a:bodyPr/>
-                    <a:lstStyle/>
-                    <a:p>
-                      <a:pPr marL="0" lvl="0" indent="0" algn="ctr" rtl="0">
-                        <a:lnSpc>
-                          <a:spcPct val="115000"/>
-                        </a:lnSpc>
-                        <a:spcBef>
-                          <a:spcPts val="0"/>
-                        </a:spcBef>
-                        <a:spcAft>
-                          <a:spcPts val="0"/>
-                        </a:spcAft>
-                        <a:buNone/>
-                      </a:pPr>
-                      <a:r>
-                        <a:rPr lang="en-US" sz="1200"/>
-                        <a:t>XXX</a:t>
-                      </a:r>
-                      <a:endParaRPr sz="1200"/>
-                    </a:p>
-                  </a:txBody>
-                  <a:tcPr marL="28575" marR="28575" marT="19050" marB="19050" anchor="ctr">
-                    <a:lnL w="9525" cap="flat" cmpd="sng">
-                      <a:solidFill>
-                        <a:srgbClr val="CCCCCC">
-                          <a:alpha val="0"/>
-                        </a:srgbClr>
-                      </a:solidFill>
-                      <a:prstDash val="solid"/>
-                      <a:round/>
-                      <a:headEnd type="none" w="sm" len="sm"/>
-                      <a:tailEnd type="none" w="sm" len="sm"/>
-                    </a:lnL>
-                    <a:lnR w="9525" cap="flat" cmpd="sng">
-                      <a:solidFill>
-                        <a:srgbClr val="CCCCCC">
-                          <a:alpha val="0"/>
-                        </a:srgbClr>
-                      </a:solidFill>
-                      <a:prstDash val="solid"/>
-                      <a:round/>
-                      <a:headEnd type="none" w="sm" len="sm"/>
-                      <a:tailEnd type="none" w="sm" len="sm"/>
-                    </a:lnR>
-                    <a:lnT w="9525" cap="flat" cmpd="sng">
-                      <a:solidFill>
-                        <a:srgbClr val="CCCCCC">
-                          <a:alpha val="0"/>
-                        </a:srgbClr>
-                      </a:solidFill>
-                      <a:prstDash val="solid"/>
-                      <a:round/>
-                      <a:headEnd type="none" w="sm" len="sm"/>
-                      <a:tailEnd type="none" w="sm" len="sm"/>
-                    </a:lnT>
-                    <a:lnB w="9525" cap="flat" cmpd="sng">
-                      <a:solidFill>
-                        <a:srgbClr val="CCCCCC">
-                          <a:alpha val="0"/>
-                        </a:srgbClr>
-                      </a:solidFill>
-                      <a:prstDash val="solid"/>
-                      <a:round/>
-                      <a:headEnd type="none" w="sm" len="sm"/>
-                      <a:tailEnd type="none" w="sm" len="sm"/>
-                    </a:lnB>
-                    <a:solidFill>
-                      <a:srgbClr val="CED1FF"/>
-                    </a:solidFill>
-                  </a:tcPr>
-                </a:tc>
-                <a:tc>
-                  <a:txBody>
-                    <a:bodyPr/>
-                    <a:lstStyle/>
-                    <a:p>
-                      <a:pPr marL="0" lvl="0" indent="0" algn="ctr" rtl="0">
-                        <a:lnSpc>
-                          <a:spcPct val="115000"/>
-                        </a:lnSpc>
-                        <a:spcBef>
-                          <a:spcPts val="0"/>
-                        </a:spcBef>
-                        <a:spcAft>
-                          <a:spcPts val="0"/>
-                        </a:spcAft>
-                        <a:buNone/>
-                      </a:pPr>
-                      <a:r>
-                        <a:rPr lang="en-US" sz="1200"/>
-                        <a:t>X %</a:t>
-                      </a:r>
-                      <a:endParaRPr sz="1200"/>
-                    </a:p>
-                  </a:txBody>
-                  <a:tcPr marL="28575" marR="28575" marT="19050" marB="19050" anchor="ctr">
-                    <a:lnL w="9525" cap="flat" cmpd="sng">
-                      <a:solidFill>
-                        <a:srgbClr val="CCCCCC">
-                          <a:alpha val="0"/>
-                        </a:srgbClr>
-                      </a:solidFill>
-                      <a:prstDash val="solid"/>
-                      <a:round/>
-                      <a:headEnd type="none" w="sm" len="sm"/>
-                      <a:tailEnd type="none" w="sm" len="sm"/>
-                    </a:lnL>
-                    <a:lnR w="9525" cap="flat" cmpd="sng">
-                      <a:solidFill>
-                        <a:srgbClr val="CCCCCC">
-                          <a:alpha val="0"/>
-                        </a:srgbClr>
-                      </a:solidFill>
-                      <a:prstDash val="solid"/>
-                      <a:round/>
-                      <a:headEnd type="none" w="sm" len="sm"/>
-                      <a:tailEnd type="none" w="sm" len="sm"/>
-                    </a:lnR>
-                    <a:lnT w="9525" cap="flat" cmpd="sng">
-                      <a:solidFill>
-                        <a:srgbClr val="CCCCCC">
-                          <a:alpha val="0"/>
-                        </a:srgbClr>
-                      </a:solidFill>
-                      <a:prstDash val="solid"/>
-                      <a:round/>
-                      <a:headEnd type="none" w="sm" len="sm"/>
-                      <a:tailEnd type="none" w="sm" len="sm"/>
-                    </a:lnT>
-                    <a:lnB w="9525" cap="flat" cmpd="sng">
-                      <a:solidFill>
-                        <a:srgbClr val="CCCCCC">
-                          <a:alpha val="0"/>
-                        </a:srgbClr>
-                      </a:solidFill>
-                      <a:prstDash val="solid"/>
-                      <a:round/>
-                      <a:headEnd type="none" w="sm" len="sm"/>
-                      <a:tailEnd type="none" w="sm" len="sm"/>
-                    </a:lnB>
-                    <a:solidFill>
-                      <a:srgbClr val="CED1FF"/>
-                    </a:solidFill>
-                  </a:tcPr>
-                </a:tc>
-                <a:tc>
-                  <a:txBody>
-                    <a:bodyPr/>
-                    <a:lstStyle/>
-                    <a:p>
-                      <a:pPr marL="0" lvl="0" indent="0" algn="l" rtl="0">
-                        <a:lnSpc>
-                          <a:spcPct val="115000"/>
-                        </a:lnSpc>
-                        <a:spcBef>
-                          <a:spcPts val="0"/>
-                        </a:spcBef>
-                        <a:spcAft>
-                          <a:spcPts val="0"/>
-                        </a:spcAft>
-                        <a:buNone/>
-                      </a:pPr>
-                      <a:r>
-                        <a:rPr lang="en-US" sz="1200"/>
                         <a:t>Rotation normale des logements</a:t>
                       </a:r>
                       <a:endParaRPr sz="1200"/>
@@ -27082,10 +28040,22 @@
                         <a:buNone/>
                       </a:pPr>
                       <a:r>
-                        <a:rPr lang="en-US" sz="1200"/>
-                        <a:t>🏘️ Résidences secondaires</a:t>
+                        <a:rPr lang="en-US" sz="1200" dirty="0"/>
+                        <a:t>🏘️ </a:t>
                       </a:r>
-                      <a:endParaRPr sz="1200"/>
+                      <a:r>
+                        <a:rPr lang="en-US" sz="1200" dirty="0" err="1"/>
+                        <a:t>Résidences</a:t>
+                      </a:r>
+                      <a:r>
+                        <a:rPr lang="en-US" sz="1200" dirty="0"/>
+                        <a:t> </a:t>
+                      </a:r>
+                      <a:r>
+                        <a:rPr lang="en-US" sz="1200" dirty="0" err="1"/>
+                        <a:t>secondaires</a:t>
+                      </a:r>
+                      <a:endParaRPr sz="1200" dirty="0"/>
                     </a:p>
                   </a:txBody>
                   <a:tcPr marL="28575" marR="28575" marT="19050" marB="19050" anchor="ctr">
@@ -27156,10 +28126,10 @@
                         <a:buNone/>
                       </a:pPr>
                       <a:r>
-                        <a:rPr lang="en-US" sz="1200"/>
-                        <a:t>XXX</a:t>
+                        <a:rPr lang="en-US" sz="1200" dirty="0" err="1"/>
+                        <a:t>{{nbRs}}</a:t>
                       </a:r>
-                      <a:endParaRPr sz="1200"/>
+                      <a:endParaRPr sz="1200" dirty="0"/>
                     </a:p>
                   </a:txBody>
                   <a:tcPr marL="28575" marR="28575" marT="19050" marB="19050" anchor="ctr">
@@ -27459,10 +28429,10 @@
                         <a:buNone/>
                       </a:pPr>
                       <a:r>
-                        <a:rPr lang="en-US" sz="1200"/>
-                        <a:t>-XXX</a:t>
+                        <a:rPr lang="en-US" sz="1200" dirty="0" err="1"/>
+                        <a:t>{{nbVac}}</a:t>
                       </a:r>
-                      <a:endParaRPr sz="1200"/>
+                      <a:endParaRPr sz="1200" dirty="0"/>
                     </a:p>
                   </a:txBody>
                   <a:tcPr marL="28575" marR="28575" marT="19050" marB="19050" anchor="ctr">
@@ -27758,10 +28728,10 @@
                         <a:buNone/>
                       </a:pPr>
                       <a:r>
-                        <a:rPr lang="en-US" sz="1200"/>
-                        <a:t>-XXX</a:t>
+                        <a:rPr lang="en-US" sz="1200" dirty="0" err="1"/>
+                        <a:t>{{nbUrb}}</a:t>
                       </a:r>
-                      <a:endParaRPr sz="1200"/>
+                      <a:endParaRPr sz="1200" dirty="0"/>
                     </a:p>
                   </a:txBody>
                   <a:tcPr marL="28575" marR="28575" marT="19050" marB="19050" anchor="ctr">
@@ -28054,10 +29024,38 @@
                         <a:buNone/>
                       </a:pPr>
                       <a:r>
-                        <a:rPr lang="en-US" sz="1200" b="1"/>
-                        <a:t>XXX logements neufs à produire</a:t>
+                        <a:rPr lang="en-US" sz="1200" b="1" dirty="0"/>
+                        <a:t>{{total}} </a:t>
                       </a:r>
-                      <a:endParaRPr sz="1200" b="1"/>
+                      <a:r>
+                        <a:rPr lang="en-US" sz="1200" b="1" dirty="0" err="1"/>
+                        <a:t>logements</a:t>
+                      </a:r>
+                      <a:r>
+                        <a:rPr lang="en-US" sz="1200" b="1" dirty="0"/>
+                        <a:t> </a:t>
+                      </a:r>
+                      <a:r>
+                        <a:rPr lang="en-US" sz="1200" b="1" dirty="0" err="1"/>
+                        <a:t>neufs</a:t>
+                      </a:r>
+                      <a:r>
+                        <a:rPr lang="en-US" sz="1200" b="1" dirty="0"/>
+                        <a:t> </a:t>
+                      </a:r>
+                      <a:r>
+                        <a:rPr lang="en-US" sz="1200" b="1" dirty="0" err="1"/>
+                        <a:t>à</a:t>
+                      </a:r>
+                      <a:r>
+                        <a:rPr lang="en-US" sz="1200" b="1" dirty="0"/>
+                        <a:t> </a:t>
+                      </a:r>
+                      <a:r>
+                        <a:rPr lang="en-US" sz="1200" b="1" dirty="0" err="1"/>
+                        <a:t>produire</a:t>
+                      </a:r>
+                      <a:endParaRPr sz="1200" b="1" dirty="0"/>
                     </a:p>
                   </a:txBody>
                   <a:tcPr marL="28575" marR="28575" marT="19050" marB="19050" anchor="ctr">
@@ -28146,7 +29144,7 @@
         <p:spPr>
           <a:xfrm>
             <a:off x="219975" y="1782450"/>
-            <a:ext cx="1625700" cy="2280300"/>
+            <a:ext cx="1625700" cy="2633768"/>
           </a:xfrm>
           <a:prstGeom prst="rect">
             <a:avLst/>
@@ -28177,14 +29175,22 @@
               <a:buNone/>
             </a:pPr>
             <a:r>
-              <a:rPr lang="en-US" sz="1100" b="1">
+              <a:rPr lang="en-US" sz="1100" b="1" dirty="0">
                 <a:solidFill>
                   <a:schemeClr val="dk1"/>
                 </a:solidFill>
               </a:rPr>
-              <a:t>💡 Messages clés</a:t>
-            </a:r>
-            <a:endParaRPr sz="1100" b="1">
+              <a:t>💡 Messages </a:t>
+            </a:r>
+            <a:r>
+              <a:rPr lang="en-US" sz="1100" b="1" dirty="0" err="1">
+                <a:solidFill>
+                  <a:schemeClr val="dk1"/>
+                </a:solidFill>
+              </a:rPr>
+              <a:t>clés</a:t>
+            </a:r>
+            <a:endParaRPr sz="1100" b="1" dirty="0">
               <a:solidFill>
                 <a:schemeClr val="dk1"/>
               </a:solidFill>
@@ -28208,22 +29214,86 @@
               <a:buChar char="●"/>
             </a:pPr>
             <a:r>
-              <a:rPr lang="en-US" sz="1000" b="1">
+              <a:rPr lang="en-US" sz="1000" b="1" dirty="0" err="1">
                 <a:solidFill>
                   <a:schemeClr val="dk1"/>
                 </a:solidFill>
               </a:rPr>
-              <a:t>X% des besoins = démographie</a:t>
-            </a:r>
-            <a:r>
-              <a:rPr lang="en-US" sz="1000">
+              <a:t>{{dperc}}</a:t>
+            </a:r>
+            <a:r>
+              <a:rPr lang="en-US" sz="1000" b="1" dirty="0">
                 <a:solidFill>
                   <a:schemeClr val="dk1"/>
                 </a:solidFill>
               </a:rPr>
-              <a:t> : c'est le moteur principal</a:t>
-            </a:r>
-            <a:endParaRPr sz="1000">
+              <a:t> des </a:t>
+            </a:r>
+            <a:r>
+              <a:rPr lang="en-US" sz="1000" b="1" dirty="0" err="1">
+                <a:solidFill>
+                  <a:schemeClr val="dk1"/>
+                </a:solidFill>
+              </a:rPr>
+              <a:t>besoins</a:t>
+            </a:r>
+            <a:r>
+              <a:rPr lang="en-US" sz="1000" b="1" dirty="0">
+                <a:solidFill>
+                  <a:schemeClr val="dk1"/>
+                </a:solidFill>
+              </a:rPr>
+              <a:t> = </a:t>
+            </a:r>
+            <a:r>
+              <a:rPr lang="en-US" sz="1000" b="1" dirty="0" err="1">
+                <a:solidFill>
+                  <a:schemeClr val="dk1"/>
+                </a:solidFill>
+              </a:rPr>
+              <a:t>démographie</a:t>
+            </a:r>
+            <a:r>
+              <a:rPr lang="en-US" sz="1000" dirty="0">
+                <a:solidFill>
+                  <a:schemeClr val="dk1"/>
+                </a:solidFill>
+              </a:rPr>
+              <a:t> : </a:t>
+            </a:r>
+            <a:r>
+              <a:rPr lang="en-US" sz="1000" dirty="0" err="1">
+                <a:solidFill>
+                  <a:schemeClr val="dk1"/>
+                </a:solidFill>
+              </a:rPr>
+              <a:t>c'est</a:t>
+            </a:r>
+            <a:r>
+              <a:rPr lang="en-US" sz="1000" dirty="0">
+                <a:solidFill>
+                  <a:schemeClr val="dk1"/>
+                </a:solidFill>
+              </a:rPr>
+              <a:t> le </a:t>
+            </a:r>
+            <a:r>
+              <a:rPr lang="en-US" sz="1000" dirty="0" err="1">
+                <a:solidFill>
+                  <a:schemeClr val="dk1"/>
+                </a:solidFill>
+              </a:rPr>
+              <a:t>moteur</a:t>
+            </a:r>
+            <a:r>
+              <a:rPr lang="en-US" sz="1000" dirty="0">
+                <a:solidFill>
+                  <a:schemeClr val="dk1"/>
+                </a:solidFill>
+              </a:rPr>
+              <a:t> principal</a:t>
+            </a:r>
+            <a:endParaRPr sz="1000" dirty="0">
               <a:solidFill>
                 <a:schemeClr val="dk1"/>
               </a:solidFill>
@@ -28247,22 +29317,78 @@
               <a:buChar char="●"/>
             </a:pPr>
             <a:r>
-              <a:rPr lang="en-US" sz="1000" b="1">
+              <a:rPr lang="en-US" sz="1000" b="1" dirty="0" err="1">
                 <a:solidFill>
                   <a:schemeClr val="dk1"/>
                 </a:solidFill>
               </a:rPr>
-              <a:t>Renouvellement urbain positif</a:t>
-            </a:r>
-            <a:r>
-              <a:rPr lang="en-US" sz="1000">
+              <a:t>Renouvellement</a:t>
+            </a:r>
+            <a:r>
+              <a:rPr lang="en-US" sz="1000" b="1" dirty="0">
                 <a:solidFill>
                   <a:schemeClr val="dk1"/>
                 </a:solidFill>
               </a:rPr>
-              <a:t> : le parc se densifie naturellement</a:t>
-            </a:r>
-            <a:endParaRPr sz="1000">
+              <a:t> </a:t>
+            </a:r>
+            <a:r>
+              <a:rPr lang="en-US" sz="1000" b="1" dirty="0" err="1">
+                <a:solidFill>
+                  <a:schemeClr val="dk1"/>
+                </a:solidFill>
+              </a:rPr>
+              <a:t>urbain</a:t>
+            </a:r>
+            <a:r>
+              <a:rPr lang="en-US" sz="1000" b="1" dirty="0">
+                <a:solidFill>
+                  <a:schemeClr val="dk1"/>
+                </a:solidFill>
+              </a:rPr>
+              <a:t> </a:t>
+            </a:r>
+            <a:r>
+              <a:rPr lang="en-US" sz="1000" b="1" dirty="0" err="1">
+                <a:solidFill>
+                  <a:schemeClr val="dk1"/>
+                </a:solidFill>
+              </a:rPr>
+              <a:t>positif</a:t>
+            </a:r>
+            <a:r>
+              <a:rPr lang="en-US" sz="1000" dirty="0">
+                <a:solidFill>
+                  <a:schemeClr val="dk1"/>
+                </a:solidFill>
+              </a:rPr>
+              <a:t> : le parc se </a:t>
+            </a:r>
+            <a:r>
+              <a:rPr lang="en-US" sz="1000" dirty="0" err="1">
+                <a:solidFill>
+                  <a:schemeClr val="dk1"/>
+                </a:solidFill>
+              </a:rPr>
+              <a:t>densifie</a:t>
+            </a:r>
+            <a:r>
+              <a:rPr lang="en-US" sz="1000" dirty="0">
+                <a:solidFill>
+                  <a:schemeClr val="dk1"/>
+                </a:solidFill>
+              </a:rPr>
+              <a:t> </a:t>
+            </a:r>
+            <a:r>
+              <a:rPr lang="en-US" sz="1000" dirty="0" err="1">
+                <a:solidFill>
+                  <a:schemeClr val="dk1"/>
+                </a:solidFill>
+              </a:rPr>
+              <a:t>naturellement</a:t>
+            </a:r>
+            <a:endParaRPr sz="1000" dirty="0">
               <a:solidFill>
                 <a:schemeClr val="dk1"/>
               </a:solidFill>
@@ -28286,22 +29412,94 @@
               <a:buChar char="●"/>
             </a:pPr>
             <a:r>
-              <a:rPr lang="en-US" sz="1000" b="1">
+              <a:rPr lang="en-US" sz="1000" b="1" dirty="0" err="1">
                 <a:solidFill>
                   <a:schemeClr val="dk1"/>
                 </a:solidFill>
               </a:rPr>
-              <a:t>Vacance mobilisable</a:t>
-            </a:r>
-            <a:r>
-              <a:rPr lang="en-US" sz="1000">
+              <a:t>Vacance</a:t>
+            </a:r>
+            <a:r>
+              <a:rPr lang="en-US" sz="1000" b="1" dirty="0">
                 <a:solidFill>
                   <a:schemeClr val="dk1"/>
                 </a:solidFill>
               </a:rPr>
-              <a:t> : gisement limité mais réel</a:t>
-            </a:r>
-            <a:endParaRPr sz="1000">
+              <a:t> </a:t>
+            </a:r>
+            <a:r>
+              <a:rPr lang="en-US" sz="1000" b="1" dirty="0" err="1">
+                <a:solidFill>
+                  <a:schemeClr val="dk1"/>
+                </a:solidFill>
+              </a:rPr>
+              <a:t>mobilisable</a:t>
+            </a:r>
+            <a:r>
+              <a:rPr lang="en-US" sz="1000" dirty="0">
+                <a:solidFill>
+                  <a:schemeClr val="dk1"/>
+                </a:solidFill>
+              </a:rPr>
+              <a:t> : </a:t>
+            </a:r>
+            <a:r>
+              <a:rPr lang="en-US" sz="1000" dirty="0" err="1">
+                <a:solidFill>
+                  <a:schemeClr val="dk1"/>
+                </a:solidFill>
+              </a:rPr>
+              <a:t>gisement</a:t>
+            </a:r>
+            <a:r>
+              <a:rPr lang="en-US" sz="1000" dirty="0">
+                <a:solidFill>
+                  <a:schemeClr val="dk1"/>
+                </a:solidFill>
+              </a:rPr>
+              <a:t> </a:t>
+            </a:r>
+            <a:r>
+              <a:rPr lang="en-US" sz="1000" dirty="0" err="1">
+                <a:solidFill>
+                  <a:schemeClr val="dk1"/>
+                </a:solidFill>
+              </a:rPr>
+              <a:t>limité</a:t>
+            </a:r>
+            <a:r>
+              <a:rPr lang="en-US" sz="1000" dirty="0">
+                <a:solidFill>
+                  <a:schemeClr val="dk1"/>
+                </a:solidFill>
+              </a:rPr>
+              <a:t> </a:t>
+            </a:r>
+            <a:r>
+              <a:rPr lang="en-US" sz="1000" dirty="0" err="1">
+                <a:solidFill>
+                  <a:schemeClr val="dk1"/>
+                </a:solidFill>
+              </a:rPr>
+              <a:t>mais</a:t>
+            </a:r>
+            <a:r>
+              <a:rPr lang="en-US" sz="1000" dirty="0">
+                <a:solidFill>
+                  <a:schemeClr val="dk1"/>
+                </a:solidFill>
+              </a:rPr>
+              <a:t> </a:t>
+            </a:r>
+            <a:r>
+              <a:rPr lang="en-US" sz="1000" dirty="0" err="1">
+                <a:solidFill>
+                  <a:schemeClr val="dk1"/>
+                </a:solidFill>
+              </a:rPr>
+              <a:t>réel</a:t>
+            </a:r>
+            <a:endParaRPr sz="1000" dirty="0">
               <a:solidFill>
                 <a:schemeClr val="dk1"/>
               </a:solidFill>
@@ -28994,8 +30192,36 @@
           <a:p>
             <a:pPr marL="0" indent="0"/>
             <a:r>
-              <a:rPr lang="en-US" sz="1100"/>
-              <a:t>Estimation sur la période {{layoutStart}} – {{layoutEnd}} pour le {{layoutDocumentType}}</a:t>
+              <a:rPr lang="en-US" sz="1100" dirty="0"/>
+              <a:t>Estimation sur la </a:t>
+            </a:r>
+            <a:r>
+              <a:rPr lang="en-US" sz="1100" dirty="0" err="1"/>
+              <a:t>période</a:t>
+            </a:r>
+            <a:r>
+              <a:rPr lang="en-US" sz="1100" dirty="0"/>
+              <a:t> </a:t>
+            </a:r>
+            <a:r>
+              <a:rPr lang="en-US" sz="1100" dirty="0" err="1"/>
+              <a:t>{{layoutStart}}</a:t>
+            </a:r>
+            <a:r>
+              <a:rPr lang="en-US" sz="1100" dirty="0"/>
+              <a:t> – </a:t>
+            </a:r>
+            <a:r>
+              <a:rPr lang="en-US" sz="1100" dirty="0" err="1"/>
+              <a:t>{{layoutEnd}}</a:t>
+            </a:r>
+            <a:r>
+              <a:rPr lang="en-US" sz="1100" dirty="0"/>
+              <a:t> pour le </a:t>
+            </a:r>
+            <a:r>
+              <a:rPr lang="en-US" sz="1100" dirty="0" err="1"/>
+              <a:t>{{layoutDocumentType}}</a:t>
             </a:r>
             <a:endParaRPr lang="en-US" sz="1100" i="1" dirty="0"/>
           </a:p>
@@ -29092,8 +30318,8 @@
         </p:nvSpPr>
         <p:spPr>
           <a:xfrm>
-            <a:off x="2600446" y="666750"/>
-            <a:ext cx="6267300" cy="400200"/>
+            <a:off x="2600438" y="589159"/>
+            <a:ext cx="6267300" cy="707846"/>
           </a:xfrm>
           <a:prstGeom prst="rect">
             <a:avLst/>
@@ -29127,14 +30353,46 @@
               <a:buNone/>
             </a:pPr>
             <a:r>
-              <a:rPr lang="en-US" sz="2000" i="1">
+              <a:rPr lang="en-US" sz="2000" i="1" dirty="0">
                 <a:solidFill>
                   <a:srgbClr val="262626"/>
                 </a:solidFill>
               </a:rPr>
-              <a:t>Objectif : XXX logements pour régler XXXX situations</a:t>
-            </a:r>
-            <a:endParaRPr sz="800" i="1">
+              <a:t>Objectif : {{total}} </a:t>
+            </a:r>
+            <a:r>
+              <a:rPr lang="en-US" sz="2000" i="1" dirty="0" err="1">
+                <a:solidFill>
+                  <a:srgbClr val="262626"/>
+                </a:solidFill>
+              </a:rPr>
+              <a:t>logements</a:t>
+            </a:r>
+            <a:r>
+              <a:rPr lang="en-US" sz="2000" i="1" dirty="0">
+                <a:solidFill>
+                  <a:srgbClr val="262626"/>
+                </a:solidFill>
+              </a:rPr>
+              <a:t> pour </a:t>
+            </a:r>
+            <a:r>
+              <a:rPr lang="en-US" sz="2000" i="1" dirty="0" err="1">
+                <a:solidFill>
+                  <a:srgbClr val="262626"/>
+                </a:solidFill>
+              </a:rPr>
+              <a:t>régler {{nbSituations}}</a:t>
+            </a:r>
+            <a:r>
+              <a:rPr lang="en-US" sz="2000" i="1" dirty="0">
+                <a:solidFill>
+                  <a:srgbClr val="262626"/>
+                </a:solidFill>
+              </a:rPr>
+              <a:t> situations</a:t>
+            </a:r>
+            <a:endParaRPr sz="800" i="1" dirty="0">
               <a:solidFill>
                 <a:srgbClr val="262626"/>
               </a:solidFill>
@@ -29146,7 +30404,13 @@
         <p:nvGraphicFramePr>
           <p:cNvPr id="259" name="Google Shape;259;p32"/>
           <p:cNvGraphicFramePr/>
-          <p:nvPr/>
+          <p:nvPr>
+            <p:extLst>
+              <p:ext uri="{D42A27DB-BD31-4B8C-83A1-F6EECF244321}">
+                <p14:modId xmlns:p14="http://schemas.microsoft.com/office/powerpoint/2010/main" val="2576935817"/>
+              </p:ext>
+            </p:extLst>
+          </p:nvPr>
         </p:nvGraphicFramePr>
         <p:xfrm>
           <a:off x="2633713" y="1214913"/>
@@ -29506,10 +30770,10 @@
                         <a:buNone/>
                       </a:pPr>
                       <a:r>
-                        <a:rPr lang="en-US" sz="1200"/>
-                        <a:t>XXX</a:t>
+                        <a:rPr lang="en-US" sz="1200" dirty="0" err="1"/>
+                        <a:t>{{nbHosted}}</a:t>
                       </a:r>
-                      <a:endParaRPr sz="1200"/>
+                      <a:endParaRPr sz="1200" dirty="0"/>
                     </a:p>
                   </a:txBody>
                   <a:tcPr marL="28575" marR="28575" marT="19050" marB="19050" anchor="ctr">
@@ -29573,10 +30837,10 @@
                         <a:buNone/>
                       </a:pPr>
                       <a:r>
-                        <a:rPr lang="en-US" sz="1200"/>
-                        <a:t>X%</a:t>
+                        <a:rPr lang="en-US" sz="1200" dirty="0" err="1"/>
+                        <a:t>{{percentHosted}}</a:t>
                       </a:r>
-                      <a:endParaRPr sz="1200"/>
+                      <a:endParaRPr sz="1200" dirty="0"/>
                     </a:p>
                   </a:txBody>
                   <a:tcPr marL="28575" marR="28575" marT="19050" marB="19050" anchor="ctr">
@@ -29701,7 +30965,7 @@
                     <a:bodyPr/>
                     <a:lstStyle/>
                     <a:p>
-                      <a:pPr marL="0" lvl="0" indent="0" algn="l" rtl="0">
+                      <a:pPr marL="0" marR="0" lvl="0" indent="0" algn="l" defTabSz="914400" rtl="0" eaLnBrk="1" fontAlgn="auto" latinLnBrk="0" hangingPunct="1">
                         <a:lnSpc>
                           <a:spcPct val="115000"/>
                         </a:lnSpc>
@@ -29711,13 +30975,19 @@
                         <a:spcAft>
                           <a:spcPts val="0"/>
                         </a:spcAft>
+                        <a:buClr>
+                          <a:srgbClr val="000000"/>
+                        </a:buClr>
+                        <a:buSzTx/>
+                        <a:buFont typeface="Arial"/>
                         <a:buNone/>
+                        <a:tabLst/>
+                        <a:defRPr/>
                       </a:pPr>
                       <a:r>
-                        <a:rPr lang="en-US" sz="1200"/>
-                        <a:t>XXX</a:t>
+                        <a:rPr lang="en-US" sz="1200" dirty="0" err="1"/>
+                        <a:t>{{nbNoAccommodation}}</a:t>
                       </a:r>
-                      <a:endParaRPr sz="1200"/>
                     </a:p>
                   </a:txBody>
                   <a:tcPr marL="28575" marR="28575" marT="19050" marB="19050" anchor="ctr">
@@ -29768,7 +31038,7 @@
                     <a:bodyPr/>
                     <a:lstStyle/>
                     <a:p>
-                      <a:pPr marL="0" lvl="0" indent="0" algn="l" rtl="0">
+                      <a:pPr marL="0" marR="0" lvl="0" indent="0" algn="l" defTabSz="914400" rtl="0" eaLnBrk="1" fontAlgn="auto" latinLnBrk="0" hangingPunct="1">
                         <a:lnSpc>
                           <a:spcPct val="115000"/>
                         </a:lnSpc>
@@ -29778,13 +31048,19 @@
                         <a:spcAft>
                           <a:spcPts val="0"/>
                         </a:spcAft>
+                        <a:buClr>
+                          <a:srgbClr val="000000"/>
+                        </a:buClr>
+                        <a:buSzTx/>
+                        <a:buFont typeface="Arial"/>
                         <a:buNone/>
+                        <a:tabLst/>
+                        <a:defRPr/>
                       </a:pPr>
                       <a:r>
-                        <a:rPr lang="en-US" sz="1200"/>
-                        <a:t>X%</a:t>
+                        <a:rPr lang="en-US" sz="1200" dirty="0" err="1"/>
+                        <a:t>{{percentNoAcc}}</a:t>
                       </a:r>
-                      <a:endParaRPr sz="1200"/>
                     </a:p>
                   </a:txBody>
                   <a:tcPr marL="28575" marR="28575" marT="19050" marB="19050" anchor="ctr">
@@ -29855,10 +31131,91 @@
                         <a:buNone/>
                       </a:pPr>
                       <a:r>
-                        <a:rPr lang="en-US" sz="1200"/>
-                        <a:t>💰 Inadéquation financière</a:t>
+                        <a:rPr lang="en-US" sz="1200" dirty="0"/>
+                        <a:t>💰 </a:t>
                       </a:r>
-                      <a:endParaRPr sz="1200"/>
+                      <a:r>
+                        <a:rPr lang="en-US" sz="1200" dirty="0" err="1"/>
+                        <a:t>Inadéquation</a:t>
+                      </a:r>
+                      <a:r>
+                        <a:rPr lang="en-US" sz="1200" dirty="0"/>
+                        <a:t> financière</a:t>
+                      </a:r>
+                      <a:endParaRPr sz="1200" dirty="0"/>
+                    </a:p>
+                  </a:txBody>
+                  <a:tcPr marL="28575" marR="28575" marT="19050" marB="19050" anchor="ctr">
+                    <a:lnL w="9525" cap="flat" cmpd="sng">
+                      <a:solidFill>
+                        <a:srgbClr val="CCCCCC">
+                          <a:alpha val="0"/>
+                        </a:srgbClr>
+                      </a:solidFill>
+                      <a:prstDash val="solid"/>
+                      <a:round/>
+                      <a:headEnd type="none" w="sm" len="sm"/>
+                      <a:tailEnd type="none" w="sm" len="sm"/>
+                    </a:lnL>
+                    <a:lnR w="9525" cap="flat" cmpd="sng">
+                      <a:solidFill>
+                        <a:srgbClr val="CCCCCC">
+                          <a:alpha val="0"/>
+                        </a:srgbClr>
+                      </a:solidFill>
+                      <a:prstDash val="solid"/>
+                      <a:round/>
+                      <a:headEnd type="none" w="sm" len="sm"/>
+                      <a:tailEnd type="none" w="sm" len="sm"/>
+                    </a:lnR>
+                    <a:lnT w="9525" cap="flat" cmpd="sng">
+                      <a:solidFill>
+                        <a:schemeClr val="dk2"/>
+                      </a:solidFill>
+                      <a:prstDash val="solid"/>
+                      <a:round/>
+                      <a:headEnd type="none" w="sm" len="sm"/>
+                      <a:tailEnd type="none" w="sm" len="sm"/>
+                    </a:lnT>
+                    <a:lnB w="9525" cap="flat" cmpd="sng">
+                      <a:solidFill>
+                        <a:schemeClr val="dk2"/>
+                      </a:solidFill>
+                      <a:prstDash val="solid"/>
+                      <a:round/>
+                      <a:headEnd type="none" w="sm" len="sm"/>
+                      <a:tailEnd type="none" w="sm" len="sm"/>
+                    </a:lnB>
+                  </a:tcPr>
+                </a:tc>
+                <a:tc>
+                  <a:txBody>
+                    <a:bodyPr/>
+                    <a:lstStyle/>
+                    <a:p>
+                      <a:pPr marL="0" marR="0" lvl="0" indent="0" algn="l" defTabSz="914400" rtl="0" eaLnBrk="1" fontAlgn="auto" latinLnBrk="0" hangingPunct="1">
+                        <a:lnSpc>
+                          <a:spcPct val="115000"/>
+                        </a:lnSpc>
+                        <a:spcBef>
+                          <a:spcPts val="0"/>
+                        </a:spcBef>
+                        <a:spcAft>
+                          <a:spcPts val="0"/>
+                        </a:spcAft>
+                        <a:buClr>
+                          <a:srgbClr val="000000"/>
+                        </a:buClr>
+                        <a:buSzTx/>
+                        <a:buFont typeface="Arial"/>
+                        <a:buNone/>
+                        <a:tabLst/>
+                        <a:defRPr/>
+                      </a:pPr>
+                      <a:r>
+                        <a:rPr lang="en-US" sz="1200" dirty="0" err="1"/>
+                        <a:t>{{nbFinancialInadequation}}</a:t>
+                      </a:r>
                     </a:p>
                   </a:txBody>
                   <a:tcPr marL="28575" marR="28575" marT="19050" marB="19050" anchor="ctr">
@@ -29922,77 +31279,9 @@
                         <a:buNone/>
                       </a:pPr>
                       <a:r>
-                        <a:rPr lang="en-US" sz="1200"/>
-                        <a:t>XXX</a:t>
+                        <a:rPr lang="en-US" sz="1200" dirty="0" err="1"/>
+                        <a:t>{{percentFI}}</a:t>
                       </a:r>
-                      <a:endParaRPr sz="1200"/>
-                    </a:p>
-                  </a:txBody>
-                  <a:tcPr marL="28575" marR="28575" marT="19050" marB="19050" anchor="ctr">
-                    <a:lnL w="9525" cap="flat" cmpd="sng">
-                      <a:solidFill>
-                        <a:srgbClr val="CCCCCC">
-                          <a:alpha val="0"/>
-                        </a:srgbClr>
-                      </a:solidFill>
-                      <a:prstDash val="solid"/>
-                      <a:round/>
-                      <a:headEnd type="none" w="sm" len="sm"/>
-                      <a:tailEnd type="none" w="sm" len="sm"/>
-                    </a:lnL>
-                    <a:lnR w="9525" cap="flat" cmpd="sng">
-                      <a:solidFill>
-                        <a:srgbClr val="CCCCCC">
-                          <a:alpha val="0"/>
-                        </a:srgbClr>
-                      </a:solidFill>
-                      <a:prstDash val="solid"/>
-                      <a:round/>
-                      <a:headEnd type="none" w="sm" len="sm"/>
-                      <a:tailEnd type="none" w="sm" len="sm"/>
-                    </a:lnR>
-                    <a:lnT w="9525" cap="flat" cmpd="sng">
-                      <a:solidFill>
-                        <a:schemeClr val="dk2"/>
-                      </a:solidFill>
-                      <a:prstDash val="solid"/>
-                      <a:round/>
-                      <a:headEnd type="none" w="sm" len="sm"/>
-                      <a:tailEnd type="none" w="sm" len="sm"/>
-                    </a:lnT>
-                    <a:lnB w="9525" cap="flat" cmpd="sng">
-                      <a:solidFill>
-                        <a:schemeClr val="dk2"/>
-                      </a:solidFill>
-                      <a:prstDash val="solid"/>
-                      <a:round/>
-                      <a:headEnd type="none" w="sm" len="sm"/>
-                      <a:tailEnd type="none" w="sm" len="sm"/>
-                    </a:lnB>
-                  </a:tcPr>
-                </a:tc>
-                <a:tc>
-                  <a:txBody>
-                    <a:bodyPr/>
-                    <a:lstStyle/>
-                    <a:p>
-                      <a:pPr marL="0" lvl="0" indent="0" algn="l" rtl="0">
-                        <a:lnSpc>
-                          <a:spcPct val="115000"/>
-                        </a:lnSpc>
-                        <a:spcBef>
-                          <a:spcPts val="0"/>
-                        </a:spcBef>
-                        <a:spcAft>
-                          <a:spcPts val="0"/>
-                        </a:spcAft>
-                        <a:buNone/>
-                      </a:pPr>
-                      <a:r>
-                        <a:rPr lang="en-US" sz="1200"/>
-                        <a:t>X%</a:t>
-                      </a:r>
-                      <a:endParaRPr sz="1200"/>
                     </a:p>
                   </a:txBody>
                   <a:tcPr marL="28575" marR="28575" marT="19050" marB="19050" anchor="ctr">
@@ -30117,7 +31406,7 @@
                     <a:bodyPr/>
                     <a:lstStyle/>
                     <a:p>
-                      <a:pPr marL="0" lvl="0" indent="0" algn="l" rtl="0">
+                      <a:pPr marL="0" marR="0" lvl="0" indent="0" algn="l" defTabSz="914400" rtl="0" eaLnBrk="1" fontAlgn="auto" latinLnBrk="0" hangingPunct="1">
                         <a:lnSpc>
                           <a:spcPct val="115000"/>
                         </a:lnSpc>
@@ -30127,13 +31416,19 @@
                         <a:spcAft>
                           <a:spcPts val="0"/>
                         </a:spcAft>
+                        <a:buClr>
+                          <a:srgbClr val="000000"/>
+                        </a:buClr>
+                        <a:buSzTx/>
+                        <a:buFont typeface="Arial"/>
                         <a:buNone/>
+                        <a:tabLst/>
+                        <a:defRPr/>
                       </a:pPr>
                       <a:r>
-                        <a:rPr lang="en-US" sz="1200"/>
-                        <a:t>XXX</a:t>
+                        <a:rPr lang="en-US" sz="1200" dirty="0" err="1"/>
+                        <a:t>{{nbPhysicalInadequation}}</a:t>
                       </a:r>
-                      <a:endParaRPr sz="1200"/>
                     </a:p>
                   </a:txBody>
                   <a:tcPr marL="28575" marR="28575" marT="19050" marB="19050" anchor="ctr">
@@ -30197,10 +31492,9 @@
                         <a:buNone/>
                       </a:pPr>
                       <a:r>
-                        <a:rPr lang="en-US" sz="1200"/>
-                        <a:t>X%</a:t>
+                        <a:rPr lang="en-US" sz="1200" dirty="0" err="1"/>
+                        <a:t>{{percentPI}}</a:t>
                       </a:r>
-                      <a:endParaRPr sz="1200"/>
                     </a:p>
                   </a:txBody>
                   <a:tcPr marL="28575" marR="28575" marT="19050" marB="19050" anchor="ctr">
@@ -30271,10 +31565,97 @@
                         <a:buNone/>
                       </a:pPr>
                       <a:r>
-                        <a:rPr lang="en-US" sz="1200"/>
-                        <a:t>⚠️ Mauvaise qualité</a:t>
+                        <a:rPr lang="en-US" sz="1200" dirty="0"/>
+                        <a:t>⚠️ </a:t>
                       </a:r>
-                      <a:endParaRPr sz="1200"/>
+                      <a:r>
+                        <a:rPr lang="en-US" sz="1200" dirty="0" err="1"/>
+                        <a:t>Mauvaise</a:t>
+                      </a:r>
+                      <a:r>
+                        <a:rPr lang="en-US" sz="1200" dirty="0"/>
+                        <a:t> </a:t>
+                      </a:r>
+                      <a:r>
+                        <a:rPr lang="en-US" sz="1200" dirty="0" err="1"/>
+                        <a:t>qualité</a:t>
+                      </a:r>
+                      <a:endParaRPr sz="1200" dirty="0"/>
+                    </a:p>
+                  </a:txBody>
+                  <a:tcPr marL="28575" marR="28575" marT="19050" marB="19050" anchor="ctr">
+                    <a:lnL w="9525" cap="flat" cmpd="sng">
+                      <a:solidFill>
+                        <a:srgbClr val="CCCCCC">
+                          <a:alpha val="0"/>
+                        </a:srgbClr>
+                      </a:solidFill>
+                      <a:prstDash val="solid"/>
+                      <a:round/>
+                      <a:headEnd type="none" w="sm" len="sm"/>
+                      <a:tailEnd type="none" w="sm" len="sm"/>
+                    </a:lnL>
+                    <a:lnR w="9525" cap="flat" cmpd="sng">
+                      <a:solidFill>
+                        <a:srgbClr val="CCCCCC">
+                          <a:alpha val="0"/>
+                        </a:srgbClr>
+                      </a:solidFill>
+                      <a:prstDash val="solid"/>
+                      <a:round/>
+                      <a:headEnd type="none" w="sm" len="sm"/>
+                      <a:tailEnd type="none" w="sm" len="sm"/>
+                    </a:lnR>
+                    <a:lnT w="9525" cap="flat" cmpd="sng">
+                      <a:solidFill>
+                        <a:schemeClr val="dk2"/>
+                      </a:solidFill>
+                      <a:prstDash val="solid"/>
+                      <a:round/>
+                      <a:headEnd type="none" w="sm" len="sm"/>
+                      <a:tailEnd type="none" w="sm" len="sm"/>
+                    </a:lnT>
+                    <a:lnB w="9525" cap="flat" cmpd="sng">
+                      <a:solidFill>
+                        <a:srgbClr val="CCCCCC">
+                          <a:alpha val="0"/>
+                        </a:srgbClr>
+                      </a:solidFill>
+                      <a:prstDash val="solid"/>
+                      <a:round/>
+                      <a:headEnd type="none" w="sm" len="sm"/>
+                      <a:tailEnd type="none" w="sm" len="sm"/>
+                    </a:lnB>
+                  </a:tcPr>
+                </a:tc>
+                <a:tc>
+                  <a:txBody>
+                    <a:bodyPr/>
+                    <a:lstStyle/>
+                    <a:p>
+                      <a:pPr marL="0" marR="0" lvl="0" indent="0" algn="l" defTabSz="914400" rtl="0" eaLnBrk="1" fontAlgn="auto" latinLnBrk="0" hangingPunct="1">
+                        <a:lnSpc>
+                          <a:spcPct val="115000"/>
+                        </a:lnSpc>
+                        <a:spcBef>
+                          <a:spcPts val="0"/>
+                        </a:spcBef>
+                        <a:spcAft>
+                          <a:spcPts val="0"/>
+                        </a:spcAft>
+                        <a:buClr>
+                          <a:srgbClr val="000000"/>
+                        </a:buClr>
+                        <a:buSzTx/>
+                        <a:buFont typeface="Arial"/>
+                        <a:buNone/>
+                        <a:tabLst/>
+                        <a:defRPr/>
+                      </a:pPr>
+                      <a:r>
+                        <a:rPr lang="en-US" sz="1200" dirty="0" err="1"/>
+                        <a:t>{{nbBadQuality}}</a:t>
+                      </a:r>
                     </a:p>
                   </a:txBody>
                   <a:tcPr marL="28575" marR="28575" marT="19050" marB="19050" anchor="ctr">
@@ -30340,79 +31721,9 @@
                         <a:buNone/>
                       </a:pPr>
                       <a:r>
-                        <a:rPr lang="en-US" sz="1200"/>
-                        <a:t>XXX</a:t>
+                        <a:rPr lang="en-US" sz="1200" dirty="0" err="1"/>
+                        <a:t>{{percentBadQ}}</a:t>
                       </a:r>
-                      <a:endParaRPr sz="1200"/>
-                    </a:p>
-                  </a:txBody>
-                  <a:tcPr marL="28575" marR="28575" marT="19050" marB="19050" anchor="ctr">
-                    <a:lnL w="9525" cap="flat" cmpd="sng">
-                      <a:solidFill>
-                        <a:srgbClr val="CCCCCC">
-                          <a:alpha val="0"/>
-                        </a:srgbClr>
-                      </a:solidFill>
-                      <a:prstDash val="solid"/>
-                      <a:round/>
-                      <a:headEnd type="none" w="sm" len="sm"/>
-                      <a:tailEnd type="none" w="sm" len="sm"/>
-                    </a:lnL>
-                    <a:lnR w="9525" cap="flat" cmpd="sng">
-                      <a:solidFill>
-                        <a:srgbClr val="CCCCCC">
-                          <a:alpha val="0"/>
-                        </a:srgbClr>
-                      </a:solidFill>
-                      <a:prstDash val="solid"/>
-                      <a:round/>
-                      <a:headEnd type="none" w="sm" len="sm"/>
-                      <a:tailEnd type="none" w="sm" len="sm"/>
-                    </a:lnR>
-                    <a:lnT w="9525" cap="flat" cmpd="sng">
-                      <a:solidFill>
-                        <a:schemeClr val="dk2"/>
-                      </a:solidFill>
-                      <a:prstDash val="solid"/>
-                      <a:round/>
-                      <a:headEnd type="none" w="sm" len="sm"/>
-                      <a:tailEnd type="none" w="sm" len="sm"/>
-                    </a:lnT>
-                    <a:lnB w="9525" cap="flat" cmpd="sng">
-                      <a:solidFill>
-                        <a:srgbClr val="CCCCCC">
-                          <a:alpha val="0"/>
-                        </a:srgbClr>
-                      </a:solidFill>
-                      <a:prstDash val="solid"/>
-                      <a:round/>
-                      <a:headEnd type="none" w="sm" len="sm"/>
-                      <a:tailEnd type="none" w="sm" len="sm"/>
-                    </a:lnB>
-                  </a:tcPr>
-                </a:tc>
-                <a:tc>
-                  <a:txBody>
-                    <a:bodyPr/>
-                    <a:lstStyle/>
-                    <a:p>
-                      <a:pPr marL="0" lvl="0" indent="0" algn="l" rtl="0">
-                        <a:lnSpc>
-                          <a:spcPct val="115000"/>
-                        </a:lnSpc>
-                        <a:spcBef>
-                          <a:spcPts val="0"/>
-                        </a:spcBef>
-                        <a:spcAft>
-                          <a:spcPts val="0"/>
-                        </a:spcAft>
-                        <a:buNone/>
-                      </a:pPr>
-                      <a:r>
-                        <a:rPr lang="en-US" sz="1200"/>
-                        <a:t>X%</a:t>
-                      </a:r>
-                      <a:endParaRPr sz="1200"/>
                     </a:p>
                   </a:txBody>
                   <a:tcPr marL="28575" marR="28575" marT="19050" marB="19050" anchor="ctr">
@@ -30478,8 +31789,8 @@
         </p:nvSpPr>
         <p:spPr>
           <a:xfrm>
-            <a:off x="2600438" y="3870450"/>
-            <a:ext cx="6267300" cy="1049400"/>
+            <a:off x="2600438" y="3870449"/>
+            <a:ext cx="6267300" cy="1227643"/>
           </a:xfrm>
           <a:prstGeom prst="rect">
             <a:avLst/>
@@ -30510,14 +31821,38 @@
               <a:buNone/>
             </a:pPr>
             <a:r>
-              <a:rPr lang="en-US" sz="1100" b="1">
+              <a:rPr lang="en-US" sz="1100" b="1" dirty="0">
                 <a:solidFill>
                   <a:schemeClr val="dk1"/>
                 </a:solidFill>
               </a:rPr>
-              <a:t>🎯 Stratégie de résorption</a:t>
-            </a:r>
-            <a:endParaRPr sz="1100" b="1">
+              <a:t>🎯 </a:t>
+            </a:r>
+            <a:r>
+              <a:rPr lang="en-US" sz="1100" b="1" dirty="0" err="1">
+                <a:solidFill>
+                  <a:schemeClr val="dk1"/>
+                </a:solidFill>
+              </a:rPr>
+              <a:t>Stratégie</a:t>
+            </a:r>
+            <a:r>
+              <a:rPr lang="en-US" sz="1100" b="1" dirty="0">
+                <a:solidFill>
+                  <a:schemeClr val="dk1"/>
+                </a:solidFill>
+              </a:rPr>
+              <a:t> de </a:t>
+            </a:r>
+            <a:r>
+              <a:rPr lang="en-US" sz="1100" b="1" dirty="0" err="1">
+                <a:solidFill>
+                  <a:schemeClr val="dk1"/>
+                </a:solidFill>
+              </a:rPr>
+              <a:t>résorption</a:t>
+            </a:r>
+            <a:endParaRPr sz="1100" b="1" dirty="0">
               <a:solidFill>
                 <a:schemeClr val="dk1"/>
               </a:solidFill>
@@ -30541,7 +31876,7 @@
               <a:buChar char="●"/>
             </a:pPr>
             <a:r>
-              <a:rPr lang="en-US" sz="1100" b="1">
+              <a:rPr lang="en-US" sz="1100" b="1" dirty="0">
                 <a:solidFill>
                   <a:schemeClr val="dk1"/>
                 </a:solidFill>
@@ -30549,22 +31884,62 @@
               <a:t>Objectif</a:t>
             </a:r>
             <a:r>
-              <a:rPr lang="en-US" sz="1100">
+              <a:rPr lang="en-US" sz="1100" dirty="0">
                 <a:solidFill>
                   <a:schemeClr val="dk1"/>
                 </a:solidFill>
               </a:rPr>
-              <a:t> : résorption complète d'ici</a:t>
-            </a:r>
-            <a:r>
-              <a:rPr lang="en-US" sz="1100" b="1">
+              <a:t> : </a:t>
+            </a:r>
+            <a:r>
+              <a:rPr lang="en-US" sz="1100" dirty="0" err="1">
                 <a:solidFill>
                   <a:schemeClr val="dk1"/>
                 </a:solidFill>
               </a:rPr>
-              <a:t> xxx</a:t>
-            </a:r>
-            <a:endParaRPr sz="1100" b="1">
+              <a:t>résorption</a:t>
+            </a:r>
+            <a:r>
+              <a:rPr lang="en-US" sz="1100" dirty="0">
+                <a:solidFill>
+                  <a:schemeClr val="dk1"/>
+                </a:solidFill>
+              </a:rPr>
+              <a:t> </a:t>
+            </a:r>
+            <a:r>
+              <a:rPr lang="en-US" sz="1100" dirty="0" err="1">
+                <a:solidFill>
+                  <a:schemeClr val="dk1"/>
+                </a:solidFill>
+              </a:rPr>
+              <a:t>complète</a:t>
+            </a:r>
+            <a:r>
+              <a:rPr lang="en-US" sz="1100" dirty="0">
+                <a:solidFill>
+                  <a:schemeClr val="dk1"/>
+                </a:solidFill>
+              </a:rPr>
+              <a:t> </a:t>
+            </a:r>
+            <a:r>
+              <a:rPr lang="en-US" sz="1100" dirty="0" err="1">
+                <a:solidFill>
+                  <a:schemeClr val="dk1"/>
+                </a:solidFill>
+              </a:rPr>
+              <a:t>d'ici</a:t>
+            </a:r>
+            <a:r>
+              <a:rPr lang="en-US" sz="1100" b="1" dirty="0" err="1">
+                <a:solidFill>
+                  <a:schemeClr val="dk1"/>
+                </a:solidFill>
+              </a:rPr>
+              <a:t> {{resorbYear}}</a:t>
+            </a:r>
+            <a:endParaRPr sz="1100" b="1" dirty="0">
               <a:solidFill>
                 <a:schemeClr val="dk1"/>
               </a:solidFill>
@@ -30588,26 +31963,85 @@
               <a:buChar char="●"/>
             </a:pPr>
             <a:r>
-              <a:rPr lang="en-US" sz="1100" b="1">
+              <a:rPr lang="en-US" sz="1100" b="1" dirty="0">
                 <a:solidFill>
                   <a:schemeClr val="dk1"/>
                 </a:solidFill>
               </a:rPr>
-              <a:t>Impact Document d’urbanisme</a:t>
-            </a:r>
-            <a:r>
-              <a:rPr lang="en-US" sz="1100">
+              <a:t>Impact Document </a:t>
+            </a:r>
+            <a:r>
+              <a:rPr lang="en-US" sz="1100" b="1" dirty="0" err="1">
                 <a:solidFill>
                   <a:schemeClr val="dk1"/>
                 </a:solidFill>
               </a:rPr>
-              <a:t>: XXX logements dédiés sur [début]-[fin]</a:t>
-            </a:r>
-            <a:endParaRPr sz="1100">
-              <a:solidFill>
-                <a:schemeClr val="dk1"/>
-              </a:solidFill>
-            </a:endParaRPr>
+              <a:t>d’urbanisme</a:t>
+            </a:r>
+            <a:r>
+              <a:rPr lang="en-US" sz="1100" dirty="0">
+                <a:solidFill>
+                  <a:schemeClr val="dk1"/>
+                </a:solidFill>
+              </a:rPr>
+              <a:t>: {{impact}} </a:t>
+            </a:r>
+            <a:r>
+              <a:rPr lang="en-US" sz="1100" dirty="0" err="1">
+                <a:solidFill>
+                  <a:schemeClr val="dk1"/>
+                </a:solidFill>
+              </a:rPr>
+              <a:t>logements</a:t>
+            </a:r>
+            <a:r>
+              <a:rPr lang="en-US" sz="1100" dirty="0">
+                <a:solidFill>
+                  <a:schemeClr val="dk1"/>
+                </a:solidFill>
+              </a:rPr>
+              <a:t> </a:t>
+            </a:r>
+            <a:r>
+              <a:rPr lang="en-US" sz="1100" dirty="0" err="1">
+                <a:solidFill>
+                  <a:schemeClr val="dk1"/>
+                </a:solidFill>
+              </a:rPr>
+              <a:t>dédiés</a:t>
+            </a:r>
+            <a:r>
+              <a:rPr lang="en-US" sz="1100" dirty="0">
+                <a:solidFill>
+                  <a:schemeClr val="dk1"/>
+                </a:solidFill>
+              </a:rPr>
+              <a:t> sur </a:t>
+            </a:r>
+            <a:r>
+              <a:rPr lang="en-US" sz="1100" dirty="0" err="1">
+                <a:solidFill>
+                  <a:schemeClr val="dk1"/>
+                </a:solidFill>
+              </a:rPr>
+              <a:t>{{docStart}}</a:t>
+            </a:r>
+            <a:r>
+              <a:rPr lang="en-US" sz="1100" dirty="0">
+                <a:solidFill>
+                  <a:schemeClr val="dk1"/>
+                </a:solidFill>
+              </a:rPr>
+              <a:t>-</a:t>
+            </a:r>
+            <a:r>
+              <a:rPr lang="en-US" sz="1100" dirty="0" err="1">
+                <a:solidFill>
+                  <a:schemeClr val="dk1"/>
+                </a:solidFill>
+              </a:rPr>
+              <a:t>{{docEnd}}</a:t>
+            </a:r>
           </a:p>
           <a:p>
             <a:pPr marL="228600" lvl="0" indent="-184150" algn="l" rtl="0">
@@ -30627,26 +32061,117 @@
               <a:buChar char="●"/>
             </a:pPr>
             <a:r>
-              <a:rPr lang="en-US" sz="1100" b="1">
+              <a:rPr lang="en-US" sz="1100" b="1" dirty="0">
                 <a:solidFill>
                   <a:schemeClr val="dk1"/>
                 </a:solidFill>
               </a:rPr>
-              <a:t>Publics prioritaires </a:t>
-            </a:r>
-            <a:r>
-              <a:rPr lang="en-US" sz="1100">
+              <a:t>Publics </a:t>
+            </a:r>
+            <a:r>
+              <a:rPr lang="en-US" sz="1100" b="1" dirty="0" err="1">
                 <a:solidFill>
                   <a:schemeClr val="dk1"/>
                 </a:solidFill>
               </a:rPr>
-              <a:t>: personnes hébergées (tiers, famille) et sans logement (X% des cas)</a:t>
-            </a:r>
-            <a:endParaRPr sz="1100">
-              <a:solidFill>
-                <a:schemeClr val="dk1"/>
-              </a:solidFill>
-            </a:endParaRPr>
+              <a:t>prioritaires</a:t>
+            </a:r>
+            <a:r>
+              <a:rPr lang="en-US" sz="1100" b="1" dirty="0">
+                <a:solidFill>
+                  <a:schemeClr val="dk1"/>
+                </a:solidFill>
+              </a:rPr>
+              <a:t> </a:t>
+            </a:r>
+            <a:r>
+              <a:rPr lang="en-US" sz="1100" dirty="0">
+                <a:solidFill>
+                  <a:schemeClr val="dk1"/>
+                </a:solidFill>
+              </a:rPr>
+              <a:t>: </a:t>
+            </a:r>
+            <a:r>
+              <a:rPr lang="en-US" sz="1100" dirty="0" err="1">
+                <a:solidFill>
+                  <a:schemeClr val="dk1"/>
+                </a:solidFill>
+              </a:rPr>
+              <a:t>personnes</a:t>
+            </a:r>
+            <a:r>
+              <a:rPr lang="en-US" sz="1100" dirty="0">
+                <a:solidFill>
+                  <a:schemeClr val="dk1"/>
+                </a:solidFill>
+              </a:rPr>
+              <a:t> </a:t>
+            </a:r>
+            <a:r>
+              <a:rPr lang="en-US" sz="1100" dirty="0" err="1">
+                <a:solidFill>
+                  <a:schemeClr val="dk1"/>
+                </a:solidFill>
+              </a:rPr>
+              <a:t>hébergées</a:t>
+            </a:r>
+            <a:r>
+              <a:rPr lang="en-US" sz="1100" dirty="0">
+                <a:solidFill>
+                  <a:schemeClr val="dk1"/>
+                </a:solidFill>
+              </a:rPr>
+              <a:t> (tiers, </a:t>
+            </a:r>
+            <a:r>
+              <a:rPr lang="en-US" sz="1100" dirty="0" err="1">
+                <a:solidFill>
+                  <a:schemeClr val="dk1"/>
+                </a:solidFill>
+              </a:rPr>
+              <a:t>famille</a:t>
+            </a:r>
+            <a:r>
+              <a:rPr lang="en-US" sz="1100" dirty="0">
+                <a:solidFill>
+                  <a:schemeClr val="dk1"/>
+                </a:solidFill>
+              </a:rPr>
+              <a:t>) et sans </a:t>
+            </a:r>
+            <a:r>
+              <a:rPr lang="en-US" sz="1100" dirty="0" err="1">
+                <a:solidFill>
+                  <a:schemeClr val="dk1"/>
+                </a:solidFill>
+              </a:rPr>
+              <a:t>logement</a:t>
+            </a:r>
+            <a:r>
+              <a:rPr lang="en-US" sz="1100" dirty="0">
+                <a:solidFill>
+                  <a:schemeClr val="dk1"/>
+                </a:solidFill>
+              </a:rPr>
+              <a:t> (X% des </a:t>
+            </a:r>
+            <a:r>
+              <a:rPr lang="en-US" sz="1100" dirty="0" err="1">
+                <a:solidFill>
+                  <a:schemeClr val="dk1"/>
+                </a:solidFill>
+              </a:rPr>
+              <a:t>cas</a:t>
+            </a:r>
+            <a:r>
+              <a:rPr lang="en-US" sz="1100" dirty="0">
+                <a:solidFill>
+                  <a:schemeClr val="dk1"/>
+                </a:solidFill>
+              </a:rPr>
+              <a:t>)</a:t>
+            </a:r>
           </a:p>
         </p:txBody>
       </p:sp>
@@ -31219,8 +32744,36 @@
           <a:p>
             <a:pPr marL="0" indent="0"/>
             <a:r>
-              <a:rPr lang="en-US" sz="1100"/>
-              <a:t>Estimation sur la période {{layoutStart}} – {{layoutEnd}} pour le {{layoutDocumentType}}</a:t>
+              <a:rPr lang="en-US" sz="1100" dirty="0"/>
+              <a:t>Estimation sur la </a:t>
+            </a:r>
+            <a:r>
+              <a:rPr lang="en-US" sz="1100" dirty="0" err="1"/>
+              <a:t>période</a:t>
+            </a:r>
+            <a:r>
+              <a:rPr lang="en-US" sz="1100" dirty="0"/>
+              <a:t> </a:t>
+            </a:r>
+            <a:r>
+              <a:rPr lang="en-US" sz="1100" dirty="0" err="1"/>
+              <a:t>{{layoutStart}}</a:t>
+            </a:r>
+            <a:r>
+              <a:rPr lang="en-US" sz="1100" dirty="0"/>
+              <a:t> – </a:t>
+            </a:r>
+            <a:r>
+              <a:rPr lang="en-US" sz="1100" dirty="0" err="1"/>
+              <a:t>{{layoutEnd}}</a:t>
+            </a:r>
+            <a:r>
+              <a:rPr lang="en-US" sz="1100" dirty="0"/>
+              <a:t> pour le </a:t>
+            </a:r>
+            <a:r>
+              <a:rPr lang="en-US" sz="1100" dirty="0" err="1"/>
+              <a:t>{{layoutDocumentType}}</a:t>
             </a:r>
             <a:endParaRPr lang="en-US" sz="1100" i="1" dirty="0"/>
           </a:p>
@@ -31353,21 +32906,37 @@
               <a:buChar char="●"/>
             </a:pPr>
             <a:r>
-              <a:rPr lang="en-US" sz="1100" b="1">
+              <a:rPr lang="en-US" sz="1100" b="1" dirty="0">
                 <a:solidFill>
                   <a:schemeClr val="dk1"/>
                 </a:solidFill>
               </a:rPr>
-              <a:t>Situation actuelle : [Volume arrondi au 100près]</a:t>
+              <a:t>Situation </a:t>
+            </a:r>
+            <a:r>
+              <a:rPr lang="en-US" sz="1100" b="1" dirty="0" err="1">
+                <a:solidFill>
+                  <a:schemeClr val="dk1"/>
+                </a:solidFill>
+              </a:rPr>
+              <a:t>actuelle</a:t>
+            </a:r>
+            <a:r>
+              <a:rPr lang="en-US" sz="1100" b="1" dirty="0">
+                <a:solidFill>
+                  <a:schemeClr val="dk1"/>
+                </a:solidFill>
+              </a:rPr>
+              <a:t> : [Volume arrondi au 100près]</a:t>
             </a:r>
             <a:br>
-              <a:rPr lang="en-US" sz="1100" b="1">
+              <a:rPr lang="en-US" sz="1100" b="1" dirty="0">
                 <a:solidFill>
                   <a:schemeClr val="dk1"/>
                 </a:solidFill>
               </a:rPr>
             </a:br>
-            <a:endParaRPr sz="1100" b="1">
+            <a:endParaRPr sz="1100" b="1" dirty="0">
               <a:solidFill>
                 <a:schemeClr val="dk1"/>
               </a:solidFill>
@@ -31391,29 +32960,61 @@
               <a:buChar char="●"/>
             </a:pPr>
             <a:r>
-              <a:rPr lang="en-US" sz="1100" b="1">
+              <a:rPr lang="en-US" sz="1100" b="1" dirty="0">
                 <a:solidFill>
                   <a:schemeClr val="dk1"/>
                 </a:solidFill>
               </a:rPr>
-              <a:t>Objectif [horizon de projection] :</a:t>
-            </a:r>
-            <a:r>
-              <a:rPr lang="en-US" sz="1100">
+              <a:t>Objectif {{projection}}:</a:t>
+            </a:r>
+            <a:r>
+              <a:rPr lang="en-US" sz="1100" dirty="0">
                 <a:solidFill>
                   <a:schemeClr val="dk1"/>
                 </a:solidFill>
               </a:rPr>
-              <a:t>  ([évolution en point])</a:t>
+              <a:t>  ([</a:t>
+            </a:r>
+            <a:r>
+              <a:rPr lang="en-US" sz="1100" dirty="0" err="1">
+                <a:solidFill>
+                  <a:schemeClr val="dk1"/>
+                </a:solidFill>
+              </a:rPr>
+              <a:t>évolution</a:t>
+            </a:r>
+            <a:r>
+              <a:rPr lang="en-US" sz="1100" dirty="0">
+                <a:solidFill>
+                  <a:schemeClr val="dk1"/>
+                </a:solidFill>
+              </a:rPr>
+              <a:t> </a:t>
+            </a:r>
+            <a:r>
+              <a:rPr lang="en-US" sz="1100" dirty="0" err="1">
+                <a:solidFill>
+                  <a:schemeClr val="dk1"/>
+                </a:solidFill>
+              </a:rPr>
+              <a:t>en</a:t>
+            </a:r>
+            <a:r>
+              <a:rPr lang="en-US" sz="1100" dirty="0">
+                <a:solidFill>
+                  <a:schemeClr val="dk1"/>
+                </a:solidFill>
+              </a:rPr>
+              <a:t> point])</a:t>
             </a:r>
             <a:br>
-              <a:rPr lang="en-US" sz="1100">
+              <a:rPr lang="en-US" sz="1100" dirty="0">
                 <a:solidFill>
                   <a:schemeClr val="dk1"/>
                 </a:solidFill>
               </a:rPr>
             </a:br>
-            <a:endParaRPr sz="1100">
+            <a:endParaRPr sz="1100" dirty="0">
               <a:solidFill>
                 <a:schemeClr val="dk1"/>
               </a:solidFill>
@@ -31437,14 +33038,86 @@
               <a:buChar char="●"/>
             </a:pPr>
             <a:r>
-              <a:rPr lang="en-US" sz="1100">
+              <a:rPr lang="en-US" sz="1100" dirty="0" err="1">
                 <a:solidFill>
                   <a:schemeClr val="dk1"/>
                 </a:solidFill>
               </a:rPr>
-              <a:t>Résultat : [nombre de logements à remobiliser]</a:t>
-            </a:r>
-            <a:endParaRPr sz="1100">
+              <a:t>Résultat</a:t>
+            </a:r>
+            <a:r>
+              <a:rPr lang="en-US" sz="1100" dirty="0">
+                <a:solidFill>
+                  <a:schemeClr val="dk1"/>
+                </a:solidFill>
+              </a:rPr>
+              <a:t> : [</a:t>
+            </a:r>
+            <a:r>
+              <a:rPr lang="en-US" sz="1100" dirty="0" err="1">
+                <a:solidFill>
+                  <a:schemeClr val="dk1"/>
+                </a:solidFill>
+              </a:rPr>
+              <a:t>nombre</a:t>
+            </a:r>
+            <a:r>
+              <a:rPr lang="en-US" sz="1100" dirty="0">
+                <a:solidFill>
+                  <a:schemeClr val="dk1"/>
+                </a:solidFill>
+              </a:rPr>
+              <a:t> de </a:t>
+            </a:r>
+            <a:r>
+              <a:rPr lang="en-US" sz="1100" dirty="0" err="1">
+                <a:solidFill>
+                  <a:schemeClr val="dk1"/>
+                </a:solidFill>
+              </a:rPr>
+              <a:t>logements</a:t>
+            </a:r>
+            <a:r>
+              <a:rPr lang="en-US" sz="1100" dirty="0">
+                <a:solidFill>
+                  <a:schemeClr val="dk1"/>
+                </a:solidFill>
+              </a:rPr>
+              <a:t> </a:t>
+            </a:r>
+            <a:r>
+              <a:rPr lang="en-US" sz="1100" dirty="0" err="1">
+                <a:solidFill>
+                  <a:schemeClr val="dk1"/>
+                </a:solidFill>
+              </a:rPr>
+              <a:t>à</a:t>
+            </a:r>
+            <a:r>
+              <a:rPr lang="en-US" sz="1100" dirty="0">
+                <a:solidFill>
+                  <a:schemeClr val="dk1"/>
+                </a:solidFill>
+              </a:rPr>
+              <a:t> </a:t>
+            </a:r>
+            <a:r>
+              <a:rPr lang="en-US" sz="1100" dirty="0" err="1">
+                <a:solidFill>
+                  <a:schemeClr val="dk1"/>
+                </a:solidFill>
+              </a:rPr>
+              <a:t>remobiliser</a:t>
+            </a:r>
+            <a:r>
+              <a:rPr lang="en-US" sz="1100" dirty="0">
+                <a:solidFill>
+                  <a:schemeClr val="dk1"/>
+                </a:solidFill>
+              </a:rPr>
+              <a:t>]</a:t>
+            </a:r>
+            <a:endParaRPr sz="1100" dirty="0">
               <a:solidFill>
                 <a:schemeClr val="dk1"/>
               </a:solidFill>
@@ -31460,8 +33133,8 @@
         </p:nvSpPr>
         <p:spPr>
           <a:xfrm flipH="1">
-            <a:off x="2600450" y="4046550"/>
-            <a:ext cx="6171600" cy="1038000"/>
+            <a:off x="2600450" y="3973650"/>
+            <a:ext cx="6171600" cy="1110900"/>
           </a:xfrm>
           <a:prstGeom prst="rect">
             <a:avLst/>
@@ -31492,15 +33165,31 @@
               <a:buNone/>
             </a:pPr>
             <a:r>
-              <a:rPr lang="en-US" sz="1100" b="1">
+              <a:rPr lang="en-US" sz="1100" b="1" dirty="0">
                 <a:solidFill>
                   <a:schemeClr val="dk1"/>
                 </a:solidFill>
               </a:rPr>
-              <a:t>Pour aller plus loin : </a:t>
-            </a:r>
-            <a:r>
-              <a:rPr lang="en-US" sz="1100" b="1" u="sng">
+              <a:t>Pour </a:t>
+            </a:r>
+            <a:r>
+              <a:rPr lang="en-US" sz="1100" b="1" dirty="0" err="1">
+                <a:solidFill>
+                  <a:schemeClr val="dk1"/>
+                </a:solidFill>
+              </a:rPr>
+              <a:t>aller</a:t>
+            </a:r>
+            <a:r>
+              <a:rPr lang="en-US" sz="1100" b="1" dirty="0">
+                <a:solidFill>
+                  <a:schemeClr val="dk1"/>
+                </a:solidFill>
+              </a:rPr>
+              <a:t> plus loin : </a:t>
+            </a:r>
+            <a:r>
+              <a:rPr lang="en-US" sz="1100" b="1" u="sng" dirty="0">
                 <a:solidFill>
                   <a:schemeClr val="hlink"/>
                 </a:solidFill>
@@ -31508,7 +33197,7 @@
               </a:rPr>
               <a:t>ZéroLogementVacant</a:t>
             </a:r>
-            <a:endParaRPr sz="1100" b="1">
+            <a:endParaRPr sz="1100" b="1" dirty="0">
               <a:solidFill>
                 <a:schemeClr val="dk1"/>
               </a:solidFill>
@@ -31528,14 +33217,302 @@
               <a:buNone/>
             </a:pPr>
             <a:r>
-              <a:rPr lang="en-US" sz="1100">
+              <a:rPr lang="en-US" sz="1100" dirty="0">
                 <a:solidFill>
                   <a:schemeClr val="dk1"/>
                 </a:solidFill>
               </a:rPr>
-              <a:t>La plateforme permet aux collectivités de repérer les logements vacants actuels et potentiels et d'accompagner leurs propriétaires dans la sortie de la vacance ou la rénovation de leurs logements via de nombreuses ressources et fonctionnalités.</a:t>
-            </a:r>
-            <a:endParaRPr sz="1100">
+              <a:t>La </a:t>
+            </a:r>
+            <a:r>
+              <a:rPr lang="en-US" sz="1100" dirty="0" err="1">
+                <a:solidFill>
+                  <a:schemeClr val="dk1"/>
+                </a:solidFill>
+              </a:rPr>
+              <a:t>plateforme</a:t>
+            </a:r>
+            <a:r>
+              <a:rPr lang="en-US" sz="1100" dirty="0">
+                <a:solidFill>
+                  <a:schemeClr val="dk1"/>
+                </a:solidFill>
+              </a:rPr>
+              <a:t> </a:t>
+            </a:r>
+            <a:r>
+              <a:rPr lang="en-US" sz="1100" dirty="0" err="1">
+                <a:solidFill>
+                  <a:schemeClr val="dk1"/>
+                </a:solidFill>
+              </a:rPr>
+              <a:t>permet</a:t>
+            </a:r>
+            <a:r>
+              <a:rPr lang="en-US" sz="1100" dirty="0">
+                <a:solidFill>
+                  <a:schemeClr val="dk1"/>
+                </a:solidFill>
+              </a:rPr>
+              <a:t> aux </a:t>
+            </a:r>
+            <a:r>
+              <a:rPr lang="en-US" sz="1100" dirty="0" err="1">
+                <a:solidFill>
+                  <a:schemeClr val="dk1"/>
+                </a:solidFill>
+              </a:rPr>
+              <a:t>collectivités</a:t>
+            </a:r>
+            <a:r>
+              <a:rPr lang="en-US" sz="1100" dirty="0">
+                <a:solidFill>
+                  <a:schemeClr val="dk1"/>
+                </a:solidFill>
+              </a:rPr>
+              <a:t> de </a:t>
+            </a:r>
+            <a:r>
+              <a:rPr lang="en-US" sz="1100" dirty="0" err="1">
+                <a:solidFill>
+                  <a:schemeClr val="dk1"/>
+                </a:solidFill>
+              </a:rPr>
+              <a:t>repérer</a:t>
+            </a:r>
+            <a:r>
+              <a:rPr lang="en-US" sz="1100" dirty="0">
+                <a:solidFill>
+                  <a:schemeClr val="dk1"/>
+                </a:solidFill>
+              </a:rPr>
+              <a:t> les </a:t>
+            </a:r>
+            <a:r>
+              <a:rPr lang="en-US" sz="1100" dirty="0" err="1">
+                <a:solidFill>
+                  <a:schemeClr val="dk1"/>
+                </a:solidFill>
+              </a:rPr>
+              <a:t>logements</a:t>
+            </a:r>
+            <a:r>
+              <a:rPr lang="en-US" sz="1100" dirty="0">
+                <a:solidFill>
+                  <a:schemeClr val="dk1"/>
+                </a:solidFill>
+              </a:rPr>
+              <a:t> </a:t>
+            </a:r>
+            <a:r>
+              <a:rPr lang="en-US" sz="1100" dirty="0" err="1">
+                <a:solidFill>
+                  <a:schemeClr val="dk1"/>
+                </a:solidFill>
+              </a:rPr>
+              <a:t>vacants</a:t>
+            </a:r>
+            <a:r>
+              <a:rPr lang="en-US" sz="1100" dirty="0">
+                <a:solidFill>
+                  <a:schemeClr val="dk1"/>
+                </a:solidFill>
+              </a:rPr>
+              <a:t> </a:t>
+            </a:r>
+            <a:r>
+              <a:rPr lang="en-US" sz="1100" dirty="0" err="1">
+                <a:solidFill>
+                  <a:schemeClr val="dk1"/>
+                </a:solidFill>
+              </a:rPr>
+              <a:t>actuels</a:t>
+            </a:r>
+            <a:r>
+              <a:rPr lang="en-US" sz="1100" dirty="0">
+                <a:solidFill>
+                  <a:schemeClr val="dk1"/>
+                </a:solidFill>
+              </a:rPr>
+              <a:t> et </a:t>
+            </a:r>
+            <a:r>
+              <a:rPr lang="en-US" sz="1100" dirty="0" err="1">
+                <a:solidFill>
+                  <a:schemeClr val="dk1"/>
+                </a:solidFill>
+              </a:rPr>
+              <a:t>potentiels</a:t>
+            </a:r>
+            <a:r>
+              <a:rPr lang="en-US" sz="1100" dirty="0">
+                <a:solidFill>
+                  <a:schemeClr val="dk1"/>
+                </a:solidFill>
+              </a:rPr>
+              <a:t> et </a:t>
+            </a:r>
+            <a:r>
+              <a:rPr lang="en-US" sz="1100" dirty="0" err="1">
+                <a:solidFill>
+                  <a:schemeClr val="dk1"/>
+                </a:solidFill>
+              </a:rPr>
+              <a:t>d'accompagner</a:t>
+            </a:r>
+            <a:r>
+              <a:rPr lang="en-US" sz="1100" dirty="0">
+                <a:solidFill>
+                  <a:schemeClr val="dk1"/>
+                </a:solidFill>
+              </a:rPr>
+              <a:t> </a:t>
+            </a:r>
+            <a:r>
+              <a:rPr lang="en-US" sz="1100" dirty="0" err="1">
+                <a:solidFill>
+                  <a:schemeClr val="dk1"/>
+                </a:solidFill>
+              </a:rPr>
+              <a:t>leurs</a:t>
+            </a:r>
+            <a:r>
+              <a:rPr lang="en-US" sz="1100" dirty="0">
+                <a:solidFill>
+                  <a:schemeClr val="dk1"/>
+                </a:solidFill>
+              </a:rPr>
+              <a:t> propriétaires dans la sortie de la </a:t>
+            </a:r>
+            <a:r>
+              <a:rPr lang="en-US" sz="1100" dirty="0" err="1">
+                <a:solidFill>
+                  <a:schemeClr val="dk1"/>
+                </a:solidFill>
+              </a:rPr>
+              <a:t>vacance</a:t>
+            </a:r>
+            <a:r>
+              <a:rPr lang="en-US" sz="1100" dirty="0">
+                <a:solidFill>
+                  <a:schemeClr val="dk1"/>
+                </a:solidFill>
+              </a:rPr>
+              <a:t> </a:t>
+            </a:r>
+            <a:r>
+              <a:rPr lang="en-US" sz="1100" dirty="0" err="1">
+                <a:solidFill>
+                  <a:schemeClr val="dk1"/>
+                </a:solidFill>
+              </a:rPr>
+              <a:t>ou</a:t>
+            </a:r>
+            <a:r>
+              <a:rPr lang="en-US" sz="1100" dirty="0">
+                <a:solidFill>
+                  <a:schemeClr val="dk1"/>
+                </a:solidFill>
+              </a:rPr>
+              <a:t> la </a:t>
+            </a:r>
+            <a:r>
+              <a:rPr lang="en-US" sz="1100" dirty="0" err="1">
+                <a:solidFill>
+                  <a:schemeClr val="dk1"/>
+                </a:solidFill>
+              </a:rPr>
+              <a:t>rénovation</a:t>
+            </a:r>
+            <a:r>
+              <a:rPr lang="en-US" sz="1100" dirty="0">
+                <a:solidFill>
+                  <a:schemeClr val="dk1"/>
+                </a:solidFill>
+              </a:rPr>
+              <a:t> de </a:t>
+            </a:r>
+            <a:r>
+              <a:rPr lang="en-US" sz="1100" dirty="0" err="1">
+                <a:solidFill>
+                  <a:schemeClr val="dk1"/>
+                </a:solidFill>
+              </a:rPr>
+              <a:t>leurs</a:t>
+            </a:r>
+            <a:r>
+              <a:rPr lang="en-US" sz="1100" dirty="0">
+                <a:solidFill>
+                  <a:schemeClr val="dk1"/>
+                </a:solidFill>
+              </a:rPr>
+              <a:t> </a:t>
+            </a:r>
+            <a:r>
+              <a:rPr lang="en-US" sz="1100" dirty="0" err="1">
+                <a:solidFill>
+                  <a:schemeClr val="dk1"/>
+                </a:solidFill>
+              </a:rPr>
+              <a:t>logements</a:t>
+            </a:r>
+            <a:r>
+              <a:rPr lang="en-US" sz="1100" dirty="0">
+                <a:solidFill>
+                  <a:schemeClr val="dk1"/>
+                </a:solidFill>
+              </a:rPr>
+              <a:t> via de </a:t>
+            </a:r>
+            <a:r>
+              <a:rPr lang="en-US" sz="1100" dirty="0" err="1">
+                <a:solidFill>
+                  <a:schemeClr val="dk1"/>
+                </a:solidFill>
+              </a:rPr>
+              <a:t>nombreuses</a:t>
+            </a:r>
+            <a:r>
+              <a:rPr lang="en-US" sz="1100" dirty="0">
+                <a:solidFill>
+                  <a:schemeClr val="dk1"/>
+                </a:solidFill>
+              </a:rPr>
+              <a:t> </a:t>
+            </a:r>
+            <a:r>
+              <a:rPr lang="en-US" sz="1100" dirty="0" err="1">
+                <a:solidFill>
+                  <a:schemeClr val="dk1"/>
+                </a:solidFill>
+              </a:rPr>
+              <a:t>ressources</a:t>
+            </a:r>
+            <a:r>
+              <a:rPr lang="en-US" sz="1100" dirty="0">
+                <a:solidFill>
+                  <a:schemeClr val="dk1"/>
+                </a:solidFill>
+              </a:rPr>
+              <a:t> et </a:t>
+            </a:r>
+            <a:r>
+              <a:rPr lang="en-US" sz="1100" dirty="0" err="1">
+                <a:solidFill>
+                  <a:schemeClr val="dk1"/>
+                </a:solidFill>
+              </a:rPr>
+              <a:t>fonctionnalités</a:t>
+            </a:r>
+            <a:r>
+              <a:rPr lang="en-US" sz="1100" dirty="0">
+                <a:solidFill>
+                  <a:schemeClr val="dk1"/>
+                </a:solidFill>
+              </a:rPr>
+              <a:t>.</a:t>
+            </a:r>
+            <a:endParaRPr sz="1100" dirty="0">
               <a:solidFill>
                 <a:schemeClr val="dk1"/>
               </a:solidFill>
@@ -31554,7 +33531,7 @@
               </a:spcAft>
               <a:buNone/>
             </a:pPr>
-            <a:endParaRPr sz="1100">
+            <a:endParaRPr sz="1100" dirty="0">
               <a:solidFill>
                 <a:schemeClr val="dk1"/>
               </a:solidFill>
@@ -32138,6 +34115,39 @@
           </a:p>
         </p:txBody>
       </p:sp>
+      <p:pic>
+        <p:nvPicPr>
+          <p:cNvPr id="4" name="Google Shape;237;p30">
+            <a:extLst>
+              <a:ext uri="{FF2B5EF4-FFF2-40B4-BE49-F238E27FC236}">
+                <a16:creationId xmlns:a16="http://schemas.microsoft.com/office/drawing/2014/main" id="{59FA0B4B-D891-69BD-88AD-4B13D94D742E}"/>
+              </a:ext>
+            </a:extLst>
+          </p:cNvPr>
+          <p:cNvPicPr preferRelativeResize="0">
+            <a:picLocks/>
+          </p:cNvPicPr>
+          <p:nvPr/>
+        </p:nvPicPr>
+        <p:blipFill>
+          <a:blip r:embed="rId4"/>
+          <a:srcRect t="10874" b="10874"/>
+          <a:stretch/>
+        </p:blipFill>
+        <p:spPr>
+          <a:xfrm>
+            <a:off x="2600446" y="657698"/>
+            <a:ext cx="6171600" cy="3229500"/>
+          </a:xfrm>
+          <a:prstGeom prst="rect">
+            <a:avLst/>
+          </a:prstGeom>
+          <a:noFill/>
+          <a:ln>
+            <a:noFill/>
+          </a:ln>
+        </p:spPr>
+      </p:pic>
     </p:spTree>
   </p:cSld>
   <p:clrMapOvr>
@@ -33697,14 +35707,94 @@
               <a:buNone/>
             </a:pPr>
             <a:r>
-              <a:rPr lang="en-US" sz="2000" i="1">
+              <a:rPr lang="en-US" sz="2000" i="1" dirty="0" err="1">
                 <a:solidFill>
                   <a:srgbClr val="262626"/>
                 </a:solidFill>
               </a:rPr>
-              <a:t>Vieillissement de la population = enjeu majeur pour l'adaptation de l'offre de logement</a:t>
-            </a:r>
-            <a:endParaRPr sz="800" i="1">
+              <a:t>Vieillissement</a:t>
+            </a:r>
+            <a:r>
+              <a:rPr lang="en-US" sz="2000" i="1" dirty="0">
+                <a:solidFill>
+                  <a:srgbClr val="262626"/>
+                </a:solidFill>
+              </a:rPr>
+              <a:t> de la population = </a:t>
+            </a:r>
+            <a:r>
+              <a:rPr lang="en-US" sz="2000" i="1" dirty="0" err="1">
+                <a:solidFill>
+                  <a:srgbClr val="262626"/>
+                </a:solidFill>
+              </a:rPr>
+              <a:t>enjeu</a:t>
+            </a:r>
+            <a:r>
+              <a:rPr lang="en-US" sz="2000" i="1" dirty="0">
+                <a:solidFill>
+                  <a:srgbClr val="262626"/>
+                </a:solidFill>
+              </a:rPr>
+              <a:t> </a:t>
+            </a:r>
+            <a:r>
+              <a:rPr lang="en-US" sz="2000" i="1" dirty="0" err="1">
+                <a:solidFill>
+                  <a:srgbClr val="262626"/>
+                </a:solidFill>
+              </a:rPr>
+              <a:t>majeur</a:t>
+            </a:r>
+            <a:r>
+              <a:rPr lang="en-US" sz="2000" i="1" dirty="0">
+                <a:solidFill>
+                  <a:srgbClr val="262626"/>
+                </a:solidFill>
+              </a:rPr>
+              <a:t> pour </a:t>
+            </a:r>
+            <a:r>
+              <a:rPr lang="en-US" sz="2000" i="1" dirty="0" err="1">
+                <a:solidFill>
+                  <a:srgbClr val="262626"/>
+                </a:solidFill>
+              </a:rPr>
+              <a:t>l'adaptation</a:t>
+            </a:r>
+            <a:r>
+              <a:rPr lang="en-US" sz="2000" i="1" dirty="0">
+                <a:solidFill>
+                  <a:srgbClr val="262626"/>
+                </a:solidFill>
+              </a:rPr>
+              <a:t> de </a:t>
+            </a:r>
+            <a:r>
+              <a:rPr lang="en-US" sz="2000" i="1" dirty="0" err="1">
+                <a:solidFill>
+                  <a:srgbClr val="262626"/>
+                </a:solidFill>
+              </a:rPr>
+              <a:t>l'offre</a:t>
+            </a:r>
+            <a:r>
+              <a:rPr lang="en-US" sz="2000" i="1" dirty="0">
+                <a:solidFill>
+                  <a:srgbClr val="262626"/>
+                </a:solidFill>
+              </a:rPr>
+              <a:t> de </a:t>
+            </a:r>
+            <a:r>
+              <a:rPr lang="en-US" sz="2000" i="1" dirty="0" err="1">
+                <a:solidFill>
+                  <a:srgbClr val="262626"/>
+                </a:solidFill>
+              </a:rPr>
+              <a:t>logement</a:t>
+            </a:r>
+            <a:endParaRPr sz="800" i="1" dirty="0">
               <a:solidFill>
                 <a:srgbClr val="262626"/>
               </a:solidFill>
@@ -33886,7 +35976,7 @@
                   <a:schemeClr val="dk1"/>
                 </a:solidFill>
               </a:rPr>
-              <a:t> : XXX  → XXX  </a:t>
+              <a:t> : XXX → XXX </a:t>
             </a:r>
             <a:r>
               <a:rPr lang="en-US" sz="1100" i="1">
@@ -33960,7 +36050,7 @@
                   <a:schemeClr val="dk1"/>
                 </a:solidFill>
               </a:rPr>
-              <a:t> : XXX  → </a:t>
+              <a:t> : XXX → </a:t>
             </a:r>
             <a:r>
               <a:rPr lang="en-US" sz="1100" b="1">
@@ -33976,7 +36066,7 @@
                   <a:schemeClr val="dk1"/>
                 </a:solidFill>
               </a:rPr>
-              <a:t> : XXX  </a:t>
+              <a:t> : XXX </a:t>
             </a:r>
             <a:r>
               <a:rPr lang="en-US" sz="1100" i="1">
@@ -34023,7 +36113,7 @@
                   <a:schemeClr val="dk1"/>
                 </a:solidFill>
               </a:rPr>
-              <a:t> : XXX  → XXX  </a:t>
+              <a:t> : XXX → XXX </a:t>
             </a:r>
             <a:r>
               <a:rPr lang="en-US" sz="1100" i="1">
@@ -35210,8 +37300,36 @@
           <a:p>
             <a:pPr marL="0" indent="0"/>
             <a:r>
-              <a:rPr lang="en-US" sz="1100"/>
-              <a:t>Estimation sur la période {{layoutStart}} – {{layoutEnd}} pour le {{layoutDocumentType}}</a:t>
+              <a:rPr lang="en-US" sz="1100" dirty="0"/>
+              <a:t>Estimation sur la </a:t>
+            </a:r>
+            <a:r>
+              <a:rPr lang="en-US" sz="1100" dirty="0" err="1"/>
+              <a:t>période</a:t>
+            </a:r>
+            <a:r>
+              <a:rPr lang="en-US" sz="1100" dirty="0"/>
+              <a:t> </a:t>
+            </a:r>
+            <a:r>
+              <a:rPr lang="en-US" sz="1100" dirty="0" err="1"/>
+              <a:t>{{layoutStart}}</a:t>
+            </a:r>
+            <a:r>
+              <a:rPr lang="en-US" sz="1100" dirty="0"/>
+              <a:t> – </a:t>
+            </a:r>
+            <a:r>
+              <a:rPr lang="en-US" sz="1100" dirty="0" err="1"/>
+              <a:t>{{layoutEnd}}</a:t>
+            </a:r>
+            <a:r>
+              <a:rPr lang="en-US" sz="1100" dirty="0"/>
+              <a:t> pour le </a:t>
+            </a:r>
+            <a:r>
+              <a:rPr lang="en-US" sz="1100" dirty="0" err="1"/>
+              <a:t>{{layoutDocumentType}}</a:t>
             </a:r>
             <a:endParaRPr lang="en-US" sz="1100" i="1" dirty="0"/>
           </a:p>
@@ -38666,14 +40784,30 @@
               <a:buNone/>
             </a:pPr>
             <a:r>
-              <a:rPr lang="en-US" sz="4000">
+              <a:rPr lang="en-US" sz="4000" dirty="0">
                 <a:solidFill>
                   <a:schemeClr val="lt1"/>
                 </a:solidFill>
               </a:rPr>
-              <a:t>Pour aller plus loin</a:t>
-            </a:r>
-            <a:endParaRPr sz="4000" b="1">
+              <a:t>Pour </a:t>
+            </a:r>
+            <a:r>
+              <a:rPr lang="en-US" sz="4000" dirty="0" err="1">
+                <a:solidFill>
+                  <a:schemeClr val="lt1"/>
+                </a:solidFill>
+              </a:rPr>
+              <a:t>aller</a:t>
+            </a:r>
+            <a:r>
+              <a:rPr lang="en-US" sz="4000" dirty="0">
+                <a:solidFill>
+                  <a:schemeClr val="lt1"/>
+                </a:solidFill>
+              </a:rPr>
+              <a:t> plus loin</a:t>
+            </a:r>
+            <a:endParaRPr sz="4000" b="1" dirty="0">
               <a:solidFill>
                 <a:schemeClr val="lt1"/>
               </a:solidFill>
@@ -38698,14 +40832,14 @@
               <a:buNone/>
             </a:pPr>
             <a:r>
-              <a:rPr lang="en-US" sz="4000" b="1">
+              <a:rPr lang="en-US" sz="4000" b="1" dirty="0" err="1">
                 <a:solidFill>
                   <a:schemeClr val="lt1"/>
                 </a:solidFill>
               </a:rPr>
               <a:t>otelo.beta.gouv.fr</a:t>
             </a:r>
-            <a:endParaRPr sz="4000" b="1">
+            <a:endParaRPr sz="4000" b="1" dirty="0">
               <a:solidFill>
                 <a:schemeClr val="lt1"/>
               </a:solidFill>
@@ -38926,36 +41060,12 @@
               <a:buNone/>
             </a:pPr>
             <a:r>
-              <a:rPr lang="en-US" sz="1200" b="1" i="1" dirty="0">
+              <a:rPr lang="en-US" sz="1200" b="1" i="1" dirty="0" err="1">
                 <a:solidFill>
                   <a:schemeClr val="dk1"/>
                 </a:solidFill>
               </a:rPr>
-              <a:t>{{</a:t>
-            </a:r>
-            <a:r>
-              <a:rPr lang="en-US" sz="1200" b="1" i="1" dirty="0" err="1">
-                <a:solidFill>
-                  <a:schemeClr val="dk1"/>
-                </a:solidFill>
-              </a:rPr>
-              <a:t>nbSupp</a:t>
-            </a:r>
-            <a:r>
-              <a:rPr lang="en-US" sz="1200" b="1" i="1" dirty="0">
-                <a:solidFill>
-                  <a:schemeClr val="dk1"/>
-                </a:solidFill>
-              </a:rPr>
-              <a:t>}} </a:t>
-            </a:r>
-            <a:r>
-              <a:rPr lang="en-US" sz="1200" b="1" i="1" dirty="0" err="1">
-                <a:solidFill>
-                  <a:schemeClr val="dk1"/>
-                </a:solidFill>
-              </a:rPr>
-              <a:t>logements</a:t>
+              <a:t>{{nbSupp}} logements</a:t>
             </a:r>
             <a:r>
               <a:rPr lang="en-US" sz="1200" b="1" i="1" dirty="0">
@@ -39053,36 +41163,20 @@
               <a:buChar char="●"/>
             </a:pPr>
             <a:r>
-              <a:rPr lang="en-US" sz="1100" b="1" i="1" dirty="0">
+              <a:rPr lang="en-US" sz="1100" b="1" i="1" dirty="0" err="1">
                 <a:solidFill>
                   <a:schemeClr val="dk1"/>
                 </a:solidFill>
               </a:rPr>
-              <a:t>{{</a:t>
-            </a:r>
-            <a:r>
-              <a:rPr lang="en-US" sz="1100" b="1" i="1" dirty="0" err="1">
+              <a:t>{{nbNew}}</a:t>
+            </a:r>
+            <a:r>
+              <a:rPr lang="en-US" sz="1100" b="1" dirty="0" err="1">
                 <a:solidFill>
                   <a:schemeClr val="dk1"/>
                 </a:solidFill>
               </a:rPr>
-              <a:t>nbNew</a:t>
-            </a:r>
-            <a:r>
-              <a:rPr lang="en-US" sz="1100" b="1" i="1" dirty="0">
-                <a:solidFill>
-                  <a:schemeClr val="dk1"/>
-                </a:solidFill>
-              </a:rPr>
-              <a:t>}} </a:t>
-            </a:r>
-            <a:r>
-              <a:rPr lang="en-US" sz="1100" b="1" dirty="0" err="1">
-                <a:solidFill>
-                  <a:schemeClr val="dk1"/>
-                </a:solidFill>
-              </a:rPr>
-              <a:t>logements</a:t>
+              <a:t> logements</a:t>
             </a:r>
             <a:r>
               <a:rPr lang="en-US" sz="1100" b="1" dirty="0">
@@ -39204,36 +41298,12 @@
               <a:buChar char="●"/>
             </a:pPr>
             <a:r>
-              <a:rPr lang="en-US" sz="1100" b="1" dirty="0">
+              <a:rPr lang="en-US" sz="1100" b="1" dirty="0" err="1">
                 <a:solidFill>
                   <a:schemeClr val="dk1"/>
                 </a:solidFill>
               </a:rPr>
-              <a:t>{{</a:t>
-            </a:r>
-            <a:r>
-              <a:rPr lang="en-US" sz="1100" b="1" dirty="0" err="1">
-                <a:solidFill>
-                  <a:schemeClr val="dk1"/>
-                </a:solidFill>
-              </a:rPr>
-              <a:t>nb</a:t>
-            </a:r>
-            <a:r>
-              <a:rPr lang="en-US" sz="1100" b="1" dirty="0">
-                <a:solidFill>
-                  <a:schemeClr val="dk1"/>
-                </a:solidFill>
-              </a:rPr>
-              <a:t>}} </a:t>
-            </a:r>
-            <a:r>
-              <a:rPr lang="en-US" sz="1100" b="1" dirty="0" err="1">
-                <a:solidFill>
-                  <a:schemeClr val="dk1"/>
-                </a:solidFill>
-              </a:rPr>
-              <a:t>logements</a:t>
+              <a:t>{{nb}} logements</a:t>
             </a:r>
             <a:r>
               <a:rPr lang="en-US" sz="1100" b="1" dirty="0">
@@ -39467,28 +41537,36 @@
               <a:buChar char="●"/>
             </a:pPr>
             <a:r>
+              <a:rPr lang="en-US" sz="1100" b="1" i="1" dirty="0" err="1">
+                <a:solidFill>
+                  <a:schemeClr val="dk1"/>
+                </a:solidFill>
+              </a:rPr>
+              <a:t>{{percentMenages}}</a:t>
+            </a:r>
+            <a:r>
               <a:rPr lang="en-US" sz="1100" b="1" i="1" dirty="0">
                 <a:solidFill>
                   <a:schemeClr val="dk1"/>
                 </a:solidFill>
               </a:rPr>
-              <a:t>{{</a:t>
-            </a:r>
-            <a:r>
-              <a:rPr lang="en-US" sz="1100" b="1" i="1" dirty="0" err="1">
+              <a:t>%</a:t>
+            </a:r>
+            <a:r>
+              <a:rPr lang="en-US" sz="1100" b="1" dirty="0">
                 <a:solidFill>
                   <a:schemeClr val="dk1"/>
                 </a:solidFill>
               </a:rPr>
-              <a:t>percentMenages</a:t>
-            </a:r>
-            <a:r>
-              <a:rPr lang="en-US" sz="1100" b="1" i="1" dirty="0">
+              <a:t> </a:t>
+            </a:r>
+            <a:r>
+              <a:rPr lang="en-US" sz="1100" b="1" dirty="0" err="1">
                 <a:solidFill>
                   <a:schemeClr val="dk1"/>
                 </a:solidFill>
               </a:rPr>
-              <a:t>}}%</a:t>
+              <a:t>lié</a:t>
             </a:r>
             <a:r>
               <a:rPr lang="en-US" sz="1100" b="1" dirty="0">
@@ -39504,7 +41582,7 @@
                   <a:schemeClr val="dk1"/>
                 </a:solidFill>
               </a:rPr>
-              <a:t>lié</a:t>
+              <a:t>à</a:t>
             </a:r>
             <a:r>
               <a:rPr lang="en-US" sz="1100" b="1" dirty="0">
@@ -39512,7 +41590,7 @@
                   <a:schemeClr val="dk1"/>
                 </a:solidFill>
               </a:rPr>
-              <a:t> </a:t>
+              <a:t> la </a:t>
             </a:r>
             <a:r>
               <a:rPr lang="en-US" sz="1100" b="1" dirty="0" err="1">
@@ -39520,7 +41598,7 @@
                   <a:schemeClr val="dk1"/>
                 </a:solidFill>
               </a:rPr>
-              <a:t>à</a:t>
+              <a:t>croissance</a:t>
             </a:r>
             <a:r>
               <a:rPr lang="en-US" sz="1100" b="1" dirty="0">
@@ -39528,7 +41606,7 @@
                   <a:schemeClr val="dk1"/>
                 </a:solidFill>
               </a:rPr>
-              <a:t> la </a:t>
+              <a:t> du </a:t>
             </a:r>
             <a:r>
               <a:rPr lang="en-US" sz="1100" b="1" dirty="0" err="1">
@@ -39536,7 +41614,7 @@
                   <a:schemeClr val="dk1"/>
                 </a:solidFill>
               </a:rPr>
-              <a:t>croissance</a:t>
+              <a:t>nombre</a:t>
             </a:r>
             <a:r>
               <a:rPr lang="en-US" sz="1100" b="1" dirty="0">
@@ -39544,55 +41622,31 @@
                   <a:schemeClr val="dk1"/>
                 </a:solidFill>
               </a:rPr>
-              <a:t> du </a:t>
-            </a:r>
-            <a:r>
-              <a:rPr lang="en-US" sz="1100" b="1" dirty="0" err="1">
+              <a:t> de ménages </a:t>
+            </a:r>
+            <a:r>
+              <a:rPr lang="en-US" sz="1100" dirty="0">
                 <a:solidFill>
                   <a:schemeClr val="dk1"/>
                 </a:solidFill>
               </a:rPr>
-              <a:t>nombre</a:t>
-            </a:r>
-            <a:r>
-              <a:rPr lang="en-US" sz="1100" b="1" dirty="0">
+              <a:t>(</a:t>
+            </a:r>
+            <a:r>
+              <a:rPr lang="en-US" sz="1100" i="1" dirty="0" err="1">
                 <a:solidFill>
                   <a:schemeClr val="dk1"/>
                 </a:solidFill>
               </a:rPr>
-              <a:t> de ménages </a:t>
-            </a:r>
-            <a:r>
-              <a:rPr lang="en-US" sz="1100" dirty="0">
+              <a:t>{{nbMenages}}</a:t>
+            </a:r>
+            <a:r>
+              <a:rPr lang="en-US" sz="1100" i="1" dirty="0">
                 <a:solidFill>
                   <a:schemeClr val="dk1"/>
                 </a:solidFill>
               </a:rPr>
-              <a:t>(</a:t>
-            </a:r>
-            <a:r>
-              <a:rPr lang="en-US" sz="1100" i="1" dirty="0">
-                <a:solidFill>
-                  <a:schemeClr val="dk1"/>
-                </a:solidFill>
-              </a:rPr>
-              <a:t>{{</a:t>
-            </a:r>
-            <a:r>
-              <a:rPr lang="en-US" sz="1100" i="1" dirty="0" err="1">
-                <a:solidFill>
-                  <a:schemeClr val="dk1"/>
-                </a:solidFill>
-              </a:rPr>
-              <a:t>nbMenages</a:t>
-            </a:r>
-            <a:r>
-              <a:rPr lang="en-US" sz="1100" i="1" dirty="0">
-                <a:solidFill>
-                  <a:schemeClr val="dk1"/>
-                </a:solidFill>
-              </a:rPr>
-              <a:t>}} ménages </a:t>
+              <a:t> ménages </a:t>
             </a:r>
             <a:r>
               <a:rPr lang="en-US" sz="1100" dirty="0" err="1">
@@ -39650,28 +41704,36 @@
               <a:buChar char="●"/>
             </a:pPr>
             <a:r>
+              <a:rPr lang="en-US" sz="1100" b="1" i="1" dirty="0" err="1">
+                <a:solidFill>
+                  <a:schemeClr val="dk1"/>
+                </a:solidFill>
+              </a:rPr>
+              <a:t>{{percentBadHousing}}</a:t>
+            </a:r>
+            <a:r>
               <a:rPr lang="en-US" sz="1100" b="1" i="1" dirty="0">
                 <a:solidFill>
                   <a:schemeClr val="dk1"/>
                 </a:solidFill>
               </a:rPr>
-              <a:t>{{</a:t>
-            </a:r>
-            <a:r>
-              <a:rPr lang="en-US" sz="1100" b="1" i="1" dirty="0" err="1">
+              <a:t>%</a:t>
+            </a:r>
+            <a:r>
+              <a:rPr lang="en-US" sz="1100" b="1" dirty="0">
                 <a:solidFill>
                   <a:schemeClr val="dk1"/>
                 </a:solidFill>
               </a:rPr>
-              <a:t>percentBadHousing</a:t>
-            </a:r>
-            <a:r>
-              <a:rPr lang="en-US" sz="1100" b="1" i="1" dirty="0">
+              <a:t> </a:t>
+            </a:r>
+            <a:r>
+              <a:rPr lang="en-US" sz="1100" b="1" dirty="0" err="1">
                 <a:solidFill>
                   <a:schemeClr val="dk1"/>
                 </a:solidFill>
               </a:rPr>
-              <a:t>}}%</a:t>
+              <a:t>lié</a:t>
             </a:r>
             <a:r>
               <a:rPr lang="en-US" sz="1100" b="1" dirty="0">
@@ -39679,127 +41741,79 @@
                   <a:schemeClr val="dk1"/>
                 </a:solidFill>
               </a:rPr>
+              <a:t> au mal-</a:t>
+            </a:r>
+            <a:r>
+              <a:rPr lang="en-US" sz="1100" b="1" dirty="0" err="1">
+                <a:solidFill>
+                  <a:schemeClr val="dk1"/>
+                </a:solidFill>
+              </a:rPr>
+              <a:t>logement</a:t>
+            </a:r>
+            <a:r>
+              <a:rPr lang="en-US" sz="1100" dirty="0">
+                <a:solidFill>
+                  <a:schemeClr val="dk1"/>
+                </a:solidFill>
+              </a:rPr>
+              <a:t> : </a:t>
+            </a:r>
+            <a:r>
+              <a:rPr lang="en-US" sz="1100" dirty="0" err="1">
+                <a:solidFill>
+                  <a:schemeClr val="dk1"/>
+                </a:solidFill>
+              </a:rPr>
+              <a:t>résorption</a:t>
+            </a:r>
+            <a:r>
+              <a:rPr lang="en-US" sz="1100" dirty="0">
+                <a:solidFill>
+                  <a:schemeClr val="dk1"/>
+                </a:solidFill>
+              </a:rPr>
+              <a:t> de </a:t>
+            </a:r>
+            <a:r>
+              <a:rPr lang="en-US" sz="1100" i="1" dirty="0" err="1">
+                <a:solidFill>
+                  <a:schemeClr val="dk1"/>
+                </a:solidFill>
+              </a:rPr>
+              <a:t>{{nbResorption}}</a:t>
+            </a:r>
+            <a:r>
+              <a:rPr lang="en-US" sz="1100" i="1" dirty="0">
+                <a:solidFill>
+                  <a:schemeClr val="dk1"/>
+                </a:solidFill>
+              </a:rPr>
+              <a:t> situations de mal-</a:t>
+            </a:r>
+            <a:r>
+              <a:rPr lang="en-US" sz="1100" i="1" dirty="0" err="1">
+                <a:solidFill>
+                  <a:schemeClr val="dk1"/>
+                </a:solidFill>
+              </a:rPr>
+              <a:t>logement</a:t>
+            </a:r>
+            <a:r>
+              <a:rPr lang="en-US" sz="1100" dirty="0">
+                <a:solidFill>
+                  <a:schemeClr val="dk1"/>
+                </a:solidFill>
+              </a:rPr>
               <a:t> </a:t>
             </a:r>
             <a:r>
-              <a:rPr lang="en-US" sz="1100" b="1" dirty="0" err="1">
+              <a:rPr lang="en-US" sz="1100" dirty="0" err="1">
                 <a:solidFill>
                   <a:schemeClr val="dk1"/>
                 </a:solidFill>
               </a:rPr>
-              <a:t>lié</a:t>
-            </a:r>
-            <a:r>
-              <a:rPr lang="en-US" sz="1100" b="1" dirty="0">
-                <a:solidFill>
-                  <a:schemeClr val="dk1"/>
-                </a:solidFill>
-              </a:rPr>
-              <a:t> au mal-</a:t>
-            </a:r>
-            <a:r>
-              <a:rPr lang="en-US" sz="1100" b="1" dirty="0" err="1">
-                <a:solidFill>
-                  <a:schemeClr val="dk1"/>
-                </a:solidFill>
-              </a:rPr>
-              <a:t>logement</a:t>
-            </a:r>
-            <a:r>
-              <a:rPr lang="en-US" sz="1100" dirty="0">
-                <a:solidFill>
-                  <a:schemeClr val="dk1"/>
-                </a:solidFill>
-              </a:rPr>
-              <a:t> : </a:t>
-            </a:r>
-            <a:r>
-              <a:rPr lang="en-US" sz="1100" dirty="0" err="1">
-                <a:solidFill>
-                  <a:schemeClr val="dk1"/>
-                </a:solidFill>
-              </a:rPr>
-              <a:t>résorption</a:t>
-            </a:r>
-            <a:r>
-              <a:rPr lang="en-US" sz="1100" dirty="0">
-                <a:solidFill>
-                  <a:schemeClr val="dk1"/>
-                </a:solidFill>
-              </a:rPr>
-              <a:t> de </a:t>
-            </a:r>
-            <a:r>
-              <a:rPr lang="en-US" sz="1100" i="1" dirty="0">
-                <a:solidFill>
-                  <a:schemeClr val="dk1"/>
-                </a:solidFill>
-              </a:rPr>
-              <a:t>{{</a:t>
-            </a:r>
-            <a:r>
-              <a:rPr lang="en-US" sz="1100" i="1" dirty="0" err="1">
-                <a:solidFill>
-                  <a:schemeClr val="dk1"/>
-                </a:solidFill>
-              </a:rPr>
-              <a:t>nbResorption</a:t>
-            </a:r>
-            <a:r>
-              <a:rPr lang="en-US" sz="1100" i="1" dirty="0">
-                <a:solidFill>
-                  <a:schemeClr val="dk1"/>
-                </a:solidFill>
-              </a:rPr>
-              <a:t>}} situations de mal-</a:t>
-            </a:r>
-            <a:r>
-              <a:rPr lang="en-US" sz="1100" i="1" dirty="0" err="1">
-                <a:solidFill>
-                  <a:schemeClr val="dk1"/>
-                </a:solidFill>
-              </a:rPr>
-              <a:t>logement</a:t>
-            </a:r>
-            <a:r>
-              <a:rPr lang="en-US" sz="1100" dirty="0">
-                <a:solidFill>
-                  <a:schemeClr val="dk1"/>
-                </a:solidFill>
-              </a:rPr>
-              <a:t> </a:t>
-            </a:r>
-            <a:r>
-              <a:rPr lang="en-US" sz="1100" dirty="0" err="1">
-                <a:solidFill>
-                  <a:schemeClr val="dk1"/>
-                </a:solidFill>
-              </a:rPr>
-              <a:t>d’ici</a:t>
-            </a:r>
-            <a:r>
-              <a:rPr lang="en-US" sz="1100" dirty="0">
-                <a:solidFill>
-                  <a:schemeClr val="dk1"/>
-                </a:solidFill>
-              </a:rPr>
-              <a:t> {{</a:t>
-            </a:r>
-            <a:r>
-              <a:rPr lang="en-US" sz="1100" dirty="0" err="1">
-                <a:solidFill>
-                  <a:schemeClr val="dk1"/>
-                </a:solidFill>
-              </a:rPr>
-              <a:t>peakYear</a:t>
-            </a:r>
-            <a:r>
-              <a:rPr lang="en-US" sz="1100" dirty="0">
-                <a:solidFill>
-                  <a:schemeClr val="dk1"/>
-                </a:solidFill>
-              </a:rPr>
-              <a:t>}}</a:t>
+              <a:t>d’ici{{peakYear}}</a:t>
             </a:r>
             <a:r>
               <a:rPr lang="en-US" sz="1100" i="1" dirty="0">
@@ -39851,7 +41865,7 @@
                   <a:schemeClr val="dk1"/>
                 </a:solidFill>
               </a:rPr>
-              <a:t>{{percent}Fluidity}}%</a:t>
+              <a:t>{{percentFluidity}}%</a:t>
             </a:r>
             <a:r>
               <a:rPr lang="en-US" sz="1100" b="1" dirty="0">
@@ -40045,7 +42059,7 @@
                   <a:schemeClr val="dk1"/>
                 </a:solidFill>
               </a:rPr>
-              <a:t> : "🟣{{</a:t>
+              <a:t> : "🟣</a:t>
             </a:r>
             <a:r>
               <a:rPr lang="en-US" sz="1200" b="1" dirty="0" err="1">
@@ -40053,7 +42067,7 @@
                   <a:schemeClr val="dk1"/>
                 </a:solidFill>
               </a:rPr>
-              <a:t>privilegedScenario</a:t>
+              <a:t> {{privilegedScenario}}</a:t>
             </a:r>
             <a:r>
               <a:rPr lang="en-US" sz="1200" b="1" dirty="0">
@@ -40061,7 +42075,7 @@
                   <a:schemeClr val="dk1"/>
                 </a:solidFill>
               </a:rPr>
-              <a:t>}}"</a:t>
+              <a:t>"</a:t>
             </a:r>
             <a:endParaRPr sz="1200" b="1" dirty="0">
               <a:solidFill>
@@ -40125,7 +42139,7 @@
                   <a:schemeClr val="dk1"/>
                 </a:solidFill>
               </a:rPr>
-              <a:t> par {{</a:t>
+              <a:t> par </a:t>
             </a:r>
             <a:r>
               <a:rPr lang="en-US" sz="1100" i="1" dirty="0" err="1">
@@ -40133,15 +42147,7 @@
                   <a:schemeClr val="dk1"/>
                 </a:solidFill>
               </a:rPr>
-              <a:t>orgName</a:t>
-            </a:r>
-            <a:r>
-              <a:rPr lang="en-US" sz="1100" i="1" dirty="0">
-                <a:solidFill>
-                  <a:schemeClr val="dk1"/>
-                </a:solidFill>
-              </a:rPr>
-              <a:t>}}</a:t>
+              <a:t>{{orgName}}</a:t>
             </a:r>
             <a:endParaRPr sz="405" dirty="0">
               <a:solidFill>
@@ -40157,13 +42163,17 @@
       </p:sp>
       <p:sp>
         <p:nvSpPr>
-          <p:cNvPr id="91" name="Google Shape;91;p14"/>
+          <p:cNvPr id="2" name="Google Shape;91;p14">
+            <a:extLst>
+              <a:ext uri="{FF2B5EF4-FFF2-40B4-BE49-F238E27FC236}">
+                <a16:creationId xmlns:a16="http://schemas.microsoft.com/office/drawing/2014/main" id="{E21772DC-88F2-207E-2A88-1BE235EE6CEB}"/>
+              </a:ext>
+            </a:extLst>
+          </p:cNvPr>
           <p:cNvSpPr txBox="1">
-            <a:spLocks noGrp="1"/>
+            <a:spLocks/>
           </p:cNvSpPr>
-          <p:nvPr>
-            <p:ph type="body" idx="4294967295"/>
-          </p:nvPr>
+          <p:nvPr/>
         </p:nvSpPr>
         <p:spPr>
           <a:xfrm>
@@ -40173,55 +42183,296 @@
           <a:prstGeom prst="rect">
             <a:avLst/>
           </a:prstGeom>
+          <a:noFill/>
+          <a:ln>
+            <a:noFill/>
+          </a:ln>
         </p:spPr>
         <p:txBody>
           <a:bodyPr spcFirstLastPara="1" wrap="square" lIns="0" tIns="0" rIns="0" bIns="0" anchor="t" anchorCtr="0">
             <a:noAutofit/>
           </a:bodyPr>
-          <a:lstStyle/>
+          <a:lstStyle>
+            <a:defPPr marR="0" lvl="0" algn="l" rtl="0">
+              <a:lnSpc>
+                <a:spcPct val="100000"/>
+              </a:lnSpc>
+              <a:spcBef>
+                <a:spcPts val="0"/>
+              </a:spcBef>
+              <a:spcAft>
+                <a:spcPts val="0"/>
+              </a:spcAft>
+            </a:defPPr>
+            <a:lvl1pPr marL="457200" marR="0" lvl="0" indent="-228600" algn="l" rtl="0">
+              <a:lnSpc>
+                <a:spcPct val="100000"/>
+              </a:lnSpc>
+              <a:spcBef>
+                <a:spcPts val="0"/>
+              </a:spcBef>
+              <a:spcAft>
+                <a:spcPts val="0"/>
+              </a:spcAft>
+              <a:buClr>
+                <a:srgbClr val="000000"/>
+              </a:buClr>
+              <a:buSzPts val="1800"/>
+              <a:buFont typeface="Calibri"/>
+              <a:buNone/>
+              <a:defRPr sz="1800" b="0" i="0" u="none" strike="noStrike" cap="none">
+                <a:solidFill>
+                  <a:srgbClr val="000000"/>
+                </a:solidFill>
+                <a:latin typeface="Calibri"/>
+                <a:ea typeface="Calibri"/>
+                <a:cs typeface="Calibri"/>
+                <a:sym typeface="Calibri"/>
+              </a:defRPr>
+            </a:lvl1pPr>
+            <a:lvl2pPr marL="914400" marR="0" lvl="1" indent="-228600" algn="l" rtl="0">
+              <a:lnSpc>
+                <a:spcPct val="100000"/>
+              </a:lnSpc>
+              <a:spcBef>
+                <a:spcPts val="0"/>
+              </a:spcBef>
+              <a:spcAft>
+                <a:spcPts val="0"/>
+              </a:spcAft>
+              <a:buClr>
+                <a:srgbClr val="000000"/>
+              </a:buClr>
+              <a:buSzPts val="1800"/>
+              <a:buFont typeface="Calibri"/>
+              <a:buNone/>
+              <a:defRPr sz="1800" b="0" i="0" u="none" strike="noStrike" cap="none">
+                <a:solidFill>
+                  <a:srgbClr val="000000"/>
+                </a:solidFill>
+                <a:latin typeface="Calibri"/>
+                <a:ea typeface="Calibri"/>
+                <a:cs typeface="Calibri"/>
+                <a:sym typeface="Calibri"/>
+              </a:defRPr>
+            </a:lvl2pPr>
+            <a:lvl3pPr marL="1371600" marR="0" lvl="2" indent="-228600" algn="l" rtl="0">
+              <a:lnSpc>
+                <a:spcPct val="100000"/>
+              </a:lnSpc>
+              <a:spcBef>
+                <a:spcPts val="0"/>
+              </a:spcBef>
+              <a:spcAft>
+                <a:spcPts val="0"/>
+              </a:spcAft>
+              <a:buClr>
+                <a:srgbClr val="000000"/>
+              </a:buClr>
+              <a:buSzPts val="1800"/>
+              <a:buFont typeface="Calibri"/>
+              <a:buNone/>
+              <a:defRPr sz="1800" b="0" i="0" u="none" strike="noStrike" cap="none">
+                <a:solidFill>
+                  <a:srgbClr val="000000"/>
+                </a:solidFill>
+                <a:latin typeface="Calibri"/>
+                <a:ea typeface="Calibri"/>
+                <a:cs typeface="Calibri"/>
+                <a:sym typeface="Calibri"/>
+              </a:defRPr>
+            </a:lvl3pPr>
+            <a:lvl4pPr marL="1828800" marR="0" lvl="3" indent="-228600" algn="l" rtl="0">
+              <a:lnSpc>
+                <a:spcPct val="100000"/>
+              </a:lnSpc>
+              <a:spcBef>
+                <a:spcPts val="0"/>
+              </a:spcBef>
+              <a:spcAft>
+                <a:spcPts val="0"/>
+              </a:spcAft>
+              <a:buClr>
+                <a:srgbClr val="000000"/>
+              </a:buClr>
+              <a:buSzPts val="1800"/>
+              <a:buFont typeface="Calibri"/>
+              <a:buNone/>
+              <a:defRPr sz="1800" b="0" i="0" u="none" strike="noStrike" cap="none">
+                <a:solidFill>
+                  <a:srgbClr val="000000"/>
+                </a:solidFill>
+                <a:latin typeface="Calibri"/>
+                <a:ea typeface="Calibri"/>
+                <a:cs typeface="Calibri"/>
+                <a:sym typeface="Calibri"/>
+              </a:defRPr>
+            </a:lvl4pPr>
+            <a:lvl5pPr marL="2286000" marR="0" lvl="4" indent="-228600" algn="l" rtl="0">
+              <a:lnSpc>
+                <a:spcPct val="100000"/>
+              </a:lnSpc>
+              <a:spcBef>
+                <a:spcPts val="0"/>
+              </a:spcBef>
+              <a:spcAft>
+                <a:spcPts val="0"/>
+              </a:spcAft>
+              <a:buClr>
+                <a:srgbClr val="000000"/>
+              </a:buClr>
+              <a:buSzPts val="1800"/>
+              <a:buFont typeface="Calibri"/>
+              <a:buNone/>
+              <a:defRPr sz="1800" b="0" i="0" u="none" strike="noStrike" cap="none">
+                <a:solidFill>
+                  <a:srgbClr val="000000"/>
+                </a:solidFill>
+                <a:latin typeface="Calibri"/>
+                <a:ea typeface="Calibri"/>
+                <a:cs typeface="Calibri"/>
+                <a:sym typeface="Calibri"/>
+              </a:defRPr>
+            </a:lvl5pPr>
+            <a:lvl6pPr marL="2743200" marR="0" lvl="5" indent="-228600" algn="l" rtl="0">
+              <a:lnSpc>
+                <a:spcPct val="100000"/>
+              </a:lnSpc>
+              <a:spcBef>
+                <a:spcPts val="0"/>
+              </a:spcBef>
+              <a:spcAft>
+                <a:spcPts val="0"/>
+              </a:spcAft>
+              <a:buClr>
+                <a:srgbClr val="000000"/>
+              </a:buClr>
+              <a:buSzPts val="1800"/>
+              <a:buFont typeface="Calibri"/>
+              <a:buNone/>
+              <a:defRPr sz="1800" b="0" i="0" u="none" strike="noStrike" cap="none">
+                <a:solidFill>
+                  <a:srgbClr val="000000"/>
+                </a:solidFill>
+                <a:latin typeface="Calibri"/>
+                <a:ea typeface="Calibri"/>
+                <a:cs typeface="Calibri"/>
+                <a:sym typeface="Calibri"/>
+              </a:defRPr>
+            </a:lvl6pPr>
+            <a:lvl7pPr marL="3200400" marR="0" lvl="6" indent="-228600" algn="l" rtl="0">
+              <a:lnSpc>
+                <a:spcPct val="100000"/>
+              </a:lnSpc>
+              <a:spcBef>
+                <a:spcPts val="0"/>
+              </a:spcBef>
+              <a:spcAft>
+                <a:spcPts val="0"/>
+              </a:spcAft>
+              <a:buClr>
+                <a:srgbClr val="000000"/>
+              </a:buClr>
+              <a:buSzPts val="1800"/>
+              <a:buFont typeface="Calibri"/>
+              <a:buNone/>
+              <a:defRPr sz="1800" b="0" i="0" u="none" strike="noStrike" cap="none">
+                <a:solidFill>
+                  <a:srgbClr val="000000"/>
+                </a:solidFill>
+                <a:latin typeface="Calibri"/>
+                <a:ea typeface="Calibri"/>
+                <a:cs typeface="Calibri"/>
+                <a:sym typeface="Calibri"/>
+              </a:defRPr>
+            </a:lvl7pPr>
+            <a:lvl8pPr marL="3657600" marR="0" lvl="7" indent="-228600" algn="l" rtl="0">
+              <a:lnSpc>
+                <a:spcPct val="100000"/>
+              </a:lnSpc>
+              <a:spcBef>
+                <a:spcPts val="0"/>
+              </a:spcBef>
+              <a:spcAft>
+                <a:spcPts val="0"/>
+              </a:spcAft>
+              <a:buClr>
+                <a:srgbClr val="000000"/>
+              </a:buClr>
+              <a:buSzPts val="1800"/>
+              <a:buFont typeface="Calibri"/>
+              <a:buNone/>
+              <a:defRPr sz="1800" b="0" i="0" u="none" strike="noStrike" cap="none">
+                <a:solidFill>
+                  <a:srgbClr val="000000"/>
+                </a:solidFill>
+                <a:latin typeface="Calibri"/>
+                <a:ea typeface="Calibri"/>
+                <a:cs typeface="Calibri"/>
+                <a:sym typeface="Calibri"/>
+              </a:defRPr>
+            </a:lvl8pPr>
+            <a:lvl9pPr marL="4114800" marR="0" lvl="8" indent="-228600" algn="l" rtl="0">
+              <a:lnSpc>
+                <a:spcPct val="100000"/>
+              </a:lnSpc>
+              <a:spcBef>
+                <a:spcPts val="0"/>
+              </a:spcBef>
+              <a:spcAft>
+                <a:spcPts val="0"/>
+              </a:spcAft>
+              <a:buClr>
+                <a:srgbClr val="000000"/>
+              </a:buClr>
+              <a:buSzPts val="1800"/>
+              <a:buFont typeface="Calibri"/>
+              <a:buNone/>
+              <a:defRPr sz="1800" b="0" i="0" u="none" strike="noStrike" cap="none">
+                <a:solidFill>
+                  <a:srgbClr val="000000"/>
+                </a:solidFill>
+                <a:latin typeface="Calibri"/>
+                <a:ea typeface="Calibri"/>
+                <a:cs typeface="Calibri"/>
+                <a:sym typeface="Calibri"/>
+              </a:defRPr>
+            </a:lvl9pPr>
+          </a:lstStyle>
           <a:p>
-            <a:pPr marL="0" lvl="0" indent="0" algn="l" rtl="0">
-              <a:spcBef>
-                <a:spcPts val="0"/>
-              </a:spcBef>
-              <a:spcAft>
-                <a:spcPts val="0"/>
-              </a:spcAft>
-              <a:buNone/>
-            </a:pPr>
+            <a:pPr marL="0" indent="0"/>
             <a:r>
               <a:rPr lang="en-US" sz="1100" i="1" dirty="0"/>
-              <a:t>EPCI {{</a:t>
+              <a:t>EPCI </a:t>
             </a:r>
             <a:r>
               <a:rPr lang="en-US" sz="1100" i="1" dirty="0" err="1"/>
-              <a:t>layoutEpciName</a:t>
+              <a:t>{{layoutEpciName}}</a:t>
             </a:r>
             <a:r>
               <a:rPr lang="en-US" sz="1100" i="1" dirty="0"/>
-              <a:t>}} / BH {{</a:t>
+              <a:t> / BH </a:t>
             </a:r>
             <a:r>
               <a:rPr lang="en-US" sz="1100" i="1" dirty="0" err="1"/>
-              <a:t>layoutBassinName</a:t>
-            </a:r>
-            <a:r>
-              <a:rPr lang="en-US" sz="1100" i="1" dirty="0"/>
-              <a:t>}}</a:t>
-            </a:r>
-            <a:endParaRPr sz="1100" i="1" dirty="0"/>
+              <a:t>{{layoutBassinName}}</a:t>
+            </a:r>
           </a:p>
         </p:txBody>
       </p:sp>
       <p:sp>
         <p:nvSpPr>
-          <p:cNvPr id="92" name="Google Shape;92;p14"/>
+          <p:cNvPr id="3" name="Google Shape;92;p14">
+            <a:extLst>
+              <a:ext uri="{FF2B5EF4-FFF2-40B4-BE49-F238E27FC236}">
+                <a16:creationId xmlns:a16="http://schemas.microsoft.com/office/drawing/2014/main" id="{702820A7-A4EF-4C14-464B-B29F8DE1C386}"/>
+              </a:ext>
+            </a:extLst>
+          </p:cNvPr>
           <p:cNvSpPr txBox="1">
-            <a:spLocks noGrp="1"/>
+            <a:spLocks/>
           </p:cNvSpPr>
-          <p:nvPr>
-            <p:ph type="body" idx="4294967295"/>
-          </p:nvPr>
+          <p:nvPr/>
         </p:nvSpPr>
         <p:spPr>
           <a:xfrm>
@@ -40231,59 +42482,281 @@
           <a:prstGeom prst="rect">
             <a:avLst/>
           </a:prstGeom>
+          <a:noFill/>
+          <a:ln>
+            <a:noFill/>
+          </a:ln>
         </p:spPr>
         <p:txBody>
           <a:bodyPr spcFirstLastPara="1" wrap="square" lIns="0" tIns="0" rIns="0" bIns="0" anchor="t" anchorCtr="0">
             <a:noAutofit/>
           </a:bodyPr>
-          <a:lstStyle/>
+          <a:lstStyle>
+            <a:defPPr marR="0" lvl="0" algn="l" rtl="0">
+              <a:lnSpc>
+                <a:spcPct val="100000"/>
+              </a:lnSpc>
+              <a:spcBef>
+                <a:spcPts val="0"/>
+              </a:spcBef>
+              <a:spcAft>
+                <a:spcPts val="0"/>
+              </a:spcAft>
+            </a:defPPr>
+            <a:lvl1pPr marL="457200" marR="0" lvl="0" indent="-228600" algn="l" rtl="0">
+              <a:lnSpc>
+                <a:spcPct val="100000"/>
+              </a:lnSpc>
+              <a:spcBef>
+                <a:spcPts val="0"/>
+              </a:spcBef>
+              <a:spcAft>
+                <a:spcPts val="0"/>
+              </a:spcAft>
+              <a:buClr>
+                <a:srgbClr val="000000"/>
+              </a:buClr>
+              <a:buSzPts val="1800"/>
+              <a:buFont typeface="Calibri"/>
+              <a:buNone/>
+              <a:defRPr sz="1800" b="0" i="0" u="none" strike="noStrike" cap="none">
+                <a:solidFill>
+                  <a:srgbClr val="000000"/>
+                </a:solidFill>
+                <a:latin typeface="Calibri"/>
+                <a:ea typeface="Calibri"/>
+                <a:cs typeface="Calibri"/>
+                <a:sym typeface="Calibri"/>
+              </a:defRPr>
+            </a:lvl1pPr>
+            <a:lvl2pPr marL="914400" marR="0" lvl="1" indent="-228600" algn="l" rtl="0">
+              <a:lnSpc>
+                <a:spcPct val="100000"/>
+              </a:lnSpc>
+              <a:spcBef>
+                <a:spcPts val="0"/>
+              </a:spcBef>
+              <a:spcAft>
+                <a:spcPts val="0"/>
+              </a:spcAft>
+              <a:buClr>
+                <a:srgbClr val="000000"/>
+              </a:buClr>
+              <a:buSzPts val="1800"/>
+              <a:buFont typeface="Calibri"/>
+              <a:buNone/>
+              <a:defRPr sz="1800" b="0" i="0" u="none" strike="noStrike" cap="none">
+                <a:solidFill>
+                  <a:srgbClr val="000000"/>
+                </a:solidFill>
+                <a:latin typeface="Calibri"/>
+                <a:ea typeface="Calibri"/>
+                <a:cs typeface="Calibri"/>
+                <a:sym typeface="Calibri"/>
+              </a:defRPr>
+            </a:lvl2pPr>
+            <a:lvl3pPr marL="1371600" marR="0" lvl="2" indent="-228600" algn="l" rtl="0">
+              <a:lnSpc>
+                <a:spcPct val="100000"/>
+              </a:lnSpc>
+              <a:spcBef>
+                <a:spcPts val="0"/>
+              </a:spcBef>
+              <a:spcAft>
+                <a:spcPts val="0"/>
+              </a:spcAft>
+              <a:buClr>
+                <a:srgbClr val="000000"/>
+              </a:buClr>
+              <a:buSzPts val="1800"/>
+              <a:buFont typeface="Calibri"/>
+              <a:buNone/>
+              <a:defRPr sz="1800" b="0" i="0" u="none" strike="noStrike" cap="none">
+                <a:solidFill>
+                  <a:srgbClr val="000000"/>
+                </a:solidFill>
+                <a:latin typeface="Calibri"/>
+                <a:ea typeface="Calibri"/>
+                <a:cs typeface="Calibri"/>
+                <a:sym typeface="Calibri"/>
+              </a:defRPr>
+            </a:lvl3pPr>
+            <a:lvl4pPr marL="1828800" marR="0" lvl="3" indent="-228600" algn="l" rtl="0">
+              <a:lnSpc>
+                <a:spcPct val="100000"/>
+              </a:lnSpc>
+              <a:spcBef>
+                <a:spcPts val="0"/>
+              </a:spcBef>
+              <a:spcAft>
+                <a:spcPts val="0"/>
+              </a:spcAft>
+              <a:buClr>
+                <a:srgbClr val="000000"/>
+              </a:buClr>
+              <a:buSzPts val="1800"/>
+              <a:buFont typeface="Calibri"/>
+              <a:buNone/>
+              <a:defRPr sz="1800" b="0" i="0" u="none" strike="noStrike" cap="none">
+                <a:solidFill>
+                  <a:srgbClr val="000000"/>
+                </a:solidFill>
+                <a:latin typeface="Calibri"/>
+                <a:ea typeface="Calibri"/>
+                <a:cs typeface="Calibri"/>
+                <a:sym typeface="Calibri"/>
+              </a:defRPr>
+            </a:lvl4pPr>
+            <a:lvl5pPr marL="2286000" marR="0" lvl="4" indent="-228600" algn="l" rtl="0">
+              <a:lnSpc>
+                <a:spcPct val="100000"/>
+              </a:lnSpc>
+              <a:spcBef>
+                <a:spcPts val="0"/>
+              </a:spcBef>
+              <a:spcAft>
+                <a:spcPts val="0"/>
+              </a:spcAft>
+              <a:buClr>
+                <a:srgbClr val="000000"/>
+              </a:buClr>
+              <a:buSzPts val="1800"/>
+              <a:buFont typeface="Calibri"/>
+              <a:buNone/>
+              <a:defRPr sz="1800" b="0" i="0" u="none" strike="noStrike" cap="none">
+                <a:solidFill>
+                  <a:srgbClr val="000000"/>
+                </a:solidFill>
+                <a:latin typeface="Calibri"/>
+                <a:ea typeface="Calibri"/>
+                <a:cs typeface="Calibri"/>
+                <a:sym typeface="Calibri"/>
+              </a:defRPr>
+            </a:lvl5pPr>
+            <a:lvl6pPr marL="2743200" marR="0" lvl="5" indent="-228600" algn="l" rtl="0">
+              <a:lnSpc>
+                <a:spcPct val="100000"/>
+              </a:lnSpc>
+              <a:spcBef>
+                <a:spcPts val="0"/>
+              </a:spcBef>
+              <a:spcAft>
+                <a:spcPts val="0"/>
+              </a:spcAft>
+              <a:buClr>
+                <a:srgbClr val="000000"/>
+              </a:buClr>
+              <a:buSzPts val="1800"/>
+              <a:buFont typeface="Calibri"/>
+              <a:buNone/>
+              <a:defRPr sz="1800" b="0" i="0" u="none" strike="noStrike" cap="none">
+                <a:solidFill>
+                  <a:srgbClr val="000000"/>
+                </a:solidFill>
+                <a:latin typeface="Calibri"/>
+                <a:ea typeface="Calibri"/>
+                <a:cs typeface="Calibri"/>
+                <a:sym typeface="Calibri"/>
+              </a:defRPr>
+            </a:lvl6pPr>
+            <a:lvl7pPr marL="3200400" marR="0" lvl="6" indent="-228600" algn="l" rtl="0">
+              <a:lnSpc>
+                <a:spcPct val="100000"/>
+              </a:lnSpc>
+              <a:spcBef>
+                <a:spcPts val="0"/>
+              </a:spcBef>
+              <a:spcAft>
+                <a:spcPts val="0"/>
+              </a:spcAft>
+              <a:buClr>
+                <a:srgbClr val="000000"/>
+              </a:buClr>
+              <a:buSzPts val="1800"/>
+              <a:buFont typeface="Calibri"/>
+              <a:buNone/>
+              <a:defRPr sz="1800" b="0" i="0" u="none" strike="noStrike" cap="none">
+                <a:solidFill>
+                  <a:srgbClr val="000000"/>
+                </a:solidFill>
+                <a:latin typeface="Calibri"/>
+                <a:ea typeface="Calibri"/>
+                <a:cs typeface="Calibri"/>
+                <a:sym typeface="Calibri"/>
+              </a:defRPr>
+            </a:lvl7pPr>
+            <a:lvl8pPr marL="3657600" marR="0" lvl="7" indent="-228600" algn="l" rtl="0">
+              <a:lnSpc>
+                <a:spcPct val="100000"/>
+              </a:lnSpc>
+              <a:spcBef>
+                <a:spcPts val="0"/>
+              </a:spcBef>
+              <a:spcAft>
+                <a:spcPts val="0"/>
+              </a:spcAft>
+              <a:buClr>
+                <a:srgbClr val="000000"/>
+              </a:buClr>
+              <a:buSzPts val="1800"/>
+              <a:buFont typeface="Calibri"/>
+              <a:buNone/>
+              <a:defRPr sz="1800" b="0" i="0" u="none" strike="noStrike" cap="none">
+                <a:solidFill>
+                  <a:srgbClr val="000000"/>
+                </a:solidFill>
+                <a:latin typeface="Calibri"/>
+                <a:ea typeface="Calibri"/>
+                <a:cs typeface="Calibri"/>
+                <a:sym typeface="Calibri"/>
+              </a:defRPr>
+            </a:lvl8pPr>
+            <a:lvl9pPr marL="4114800" marR="0" lvl="8" indent="-228600" algn="l" rtl="0">
+              <a:lnSpc>
+                <a:spcPct val="100000"/>
+              </a:lnSpc>
+              <a:spcBef>
+                <a:spcPts val="0"/>
+              </a:spcBef>
+              <a:spcAft>
+                <a:spcPts val="0"/>
+              </a:spcAft>
+              <a:buClr>
+                <a:srgbClr val="000000"/>
+              </a:buClr>
+              <a:buSzPts val="1800"/>
+              <a:buFont typeface="Calibri"/>
+              <a:buNone/>
+              <a:defRPr sz="1800" b="0" i="0" u="none" strike="noStrike" cap="none">
+                <a:solidFill>
+                  <a:srgbClr val="000000"/>
+                </a:solidFill>
+                <a:latin typeface="Calibri"/>
+                <a:ea typeface="Calibri"/>
+                <a:cs typeface="Calibri"/>
+                <a:sym typeface="Calibri"/>
+              </a:defRPr>
+            </a:lvl9pPr>
+          </a:lstStyle>
           <a:p>
-            <a:pPr marL="0" lvl="0" indent="0" algn="l" rtl="0">
-              <a:spcBef>
-                <a:spcPts val="0"/>
-              </a:spcBef>
-              <a:spcAft>
-                <a:spcPts val="0"/>
-              </a:spcAft>
-              <a:buNone/>
-            </a:pPr>
+            <a:pPr marL="0" indent="0"/>
             <a:r>
               <a:rPr lang="en-US" sz="1100" dirty="0"/>
               <a:t>Estimation sur la </a:t>
             </a:r>
             <a:r>
               <a:rPr lang="en-US" sz="1100" dirty="0" err="1"/>
-              <a:t>période</a:t>
+              <a:t>période {{layoutStart}} - {{layoutEnd}}</a:t>
             </a:r>
             <a:r>
               <a:rPr lang="en-US" sz="1100" dirty="0"/>
-              <a:t> {{</a:t>
+              <a:t> pour le</a:t>
             </a:r>
             <a:r>
               <a:rPr lang="en-US" sz="1100" dirty="0" err="1"/>
-              <a:t>layoutStart</a:t>
-            </a:r>
-            <a:r>
-              <a:rPr lang="en-US" sz="1100" dirty="0"/>
-              <a:t>}} – {{</a:t>
-            </a:r>
-            <a:r>
-              <a:rPr lang="en-US" sz="1100" dirty="0" err="1"/>
-              <a:t>layoutEnd</a:t>
-            </a:r>
-            <a:r>
-              <a:rPr lang="en-US" sz="1100" dirty="0"/>
-              <a:t>}} pour le {{</a:t>
-            </a:r>
-            <a:r>
-              <a:rPr lang="en-US" sz="1100" dirty="0" err="1"/>
-              <a:t>layoutDocumentType</a:t>
-            </a:r>
-            <a:r>
-              <a:rPr lang="en-US" sz="1100" dirty="0"/>
-              <a:t>}}</a:t>
-            </a:r>
-            <a:endParaRPr sz="1100" i="1" dirty="0"/>
+              <a:t> {{layoutDocumentType}}</a:t>
+            </a:r>
+            <a:endParaRPr lang="en-US" sz="1100" i="1" dirty="0"/>
           </a:p>
         </p:txBody>
       </p:sp>
@@ -40422,14 +42895,46 @@
               <a:buNone/>
             </a:pPr>
             <a:r>
+              <a:rPr lang="en-US" sz="2400" b="1" dirty="0" err="1">
+                <a:solidFill>
+                  <a:srgbClr val="262626"/>
+                </a:solidFill>
+              </a:rPr>
+              <a:t>L’outil</a:t>
+            </a:r>
+            <a:r>
+              <a:rPr lang="en-US" sz="2400" b="1" dirty="0">
+                <a:solidFill>
+                  <a:srgbClr val="262626"/>
+                </a:solidFill>
+              </a:rPr>
+              <a:t> </a:t>
+            </a:r>
+            <a:r>
+              <a:rPr lang="en-US" sz="2400" b="1" dirty="0" err="1">
+                <a:solidFill>
+                  <a:srgbClr val="262626"/>
+                </a:solidFill>
+              </a:rPr>
+              <a:t>Otelo</a:t>
+            </a:r>
+            <a:r>
+              <a:rPr lang="en-US" sz="2400" b="1" dirty="0">
+                <a:solidFill>
+                  <a:srgbClr val="262626"/>
+                </a:solidFill>
+              </a:rPr>
+              <a:t> pour </a:t>
+            </a:r>
+            <a:r>
               <a:rPr lang="en-US" sz="2400" b="1">
                 <a:solidFill>
                   <a:srgbClr val="262626"/>
                 </a:solidFill>
               </a:rPr>
-              <a:t>L’outil Otelo pour [territoire]</a:t>
-            </a:r>
-            <a:endParaRPr sz="2400" b="1">
+              <a:t>{{territory}}</a:t>
+            </a:r>
+            <a:endParaRPr sz="2400" b="1" dirty="0">
               <a:solidFill>
                 <a:srgbClr val="262626"/>
               </a:solidFill>
@@ -40999,14 +43504,30 @@
               <a:buNone/>
             </a:pPr>
             <a:r>
-              <a:rPr lang="en-US" sz="1220" b="1" u="sng">
+              <a:rPr lang="en-US" sz="1220" b="1" u="sng" dirty="0">
                 <a:solidFill>
                   <a:schemeClr val="lt1"/>
                 </a:solidFill>
               </a:rPr>
-              <a:t>Vos paramètres </a:t>
-            </a:r>
-            <a:endParaRPr sz="1220" b="1" u="sng">
+              <a:t>Vos </a:t>
+            </a:r>
+            <a:r>
+              <a:rPr lang="en-US" sz="1220" b="1" u="sng" dirty="0" err="1">
+                <a:solidFill>
+                  <a:schemeClr val="lt1"/>
+                </a:solidFill>
+              </a:rPr>
+              <a:t>paramètres</a:t>
+            </a:r>
+            <a:r>
+              <a:rPr lang="en-US" sz="1220" b="1" u="sng" dirty="0">
+                <a:solidFill>
+                  <a:schemeClr val="lt1"/>
+                </a:solidFill>
+              </a:rPr>
+              <a:t> </a:t>
+            </a:r>
+            <a:endParaRPr sz="1220" b="1" u="sng" dirty="0">
               <a:solidFill>
                 <a:schemeClr val="lt1"/>
               </a:solidFill>
@@ -41022,7 +43543,7 @@
               </a:spcAft>
               <a:buNone/>
             </a:pPr>
-            <a:endParaRPr sz="820" b="1">
+            <a:endParaRPr sz="820" b="1" dirty="0">
               <a:solidFill>
                 <a:schemeClr val="lt1"/>
               </a:solidFill>
@@ -41043,14 +43564,70 @@
               <a:buChar char="➔"/>
             </a:pPr>
             <a:r>
-              <a:rPr lang="en-US" sz="1000">
+              <a:rPr lang="en-US" sz="1000" dirty="0" err="1">
                 <a:solidFill>
                   <a:schemeClr val="lt1"/>
                 </a:solidFill>
               </a:rPr>
-              <a:t>Évolution en nombre d’habitants et de ménages</a:t>
-            </a:r>
-            <a:endParaRPr sz="1000" i="1">
+              <a:t>Évolution</a:t>
+            </a:r>
+            <a:r>
+              <a:rPr lang="en-US" sz="1000" dirty="0">
+                <a:solidFill>
+                  <a:schemeClr val="lt1"/>
+                </a:solidFill>
+              </a:rPr>
+              <a:t> </a:t>
+            </a:r>
+            <a:r>
+              <a:rPr lang="en-US" sz="1000" dirty="0" err="1">
+                <a:solidFill>
+                  <a:schemeClr val="lt1"/>
+                </a:solidFill>
+              </a:rPr>
+              <a:t>en</a:t>
+            </a:r>
+            <a:r>
+              <a:rPr lang="en-US" sz="1000" dirty="0">
+                <a:solidFill>
+                  <a:schemeClr val="lt1"/>
+                </a:solidFill>
+              </a:rPr>
+              <a:t> </a:t>
+            </a:r>
+            <a:r>
+              <a:rPr lang="en-US" sz="1000" dirty="0" err="1">
+                <a:solidFill>
+                  <a:schemeClr val="lt1"/>
+                </a:solidFill>
+              </a:rPr>
+              <a:t>nombre</a:t>
+            </a:r>
+            <a:r>
+              <a:rPr lang="en-US" sz="1000" dirty="0">
+                <a:solidFill>
+                  <a:schemeClr val="lt1"/>
+                </a:solidFill>
+              </a:rPr>
+              <a:t> </a:t>
+            </a:r>
+            <a:r>
+              <a:rPr lang="en-US" sz="1000" dirty="0" err="1">
+                <a:solidFill>
+                  <a:schemeClr val="lt1"/>
+                </a:solidFill>
+              </a:rPr>
+              <a:t>d’habitants</a:t>
+            </a:r>
+            <a:r>
+              <a:rPr lang="en-US" sz="1000" dirty="0">
+                <a:solidFill>
+                  <a:schemeClr val="lt1"/>
+                </a:solidFill>
+              </a:rPr>
+              <a:t> et de ménages</a:t>
+            </a:r>
+            <a:endParaRPr sz="1000" i="1" dirty="0">
               <a:solidFill>
                 <a:schemeClr val="lt1"/>
               </a:solidFill>
@@ -41071,14 +43648,78 @@
               <a:buChar char="➔"/>
             </a:pPr>
             <a:r>
-              <a:rPr lang="en-US" sz="1000">
+              <a:rPr lang="en-US" sz="1000" dirty="0">
                 <a:solidFill>
                   <a:schemeClr val="lt1"/>
                 </a:solidFill>
               </a:rPr>
-              <a:t>Un objectif de réduction de la part des logements vacants de plus de 2 ans.</a:t>
-            </a:r>
-            <a:endParaRPr sz="1000">
+              <a:t>Un </a:t>
+            </a:r>
+            <a:r>
+              <a:rPr lang="en-US" sz="1000" dirty="0" err="1">
+                <a:solidFill>
+                  <a:schemeClr val="lt1"/>
+                </a:solidFill>
+              </a:rPr>
+              <a:t>objectif</a:t>
+            </a:r>
+            <a:r>
+              <a:rPr lang="en-US" sz="1000" dirty="0">
+                <a:solidFill>
+                  <a:schemeClr val="lt1"/>
+                </a:solidFill>
+              </a:rPr>
+              <a:t> de </a:t>
+            </a:r>
+            <a:r>
+              <a:rPr lang="en-US" sz="1000" dirty="0" err="1">
+                <a:solidFill>
+                  <a:schemeClr val="lt1"/>
+                </a:solidFill>
+              </a:rPr>
+              <a:t>réduction</a:t>
+            </a:r>
+            <a:r>
+              <a:rPr lang="en-US" sz="1000" dirty="0">
+                <a:solidFill>
+                  <a:schemeClr val="lt1"/>
+                </a:solidFill>
+              </a:rPr>
+              <a:t> de la part des </a:t>
+            </a:r>
+            <a:r>
+              <a:rPr lang="en-US" sz="1000" dirty="0" err="1">
+                <a:solidFill>
+                  <a:schemeClr val="lt1"/>
+                </a:solidFill>
+              </a:rPr>
+              <a:t>logements</a:t>
+            </a:r>
+            <a:r>
+              <a:rPr lang="en-US" sz="1000" dirty="0">
+                <a:solidFill>
+                  <a:schemeClr val="lt1"/>
+                </a:solidFill>
+              </a:rPr>
+              <a:t> </a:t>
+            </a:r>
+            <a:r>
+              <a:rPr lang="en-US" sz="1000" dirty="0" err="1">
+                <a:solidFill>
+                  <a:schemeClr val="lt1"/>
+                </a:solidFill>
+              </a:rPr>
+              <a:t>vacants</a:t>
+            </a:r>
+            <a:r>
+              <a:rPr lang="en-US" sz="1000" dirty="0">
+                <a:solidFill>
+                  <a:schemeClr val="lt1"/>
+                </a:solidFill>
+              </a:rPr>
+              <a:t> de plus de 2 ans.</a:t>
+            </a:r>
+            <a:endParaRPr sz="1000" dirty="0">
               <a:solidFill>
                 <a:schemeClr val="lt1"/>
               </a:solidFill>
@@ -41099,14 +43740,78 @@
               <a:buChar char="➔"/>
             </a:pPr>
             <a:r>
-              <a:rPr lang="en-US" sz="1000">
+              <a:rPr lang="en-US" sz="1000" dirty="0">
                 <a:solidFill>
                   <a:schemeClr val="lt1"/>
                 </a:solidFill>
               </a:rPr>
-              <a:t>Un objectif de taux de résidences secondaires.</a:t>
-            </a:r>
-            <a:endParaRPr sz="1000" i="1">
+              <a:t>Un </a:t>
+            </a:r>
+            <a:r>
+              <a:rPr lang="en-US" sz="1000" dirty="0" err="1">
+                <a:solidFill>
+                  <a:schemeClr val="lt1"/>
+                </a:solidFill>
+              </a:rPr>
+              <a:t>objectif</a:t>
+            </a:r>
+            <a:r>
+              <a:rPr lang="en-US" sz="1000" dirty="0">
+                <a:solidFill>
+                  <a:schemeClr val="lt1"/>
+                </a:solidFill>
+              </a:rPr>
+              <a:t> de </a:t>
+            </a:r>
+            <a:r>
+              <a:rPr lang="en-US" sz="1000" dirty="0" err="1">
+                <a:solidFill>
+                  <a:schemeClr val="lt1"/>
+                </a:solidFill>
+              </a:rPr>
+              <a:t>taux</a:t>
+            </a:r>
+            <a:r>
+              <a:rPr lang="en-US" sz="1000" dirty="0">
+                <a:solidFill>
+                  <a:schemeClr val="lt1"/>
+                </a:solidFill>
+              </a:rPr>
+              <a:t> de </a:t>
+            </a:r>
+            <a:r>
+              <a:rPr lang="en-US" sz="1000" dirty="0" err="1">
+                <a:solidFill>
+                  <a:schemeClr val="lt1"/>
+                </a:solidFill>
+              </a:rPr>
+              <a:t>résidences</a:t>
+            </a:r>
+            <a:r>
+              <a:rPr lang="en-US" sz="1000" dirty="0">
+                <a:solidFill>
+                  <a:schemeClr val="lt1"/>
+                </a:solidFill>
+              </a:rPr>
+              <a:t> </a:t>
+            </a:r>
+            <a:r>
+              <a:rPr lang="en-US" sz="1000" dirty="0" err="1">
+                <a:solidFill>
+                  <a:schemeClr val="lt1"/>
+                </a:solidFill>
+              </a:rPr>
+              <a:t>secondaires</a:t>
+            </a:r>
+            <a:r>
+              <a:rPr lang="en-US" sz="1000" dirty="0">
+                <a:solidFill>
+                  <a:schemeClr val="lt1"/>
+                </a:solidFill>
+              </a:rPr>
+              <a:t>.</a:t>
+            </a:r>
+            <a:endParaRPr sz="1000" i="1" dirty="0">
               <a:solidFill>
                 <a:schemeClr val="lt1"/>
               </a:solidFill>
@@ -41127,14 +43832,38 @@
               <a:buChar char="➔"/>
             </a:pPr>
             <a:r>
-              <a:rPr lang="en-US" sz="1000">
+              <a:rPr lang="en-US" sz="1000" dirty="0" err="1">
                 <a:solidFill>
                   <a:schemeClr val="lt1"/>
                 </a:solidFill>
               </a:rPr>
-              <a:t>Résorption du mal-logement.</a:t>
-            </a:r>
-            <a:endParaRPr sz="1220" b="1" i="1">
+              <a:t>Résorption</a:t>
+            </a:r>
+            <a:r>
+              <a:rPr lang="en-US" sz="1000" dirty="0">
+                <a:solidFill>
+                  <a:schemeClr val="lt1"/>
+                </a:solidFill>
+              </a:rPr>
+              <a:t> du mal-</a:t>
+            </a:r>
+            <a:r>
+              <a:rPr lang="en-US" sz="1000" dirty="0" err="1">
+                <a:solidFill>
+                  <a:schemeClr val="lt1"/>
+                </a:solidFill>
+              </a:rPr>
+              <a:t>logement</a:t>
+            </a:r>
+            <a:r>
+              <a:rPr lang="en-US" sz="1000" dirty="0">
+                <a:solidFill>
+                  <a:schemeClr val="lt1"/>
+                </a:solidFill>
+              </a:rPr>
+              <a:t>.</a:t>
+            </a:r>
+            <a:endParaRPr sz="1220" b="1" i="1" dirty="0">
               <a:solidFill>
                 <a:srgbClr val="FFFFFF"/>
               </a:solidFill>
@@ -41432,7 +44161,8 @@
                   <a:schemeClr val="dk1"/>
                 </a:solidFill>
               </a:rPr>
-              <a:t>afin de prendre des décisions éclairées en matière d’aménagement du territoire.</a:t>
+              <a:t>afin de prendre des décisions éclairées en matière d’aménagement du
+                                territoire.</a:t>
             </a:r>
             <a:endParaRPr sz="1200"/>
           </a:p>
@@ -41478,14 +44208,38 @@
               <a:buNone/>
             </a:pPr>
             <a:r>
-              <a:rPr lang="en-US" sz="1220" b="1" u="sng">
+              <a:rPr lang="en-US" sz="1220" b="1" u="sng" dirty="0">
                 <a:solidFill>
                   <a:srgbClr val="FFFFFF"/>
                 </a:solidFill>
               </a:rPr>
-              <a:t>La méthode de calcul</a:t>
-            </a:r>
-            <a:endParaRPr sz="1220" b="1" u="sng">
+              <a:t>La </a:t>
+            </a:r>
+            <a:r>
+              <a:rPr lang="en-US" sz="1220" b="1" u="sng" dirty="0" err="1">
+                <a:solidFill>
+                  <a:srgbClr val="FFFFFF"/>
+                </a:solidFill>
+              </a:rPr>
+              <a:t>méthode</a:t>
+            </a:r>
+            <a:r>
+              <a:rPr lang="en-US" sz="1220" b="1" u="sng" dirty="0">
+                <a:solidFill>
+                  <a:srgbClr val="FFFFFF"/>
+                </a:solidFill>
+              </a:rPr>
+              <a:t> de </a:t>
+            </a:r>
+            <a:r>
+              <a:rPr lang="en-US" sz="1220" b="1" u="sng" dirty="0" err="1">
+                <a:solidFill>
+                  <a:srgbClr val="FFFFFF"/>
+                </a:solidFill>
+              </a:rPr>
+              <a:t>calcul</a:t>
+            </a:r>
+            <a:endParaRPr sz="1220" b="1" u="sng" dirty="0">
               <a:solidFill>
                 <a:srgbClr val="FFFFFF"/>
               </a:solidFill>
@@ -41506,7 +44260,7 @@
               <a:buFont typeface="Arial"/>
               <a:buNone/>
             </a:pPr>
-            <a:endParaRPr sz="820" b="1">
+            <a:endParaRPr sz="820" b="1" dirty="0">
               <a:solidFill>
                 <a:srgbClr val="FFFFFF"/>
               </a:solidFill>
@@ -41530,14 +44284,70 @@
               <a:buChar char="➔"/>
             </a:pPr>
             <a:r>
-              <a:rPr lang="en-US" sz="1000" b="1">
+              <a:rPr lang="en-US" sz="1000" b="1" dirty="0" err="1">
                 <a:solidFill>
                   <a:srgbClr val="FFFFFF"/>
                 </a:solidFill>
               </a:rPr>
-              <a:t>Otelo analyse 2 types de besoins complémentaires :</a:t>
-            </a:r>
-            <a:endParaRPr sz="1000" b="1">
+              <a:t>Otelo</a:t>
+            </a:r>
+            <a:r>
+              <a:rPr lang="en-US" sz="1000" b="1" dirty="0">
+                <a:solidFill>
+                  <a:srgbClr val="FFFFFF"/>
+                </a:solidFill>
+              </a:rPr>
+              <a:t> </a:t>
+            </a:r>
+            <a:r>
+              <a:rPr lang="en-US" sz="1000" b="1" dirty="0" err="1">
+                <a:solidFill>
+                  <a:srgbClr val="FFFFFF"/>
+                </a:solidFill>
+              </a:rPr>
+              <a:t>analyse</a:t>
+            </a:r>
+            <a:r>
+              <a:rPr lang="en-US" sz="1000" b="1" dirty="0">
+                <a:solidFill>
+                  <a:srgbClr val="FFFFFF"/>
+                </a:solidFill>
+              </a:rPr>
+              <a:t> 2 types de </a:t>
+            </a:r>
+            <a:r>
+              <a:rPr lang="en-US" sz="1000" b="1" dirty="0" err="1">
+                <a:solidFill>
+                  <a:srgbClr val="FFFFFF"/>
+                </a:solidFill>
+              </a:rPr>
+              <a:t>besoins</a:t>
+            </a:r>
+            <a:r>
+              <a:rPr lang="en-US" sz="1000" b="1" dirty="0">
+                <a:solidFill>
+                  <a:srgbClr val="FFFFFF"/>
+                </a:solidFill>
+              </a:rPr>
+              <a:t> </a:t>
+            </a:r>
+            <a:r>
+              <a:rPr lang="en-US" sz="1000" b="1" dirty="0" err="1">
+                <a:solidFill>
+                  <a:srgbClr val="FFFFFF"/>
+                </a:solidFill>
+              </a:rPr>
+              <a:t>complémentaires</a:t>
+            </a:r>
+            <a:r>
+              <a:rPr lang="en-US" sz="1000" b="1" dirty="0">
+                <a:solidFill>
+                  <a:srgbClr val="FFFFFF"/>
+                </a:solidFill>
+              </a:rPr>
+              <a:t> :</a:t>
+            </a:r>
+            <a:endParaRPr sz="1000" b="1" dirty="0">
               <a:solidFill>
                 <a:srgbClr val="FFFFFF"/>
               </a:solidFill>
@@ -41561,22 +44371,70 @@
               <a:buChar char="◆"/>
             </a:pPr>
             <a:r>
-              <a:rPr lang="en-US" sz="1000" b="1">
+              <a:rPr lang="en-US" sz="1000" b="1" dirty="0" err="1">
                 <a:solidFill>
                   <a:srgbClr val="FFFFFF"/>
                 </a:solidFill>
               </a:rPr>
-              <a:t>Besoins futurs</a:t>
-            </a:r>
-            <a:r>
-              <a:rPr lang="en-US" sz="1000">
+              <a:t>Besoins</a:t>
+            </a:r>
+            <a:r>
+              <a:rPr lang="en-US" sz="1000" b="1" dirty="0">
                 <a:solidFill>
                   <a:srgbClr val="FFFFFF"/>
                 </a:solidFill>
               </a:rPr>
-              <a:t> :  logements pour les nouveaux ménages qui vont se former.</a:t>
-            </a:r>
-            <a:endParaRPr sz="1000">
+              <a:t> </a:t>
+            </a:r>
+            <a:r>
+              <a:rPr lang="en-US" sz="1000" b="1" dirty="0" err="1">
+                <a:solidFill>
+                  <a:srgbClr val="FFFFFF"/>
+                </a:solidFill>
+              </a:rPr>
+              <a:t>futurs</a:t>
+            </a:r>
+            <a:r>
+              <a:rPr lang="en-US" sz="1000" dirty="0">
+                <a:solidFill>
+                  <a:srgbClr val="FFFFFF"/>
+                </a:solidFill>
+              </a:rPr>
+              <a:t> : </a:t>
+            </a:r>
+            <a:r>
+              <a:rPr lang="en-US" sz="1000" dirty="0" err="1">
+                <a:solidFill>
+                  <a:srgbClr val="FFFFFF"/>
+                </a:solidFill>
+              </a:rPr>
+              <a:t>logements</a:t>
+            </a:r>
+            <a:r>
+              <a:rPr lang="en-US" sz="1000" dirty="0">
+                <a:solidFill>
+                  <a:srgbClr val="FFFFFF"/>
+                </a:solidFill>
+              </a:rPr>
+              <a:t> pour les nouveaux ménages qui </a:t>
+            </a:r>
+            <a:r>
+              <a:rPr lang="en-US" sz="1000" dirty="0" err="1">
+                <a:solidFill>
+                  <a:srgbClr val="FFFFFF"/>
+                </a:solidFill>
+              </a:rPr>
+              <a:t>vont</a:t>
+            </a:r>
+            <a:r>
+              <a:rPr lang="en-US" sz="1000" dirty="0">
+                <a:solidFill>
+                  <a:srgbClr val="FFFFFF"/>
+                </a:solidFill>
+              </a:rPr>
+              <a:t> se former.</a:t>
+            </a:r>
+            <a:endParaRPr sz="1000" dirty="0">
               <a:solidFill>
                 <a:srgbClr val="FFFFFF"/>
               </a:solidFill>
@@ -41600,22 +44458,102 @@
               <a:buChar char="◆"/>
             </a:pPr>
             <a:r>
-              <a:rPr lang="en-US" sz="1000" b="1">
+              <a:rPr lang="en-US" sz="1000" b="1" dirty="0" err="1">
                 <a:solidFill>
                   <a:srgbClr val="FFFFFF"/>
                 </a:solidFill>
               </a:rPr>
-              <a:t>Besoins actuels</a:t>
-            </a:r>
-            <a:r>
-              <a:rPr lang="en-US" sz="1000">
+              <a:t>Besoins</a:t>
+            </a:r>
+            <a:r>
+              <a:rPr lang="en-US" sz="1000" b="1" dirty="0">
                 <a:solidFill>
                   <a:srgbClr val="FFFFFF"/>
                 </a:solidFill>
               </a:rPr>
-              <a:t> :  logements pour résoudre les situations de mal-logement existantes.</a:t>
-            </a:r>
-            <a:endParaRPr sz="1000">
+              <a:t> </a:t>
+            </a:r>
+            <a:r>
+              <a:rPr lang="en-US" sz="1000" b="1" dirty="0" err="1">
+                <a:solidFill>
+                  <a:srgbClr val="FFFFFF"/>
+                </a:solidFill>
+              </a:rPr>
+              <a:t>actuels</a:t>
+            </a:r>
+            <a:r>
+              <a:rPr lang="en-US" sz="1000" dirty="0">
+                <a:solidFill>
+                  <a:srgbClr val="FFFFFF"/>
+                </a:solidFill>
+              </a:rPr>
+              <a:t> : </a:t>
+            </a:r>
+            <a:r>
+              <a:rPr lang="en-US" sz="1000" dirty="0" err="1">
+                <a:solidFill>
+                  <a:srgbClr val="FFFFFF"/>
+                </a:solidFill>
+              </a:rPr>
+              <a:t>logements</a:t>
+            </a:r>
+            <a:r>
+              <a:rPr lang="en-US" sz="1000" dirty="0">
+                <a:solidFill>
+                  <a:srgbClr val="FFFFFF"/>
+                </a:solidFill>
+              </a:rPr>
+              <a:t> pour </a:t>
+            </a:r>
+            <a:r>
+              <a:rPr lang="en-US" sz="1000" dirty="0" err="1">
+                <a:solidFill>
+                  <a:srgbClr val="FFFFFF"/>
+                </a:solidFill>
+              </a:rPr>
+              <a:t>résoudre</a:t>
+            </a:r>
+            <a:r>
+              <a:rPr lang="en-US" sz="1000" dirty="0">
+                <a:solidFill>
+                  <a:srgbClr val="FFFFFF"/>
+                </a:solidFill>
+              </a:rPr>
+              <a:t> les situations de mal-</a:t>
+            </a:r>
+            <a:r>
+              <a:rPr lang="en-US" sz="1000" dirty="0" err="1">
+                <a:solidFill>
+                  <a:srgbClr val="FFFFFF"/>
+                </a:solidFill>
+              </a:rPr>
+              <a:t>logement</a:t>
+            </a:r>
+            <a:r>
+              <a:rPr lang="en-US" sz="1000" dirty="0">
+                <a:solidFill>
+                  <a:srgbClr val="FFFFFF"/>
+                </a:solidFill>
+              </a:rPr>
+              <a:t> </a:t>
+            </a:r>
+            <a:r>
+              <a:rPr lang="en-US" sz="1000" dirty="0" err="1">
+                <a:solidFill>
+                  <a:srgbClr val="FFFFFF"/>
+                </a:solidFill>
+              </a:rPr>
+              <a:t>existantes</a:t>
+            </a:r>
+            <a:r>
+              <a:rPr lang="en-US" sz="1000" dirty="0">
+                <a:solidFill>
+                  <a:srgbClr val="FFFFFF"/>
+                </a:solidFill>
+              </a:rPr>
+              <a:t>.</a:t>
+            </a:r>
+            <a:endParaRPr sz="1000" dirty="0">
               <a:solidFill>
                 <a:srgbClr val="FFFFFF"/>
               </a:solidFill>
@@ -41930,10 +44868,21 @@
           <a:p>
             <a:pPr marL="0" indent="0"/>
             <a:r>
-              <a:rPr lang="en-US" sz="1100" i="1"/>
-              <a:t>EPCI {{layoutEpciName}} / BH {{layoutBassinName}}</a:t>
-            </a:r>
-            <a:endParaRPr lang="en-US" sz="1100" i="1" dirty="0"/>
+              <a:rPr lang="en-US" sz="1100" i="1" dirty="0"/>
+              <a:t>EPCI </a:t>
+            </a:r>
+            <a:r>
+              <a:rPr lang="en-US" sz="1100" i="1" dirty="0" err="1"/>
+              <a:t>{{layoutEpciName}}</a:t>
+            </a:r>
+            <a:r>
+              <a:rPr lang="en-US" sz="1100" i="1" dirty="0"/>
+              <a:t> / BH </a:t>
+            </a:r>
+            <a:r>
+              <a:rPr lang="en-US" sz="1100" i="1" dirty="0" err="1"/>
+              <a:t>{{layoutBassinName}}</a:t>
+            </a:r>
           </a:p>
         </p:txBody>
       </p:sp>
@@ -42218,8 +45167,28 @@
           <a:p>
             <a:pPr marL="0" indent="0"/>
             <a:r>
-              <a:rPr lang="en-US" sz="1100"/>
-              <a:t>Estimation sur la période {{layoutStart}} – {{layoutEnd}} pour le {{layoutDocumentType}}</a:t>
+              <a:rPr lang="en-US" sz="1100" dirty="0"/>
+              <a:t>Estimation sur la </a:t>
+            </a:r>
+            <a:r>
+              <a:rPr lang="en-US" sz="1100" dirty="0" err="1"/>
+              <a:t>période {{layoutStart}}</a:t>
+            </a:r>
+            <a:r>
+              <a:rPr lang="en-US" sz="1100" dirty="0"/>
+              <a:t> – </a:t>
+            </a:r>
+            <a:r>
+              <a:rPr lang="en-US" sz="1100" dirty="0" err="1"/>
+              <a:t>{{layoutEnd}}</a:t>
+            </a:r>
+            <a:r>
+              <a:rPr lang="en-US" sz="1100" dirty="0"/>
+              <a:t> pour le </a:t>
+            </a:r>
+            <a:r>
+              <a:rPr lang="en-US" sz="1100" dirty="0" err="1"/>
+              <a:t>{{layoutDocumentType}}</a:t>
             </a:r>
             <a:endParaRPr lang="en-US" sz="1100" i="1" dirty="0"/>
           </a:p>
@@ -42951,6 +45920,39 @@
           </a:p>
         </p:txBody>
       </p:sp>
+      <p:pic>
+        <p:nvPicPr>
+          <p:cNvPr id="6" name="Google Shape;165;p22">
+            <a:extLst>
+              <a:ext uri="{FF2B5EF4-FFF2-40B4-BE49-F238E27FC236}">
+                <a16:creationId xmlns:a16="http://schemas.microsoft.com/office/drawing/2014/main" id="{3D5FA5C1-9D4B-9C98-8821-2011527658B6}"/>
+              </a:ext>
+            </a:extLst>
+          </p:cNvPr>
+          <p:cNvPicPr preferRelativeResize="0"/>
+          <p:nvPr/>
+        </p:nvPicPr>
+        <p:blipFill rotWithShape="1">
+          <a:blip r:embed="rId3">
+            <a:alphaModFix/>
+          </a:blip>
+          <a:srcRect l="4387" t="18633" r="4387"/>
+          <a:stretch/>
+        </p:blipFill>
+        <p:spPr>
+          <a:xfrm>
+            <a:off x="2600446" y="1015525"/>
+            <a:ext cx="5711704" cy="3696551"/>
+          </a:xfrm>
+          <a:prstGeom prst="rect">
+            <a:avLst/>
+          </a:prstGeom>
+          <a:noFill/>
+          <a:ln>
+            <a:noFill/>
+          </a:ln>
+        </p:spPr>
+      </p:pic>
     </p:spTree>
   </p:cSld>
   <p:clrMapOvr>

--- a/public/ppt/template.pptx
+++ b/public/ppt/template.pptx
@@ -15900,7 +15900,7 @@
           <p:nvPr>
             <p:extLst>
               <p:ext uri="{D42A27DB-BD31-4B8C-83A1-F6EECF244321}">
-                <p14:modId xmlns:p14="http://schemas.microsoft.com/office/powerpoint/2010/main" val="2161532800"/>
+                <p14:modId xmlns:p14="http://schemas.microsoft.com/office/powerpoint/2010/main" val="2093039157"/>
               </p:ext>
             </p:extLst>
           </p:nvPr>
@@ -16378,12 +16378,20 @@
                         <a:buNone/>
                       </a:pPr>
                       <a:r>
+                        <a:rPr lang="en-US" sz="1100" i="1" dirty="0">
+                          <a:solidFill>
+                            <a:schemeClr val="dk1"/>
+                          </a:solidFill>
+                        </a:rPr>
+                        <a:t>{{scenarioName1}} </a:t>
+                      </a:r>
+                      <a:r>
                         <a:rPr lang="en-US" sz="1100" i="1" dirty="0" err="1">
                           <a:solidFill>
                             <a:schemeClr val="dk1"/>
                           </a:solidFill>
                         </a:rPr>
-                        <a:t>{{scenarioName}} {{tendanciel}}</a:t>
+                        <a:t>{{tendanciel}}</a:t>
                       </a:r>
                       <a:r>
                         <a:rPr lang="en-US" sz="1100" dirty="0">
@@ -16461,20 +16469,12 @@
                         <a:buNone/>
                       </a:pPr>
                       <a:r>
-                        <a:rPr lang="en-US" sz="1100" i="1" dirty="0" err="1">
-                          <a:solidFill>
-                            <a:schemeClr val="dk1"/>
-                          </a:solidFill>
-                        </a:rPr>
-                        <a:t>{{scenarioName}}</a:t>
-                      </a:r>
-                      <a:r>
                         <a:rPr lang="en-US" sz="1100" i="1" dirty="0">
                           <a:solidFill>
                             <a:schemeClr val="dk1"/>
                           </a:solidFill>
                         </a:rPr>
-                        <a:t> {{acceleration}}</a:t>
+                        <a:t>{{scenarioName2}} {{acceleration}}</a:t>
                       </a:r>
                       <a:r>
                         <a:rPr lang="en-US" sz="1100" dirty="0"/>
@@ -16547,12 +16547,12 @@
                         <a:buNone/>
                       </a:pPr>
                       <a:r>
-                        <a:rPr lang="en-US" sz="1100" i="1" dirty="0" err="1">
+                        <a:rPr lang="en-US" sz="1100" i="1">
                           <a:solidFill>
                             <a:schemeClr val="dk1"/>
                           </a:solidFill>
                         </a:rPr>
-                        <a:t>{{scenarioName}}</a:t>
+                        <a:t>{{scenarioName3}} </a:t>
                       </a:r>
                       <a:r>
                         <a:rPr lang="en-US" sz="1100" i="1" dirty="0">
@@ -16560,7 +16560,7 @@
                             <a:schemeClr val="dk1"/>
                           </a:solidFill>
                         </a:rPr>
-                        <a:t> {{default}}</a:t>
+                        <a:t>{{default}}</a:t>
                       </a:r>
                       <a:r>
                         <a:rPr lang="en-US" sz="1100" dirty="0">
@@ -22485,54 +22485,6 @@
       </p:pic>
       <p:sp>
         <p:nvSpPr>
-          <p:cNvPr id="198" name="Google Shape;198;p26"/>
-          <p:cNvSpPr/>
-          <p:nvPr/>
-        </p:nvSpPr>
-        <p:spPr>
-          <a:xfrm>
-            <a:off x="5190500" y="1870375"/>
-            <a:ext cx="1749900" cy="2277600"/>
-          </a:xfrm>
-          <a:prstGeom prst="rect">
-            <a:avLst/>
-          </a:prstGeom>
-          <a:noFill/>
-          <a:ln w="19475" cap="flat" cmpd="sng">
-            <a:solidFill>
-              <a:srgbClr val="00402F"/>
-            </a:solidFill>
-            <a:prstDash val="solid"/>
-            <a:round/>
-            <a:headEnd type="none" w="sm" len="sm"/>
-            <a:tailEnd type="none" w="sm" len="sm"/>
-          </a:ln>
-        </p:spPr>
-        <p:txBody>
-          <a:bodyPr spcFirstLastPara="1" wrap="square" lIns="70125" tIns="35075" rIns="70125" bIns="35075" anchor="t" anchorCtr="0">
-            <a:noAutofit/>
-          </a:bodyPr>
-          <a:lstStyle/>
-          <a:p>
-            <a:pPr marL="0" marR="0" lvl="0" indent="0" algn="ctr" rtl="0">
-              <a:spcBef>
-                <a:spcPts val="0"/>
-              </a:spcBef>
-              <a:spcAft>
-                <a:spcPts val="0"/>
-              </a:spcAft>
-              <a:buNone/>
-            </a:pPr>
-            <a:r>
-              <a:rPr lang="en-US" sz="1073" b="1"/>
-              <a:t>document xxxx-xxxx</a:t>
-            </a:r>
-            <a:endParaRPr sz="1073"/>
-          </a:p>
-        </p:txBody>
-      </p:sp>
-      <p:sp>
-        <p:nvSpPr>
           <p:cNvPr id="2" name="Google Shape;91;p14">
             <a:extLst>
               <a:ext uri="{FF2B5EF4-FFF2-40B4-BE49-F238E27FC236}">
@@ -26093,62 +26045,6 @@
           </a:ln>
         </p:spPr>
       </p:pic>
-      <p:sp>
-        <p:nvSpPr>
-          <p:cNvPr id="238" name="Google Shape;238;p30"/>
-          <p:cNvSpPr/>
-          <p:nvPr/>
-        </p:nvSpPr>
-        <p:spPr>
-          <a:xfrm>
-            <a:off x="6450575" y="4190575"/>
-            <a:ext cx="369300" cy="108000"/>
-          </a:xfrm>
-          <a:prstGeom prst="roundRect">
-            <a:avLst>
-              <a:gd name="adj" fmla="val 16667"/>
-            </a:avLst>
-          </a:prstGeom>
-          <a:solidFill>
-            <a:schemeClr val="dk1"/>
-          </a:solidFill>
-          <a:ln w="9525" cap="flat" cmpd="sng">
-            <a:solidFill>
-              <a:schemeClr val="dk1"/>
-            </a:solidFill>
-            <a:prstDash val="solid"/>
-            <a:round/>
-            <a:headEnd type="none" w="sm" len="sm"/>
-            <a:tailEnd type="none" w="sm" len="sm"/>
-          </a:ln>
-        </p:spPr>
-        <p:txBody>
-          <a:bodyPr spcFirstLastPara="1" wrap="square" lIns="91425" tIns="91425" rIns="91425" bIns="91425" anchor="ctr" anchorCtr="0">
-            <a:noAutofit/>
-          </a:bodyPr>
-          <a:lstStyle/>
-          <a:p>
-            <a:pPr marL="0" lvl="0" indent="0" algn="ctr" rtl="0">
-              <a:spcBef>
-                <a:spcPts val="0"/>
-              </a:spcBef>
-              <a:spcAft>
-                <a:spcPts val="0"/>
-              </a:spcAft>
-              <a:buNone/>
-            </a:pPr>
-            <a:endParaRPr>
-              <a:solidFill>
-                <a:schemeClr val="lt1"/>
-              </a:solidFill>
-              <a:latin typeface="Calibri"/>
-              <a:ea typeface="Calibri"/>
-              <a:cs typeface="Calibri"/>
-              <a:sym typeface="Calibri"/>
-            </a:endParaRPr>
-          </a:p>
-        </p:txBody>
-      </p:sp>
       <p:sp>
         <p:nvSpPr>
           <p:cNvPr id="2" name="Google Shape;91;p14">
@@ -41813,7 +41709,7 @@
                   <a:schemeClr val="dk1"/>
                 </a:solidFill>
               </a:rPr>
-              <a:t>d’ici{{peakYear}}</a:t>
+              <a:t>d’ici {{peakYear}}</a:t>
             </a:r>
             <a:r>
               <a:rPr lang="en-US" sz="1100" i="1" dirty="0">

--- a/public/ppt/template.pptx
+++ b/public/ppt/template.pptx
@@ -15862,30 +15862,46 @@
               <a:buNone/>
             </a:pPr>
             <a:r>
-              <a:rPr lang="en-US" sz="2400" b="1">
+              <a:rPr lang="en-US" sz="2400" b="1" dirty="0" err="1">
                 <a:solidFill>
                   <a:srgbClr val="262626"/>
                 </a:solidFill>
               </a:rPr>
-              <a:t>Récapitulatif des </a:t>
-            </a:r>
-            <a:r>
-              <a:rPr lang="en-US" sz="2400" b="1" i="1">
+              <a:t>Récapitulatif</a:t>
+            </a:r>
+            <a:r>
+              <a:rPr lang="en-US" sz="2400" b="1" dirty="0">
                 <a:solidFill>
                   <a:srgbClr val="262626"/>
                 </a:solidFill>
               </a:rPr>
-              <a:t>X scénarios</a:t>
-            </a:r>
-            <a:r>
-              <a:rPr lang="en-US" sz="2400" b="1">
+              <a:t> des </a:t>
+            </a:r>
+            <a:r>
+              <a:rPr lang="en-US" sz="2400" b="1" i="1" dirty="0" err="1">
                 <a:solidFill>
                   <a:srgbClr val="262626"/>
                 </a:solidFill>
               </a:rPr>
-              <a:t> étudiés</a:t>
-            </a:r>
-            <a:endParaRPr sz="1200" i="1">
+              <a:t>{{nb}} scénarios</a:t>
+            </a:r>
+            <a:r>
+              <a:rPr lang="en-US" sz="2400" b="1" dirty="0">
+                <a:solidFill>
+                  <a:srgbClr val="262626"/>
+                </a:solidFill>
+              </a:rPr>
+              <a:t> </a:t>
+            </a:r>
+            <a:r>
+              <a:rPr lang="en-US" sz="2400" b="1" dirty="0" err="1">
+                <a:solidFill>
+                  <a:srgbClr val="262626"/>
+                </a:solidFill>
+              </a:rPr>
+              <a:t>étudiés</a:t>
+            </a:r>
+            <a:endParaRPr sz="1200" i="1" dirty="0">
               <a:solidFill>
                 <a:srgbClr val="262626"/>
               </a:solidFill>
@@ -15900,7 +15916,7 @@
           <p:nvPr>
             <p:extLst>
               <p:ext uri="{D42A27DB-BD31-4B8C-83A1-F6EECF244321}">
-                <p14:modId xmlns:p14="http://schemas.microsoft.com/office/powerpoint/2010/main" val="2093039157"/>
+                <p14:modId xmlns:p14="http://schemas.microsoft.com/office/powerpoint/2010/main" val="3154048131"/>
               </p:ext>
             </p:extLst>
           </p:nvPr>
@@ -15965,14 +15981,14 @@
                         <a:buNone/>
                       </a:pPr>
                       <a:r>
-                        <a:rPr lang="en-US" sz="1200" b="1">
+                        <a:rPr lang="en-US" sz="1200" b="1" dirty="0" err="1">
                           <a:solidFill>
                             <a:schemeClr val="dk2"/>
                           </a:solidFill>
                         </a:rPr>
                         <a:t>Critères</a:t>
                       </a:r>
-                      <a:endParaRPr sz="1200" b="1">
+                      <a:endParaRPr sz="1200" b="1" dirty="0">
                         <a:solidFill>
                           <a:schemeClr val="dk2"/>
                         </a:solidFill>
@@ -16047,15 +16063,7 @@
                             <a:schemeClr val="dk2"/>
                           </a:solidFill>
                         </a:rPr>
-                        <a:t>🟠 </a:t>
-                      </a:r>
-                      <a:r>
-                        <a:rPr lang="en-US" sz="1200" b="1" dirty="0" err="1">
-                          <a:solidFill>
-                            <a:schemeClr val="dk2"/>
-                          </a:solidFill>
-                        </a:rPr>
-                        <a:t>Tendanciel</a:t>
+                        <a:t>🟠 {{scenario1}}</a:t>
                       </a:r>
                       <a:endParaRPr sz="1200" b="1" dirty="0">
                         <a:solidFill>
@@ -16130,15 +16138,7 @@
                             <a:schemeClr val="dk2"/>
                           </a:solidFill>
                         </a:rPr>
-                        <a:t>🟣 </a:t>
-                      </a:r>
-                      <a:r>
-                        <a:rPr lang="en-US" sz="1200" b="1" dirty="0" err="1">
-                          <a:solidFill>
-                            <a:schemeClr val="dk2"/>
-                          </a:solidFill>
-                        </a:rPr>
-                        <a:t>Accélération</a:t>
+                        <a:t>🟣 {{scenario2}}</a:t>
                       </a:r>
                       <a:endParaRPr sz="1200" b="1" dirty="0">
                         <a:solidFill>
@@ -16211,14 +16211,14 @@
                         <a:buNone/>
                       </a:pPr>
                       <a:r>
-                        <a:rPr lang="en-US" sz="1200" b="1">
+                        <a:rPr lang="en-US" sz="1200" b="1" dirty="0">
                           <a:solidFill>
                             <a:schemeClr val="dk2"/>
                           </a:solidFill>
                         </a:rPr>
-                        <a:t>🔵 Par défaut</a:t>
+                        <a:t>🔵 {{scenario3}}</a:t>
                       </a:r>
-                      <a:endParaRPr sz="1200" b="1">
+                      <a:endParaRPr sz="1200" b="1" dirty="0">
                         <a:solidFill>
                           <a:schemeClr val="dk2"/>
                         </a:solidFill>
@@ -16383,15 +16383,29 @@
                             <a:schemeClr val="dk1"/>
                           </a:solidFill>
                         </a:rPr>
-                        <a:t>{{scenarioName1}} </a:t>
+                        <a:t>{{scenarioName1}}</a:t>
                       </a:r>
+                    </a:p>
+                    <a:p>
+                      <a:pPr marL="45720" marR="45720" lvl="0" indent="0" algn="l" rtl="0">
+                        <a:lnSpc>
+                          <a:spcPct val="115000"/>
+                        </a:lnSpc>
+                        <a:spcBef>
+                          <a:spcPts val="0"/>
+                        </a:spcBef>
+                        <a:spcAft>
+                          <a:spcPts val="0"/>
+                        </a:spcAft>
+                        <a:buNone/>
+                      </a:pPr>
                       <a:r>
-                        <a:rPr lang="en-US" sz="1100" i="1" dirty="0" err="1">
+                        <a:rPr lang="en-US" sz="1100" i="1" dirty="0">
                           <a:solidFill>
                             <a:schemeClr val="dk1"/>
                           </a:solidFill>
                         </a:rPr>
-                        <a:t>{{tendanciel}}</a:t>
+                        <a:t>{{hab1}}</a:t>
                       </a:r>
                       <a:r>
                         <a:rPr lang="en-US" sz="1100" dirty="0">
@@ -16474,7 +16488,29 @@
                             <a:schemeClr val="dk1"/>
                           </a:solidFill>
                         </a:rPr>
-                        <a:t>{{scenarioName2}} {{acceleration}}</a:t>
+                        <a:t>{{scenarioName2}}</a:t>
+                      </a:r>
+                    </a:p>
+                    <a:p>
+                      <a:pPr marL="45720" marR="45720" lvl="0" indent="0" algn="l" rtl="0">
+                        <a:lnSpc>
+                          <a:spcPct val="115000"/>
+                        </a:lnSpc>
+                        <a:spcBef>
+                          <a:spcPts val="0"/>
+                        </a:spcBef>
+                        <a:spcAft>
+                          <a:spcPts val="0"/>
+                        </a:spcAft>
+                        <a:buNone/>
+                      </a:pPr>
+                      <a:r>
+                        <a:rPr lang="en-US" sz="1100" i="1" dirty="0">
+                          <a:solidFill>
+                            <a:schemeClr val="dk1"/>
+                          </a:solidFill>
+                        </a:rPr>
+                        <a:t>{{hab2}}</a:t>
                       </a:r>
                       <a:r>
                         <a:rPr lang="en-US" sz="1100" dirty="0"/>
@@ -16547,20 +16583,34 @@
                         <a:buNone/>
                       </a:pPr>
                       <a:r>
-                        <a:rPr lang="en-US" sz="1100" i="1">
+                        <a:rPr lang="en-US" sz="1100" i="1" dirty="0">
                           <a:solidFill>
                             <a:schemeClr val="dk1"/>
                           </a:solidFill>
                         </a:rPr>
-                        <a:t>{{scenarioName3}} </a:t>
+                        <a:t>{{scenarioName3}}</a:t>
                       </a:r>
+                    </a:p>
+                    <a:p>
+                      <a:pPr marL="0" marR="45720" lvl="0" indent="0" algn="l" rtl="0">
+                        <a:lnSpc>
+                          <a:spcPct val="115000"/>
+                        </a:lnSpc>
+                        <a:spcBef>
+                          <a:spcPts val="0"/>
+                        </a:spcBef>
+                        <a:spcAft>
+                          <a:spcPts val="0"/>
+                        </a:spcAft>
+                        <a:buNone/>
+                      </a:pPr>
                       <a:r>
                         <a:rPr lang="en-US" sz="1100" i="1" dirty="0">
                           <a:solidFill>
                             <a:schemeClr val="dk1"/>
                           </a:solidFill>
                         </a:rPr>
-                        <a:t>{{default}}</a:t>
+                        <a:t>{{hab3}}</a:t>
                       </a:r>
                       <a:r>
                         <a:rPr lang="en-US" sz="1100" dirty="0">
@@ -17097,11 +17147,7 @@
                       </a:pPr>
                       <a:r>
                         <a:rPr lang="en-US" sz="1100" i="1" dirty="0"/>
-                        <a:t>Tendance </a:t>
-                      </a:r>
-                      <a:r>
-                        <a:rPr lang="en-US" sz="1100" i="1" dirty="0" err="1"/>
-                        <a:t>actuelle</a:t>
+                        <a:t>{{evol1}}</a:t>
                       </a:r>
                       <a:br>
                         <a:rPr lang="en-US" sz="1100" i="1" dirty="0"/>
@@ -17178,16 +17224,8 @@
                         <a:buNone/>
                       </a:pPr>
                       <a:r>
-                        <a:rPr lang="en-US" sz="1100" i="1" dirty="0" err="1"/>
-                        <a:t>Décohabitation</a:t>
-                      </a:r>
-                      <a:r>
                         <a:rPr lang="en-US" sz="1100" i="1" dirty="0"/>
-                        <a:t> </a:t>
-                      </a:r>
-                      <a:r>
-                        <a:rPr lang="en-US" sz="1100" i="1" dirty="0" err="1"/>
-                        <a:t>accélérée</a:t>
+                        <a:t>{{evol2}}</a:t>
                       </a:r>
                       <a:endParaRPr sz="1100" i="1" dirty="0"/>
                     </a:p>
@@ -17284,12 +17322,8 @@
                         <a:buNone/>
                       </a:pPr>
                       <a:r>
-                        <a:rPr lang="en-US" sz="1100" i="1" dirty="0"/>
-                        <a:t>Tendance </a:t>
-                      </a:r>
-                      <a:r>
-                        <a:rPr lang="en-US" sz="1100" i="1" dirty="0" err="1"/>
-                        <a:t>actuelle</a:t>
+                        <a:rPr lang="en-US" sz="1100" i="1"/>
+                        <a:t>{{evol3}}</a:t>
                       </a:r>
                       <a:endParaRPr sz="1100" i="1" dirty="0"/>
                     </a:p>
@@ -17617,10 +17651,10 @@
                         <a:buNone/>
                       </a:pPr>
                       <a:r>
-                        <a:rPr lang="en-US" sz="1100" i="1"/>
-                        <a:t>Aucune</a:t>
+                        <a:rPr lang="en-US" sz="1100" i="1" dirty="0"/>
+                        <a:t>{{vacance3}}%</a:t>
                       </a:r>
-                      <a:endParaRPr sz="1100" i="1"/>
+                      <a:endParaRPr sz="1100" i="1" dirty="0"/>
                     </a:p>
                   </a:txBody>
                   <a:tcPr marL="28575" marR="28575" marT="19050" marB="19050" anchor="ctr">
@@ -17918,10 +17952,10 @@
                         <a:buNone/>
                       </a:pPr>
                       <a:r>
-                        <a:rPr lang="en-US" sz="1100" i="1"/>
-                        <a:t> Stable</a:t>
+                        <a:rPr lang="en-US" sz="1100" i="1" dirty="0"/>
+                        <a:t> {{rs3}}%</a:t>
                       </a:r>
-                      <a:endParaRPr sz="1100" i="1"/>
+                      <a:endParaRPr sz="1100" i="1" dirty="0"/>
                     </a:p>
                   </a:txBody>
                   <a:tcPr marL="28575" marR="28575" marT="19050" marB="19050" anchor="ctr">
@@ -17992,14 +18026,30 @@
                         <a:buNone/>
                       </a:pPr>
                       <a:r>
-                        <a:rPr lang="en-US" sz="1100" b="1">
+                        <a:rPr lang="en-US" sz="1100" b="1" dirty="0" err="1">
                           <a:solidFill>
                             <a:schemeClr val="accent5"/>
                           </a:solidFill>
                         </a:rPr>
-                        <a:t>Résorption mal-logement</a:t>
+                        <a:t>Résorption</a:t>
                       </a:r>
-                      <a:endParaRPr sz="1100" b="1">
+                      <a:r>
+                        <a:rPr lang="en-US" sz="1100" b="1" dirty="0">
+                          <a:solidFill>
+                            <a:schemeClr val="accent5"/>
+                          </a:solidFill>
+                        </a:rPr>
+                        <a:t> mal-</a:t>
+                      </a:r>
+                      <a:r>
+                        <a:rPr lang="en-US" sz="1100" b="1" dirty="0" err="1">
+                          <a:solidFill>
+                            <a:schemeClr val="accent5"/>
+                          </a:solidFill>
+                        </a:rPr>
+                        <a:t>logement</a:t>
+                      </a:r>
+                      <a:endParaRPr sz="1100" b="1" dirty="0">
                         <a:solidFill>
                           <a:schemeClr val="accent5"/>
                         </a:solidFill>
@@ -19167,7 +19217,7 @@
           <p:nvPr>
             <p:extLst>
               <p:ext uri="{D42A27DB-BD31-4B8C-83A1-F6EECF244321}">
-                <p14:modId xmlns:p14="http://schemas.microsoft.com/office/powerpoint/2010/main" val="3619413292"/>
+                <p14:modId xmlns:p14="http://schemas.microsoft.com/office/powerpoint/2010/main" val="1169203144"/>
               </p:ext>
             </p:extLst>
           </p:nvPr>
@@ -19299,10 +19349,10 @@
                         <a:buNone/>
                       </a:pPr>
                       <a:r>
-                        <a:rPr lang="en-US" b="1"/>
-                        <a:t>🟠  Tendanciel</a:t>
+                        <a:rPr lang="en-US" b="1" dirty="0"/>
+                        <a:t>🟠  {{scenario1}}</a:t>
                       </a:r>
-                      <a:endParaRPr b="1"/>
+                      <a:endParaRPr b="1" dirty="0"/>
                     </a:p>
                   </a:txBody>
                   <a:tcPr marL="28575" marR="28575" marT="19050" marB="19050" anchor="ctr">
@@ -19364,10 +19414,10 @@
                         <a:buNone/>
                       </a:pPr>
                       <a:r>
-                        <a:rPr lang="en-US" b="1"/>
-                        <a:t>🟣 Accélération</a:t>
+                        <a:rPr lang="en-US" b="1" dirty="0"/>
+                        <a:t>🟣 {{scenario2}}</a:t>
                       </a:r>
-                      <a:endParaRPr b="1"/>
+                      <a:endParaRPr b="1" dirty="0"/>
                     </a:p>
                   </a:txBody>
                   <a:tcPr marL="28575" marR="28575" marT="19050" marB="19050" anchor="ctr">
@@ -19429,7 +19479,7 @@
                         <a:buNone/>
                       </a:pPr>
                       <a:r>
-                        <a:rPr lang="en-US" b="1">
+                        <a:rPr lang="en-US" b="1" dirty="0">
                           <a:solidFill>
                             <a:schemeClr val="dk1"/>
                           </a:solidFill>
@@ -19437,10 +19487,14 @@
                         <a:t>🔵</a:t>
                       </a:r>
                       <a:r>
+                        <a:rPr lang="en-US" b="1" dirty="0"/>
+                        <a:t> </a:t>
+                      </a:r>
+                      <a:r>
                         <a:rPr lang="en-US" b="1"/>
-                        <a:t> Par défaut</a:t>
+                        <a:t>{{scenario3}}</a:t>
                       </a:r>
-                      <a:endParaRPr b="1"/>
+                      <a:endParaRPr b="1" dirty="0"/>
                     </a:p>
                   </a:txBody>
                   <a:tcPr marL="28575" marR="28575" marT="19050" marB="19050" anchor="ctr">
@@ -23127,29 +23181,69 @@
               <a:buNone/>
             </a:pPr>
             <a:r>
-              <a:rPr lang="en-US" sz="2400" b="1">
+              <a:rPr lang="en-US" sz="2400" b="1" dirty="0">
                 <a:solidFill>
                   <a:srgbClr val="262626"/>
                 </a:solidFill>
               </a:rPr>
-              <a:t>Arguments en faveur du scénario</a:t>
+              <a:t>Arguments </a:t>
+            </a:r>
+            <a:r>
+              <a:rPr lang="en-US" sz="2400" b="1" dirty="0" err="1">
+                <a:solidFill>
+                  <a:srgbClr val="262626"/>
+                </a:solidFill>
+              </a:rPr>
+              <a:t>en</a:t>
+            </a:r>
+            <a:r>
+              <a:rPr lang="en-US" sz="2400" b="1" dirty="0">
+                <a:solidFill>
+                  <a:srgbClr val="262626"/>
+                </a:solidFill>
+              </a:rPr>
+              <a:t> </a:t>
+            </a:r>
+            <a:r>
+              <a:rPr lang="en-US" sz="2400" b="1" dirty="0" err="1">
+                <a:solidFill>
+                  <a:srgbClr val="262626"/>
+                </a:solidFill>
+              </a:rPr>
+              <a:t>faveur</a:t>
+            </a:r>
+            <a:r>
+              <a:rPr lang="en-US" sz="2400" b="1" dirty="0">
+                <a:solidFill>
+                  <a:srgbClr val="262626"/>
+                </a:solidFill>
+              </a:rPr>
+              <a:t> du </a:t>
+            </a:r>
+            <a:r>
+              <a:rPr lang="en-US" sz="2400" b="1" dirty="0" err="1">
+                <a:solidFill>
+                  <a:srgbClr val="262626"/>
+                </a:solidFill>
+              </a:rPr>
+              <a:t>scénario</a:t>
             </a:r>
             <a:br>
-              <a:rPr lang="en-US" sz="2400" b="1">
+              <a:rPr lang="en-US" sz="2400" b="1" dirty="0">
                 <a:solidFill>
                   <a:srgbClr val="262626"/>
                 </a:solidFill>
               </a:rPr>
             </a:br>
             <a:r>
-              <a:rPr lang="en-US" sz="2400" b="1">
+              <a:rPr lang="en-US" sz="2400" b="1" dirty="0">
                 <a:solidFill>
                   <a:srgbClr val="262626"/>
                 </a:solidFill>
               </a:rPr>
-              <a:t>"🟣 Accélération"</a:t>
-            </a:r>
-            <a:endParaRPr sz="1200" i="1">
+              <a:t>"🟣 {{scenario}}"</a:t>
+            </a:r>
+            <a:endParaRPr sz="1200" i="1" dirty="0">
               <a:solidFill>
                 <a:srgbClr val="262626"/>
               </a:solidFill>
@@ -24356,23 +24450,7 @@
                   <a:srgbClr val="262626"/>
                 </a:solidFill>
               </a:rPr>
-              <a:t> "🟣 </a:t>
-            </a:r>
-            <a:r>
-              <a:rPr lang="en-US" sz="2400" b="1" dirty="0" err="1">
-                <a:solidFill>
-                  <a:srgbClr val="262626"/>
-                </a:solidFill>
-              </a:rPr>
-              <a:t>Accélération</a:t>
-            </a:r>
-            <a:r>
-              <a:rPr lang="en-US" sz="2400" b="1" dirty="0">
-                <a:solidFill>
-                  <a:srgbClr val="262626"/>
-                </a:solidFill>
-              </a:rPr>
-              <a:t>"</a:t>
+              <a:t> "🟣 {{scenario}}"</a:t>
             </a:r>
             <a:endParaRPr sz="1200" i="1" dirty="0">
               <a:solidFill>
@@ -25999,14 +26077,86 @@
               <a:buNone/>
             </a:pPr>
             <a:r>
-              <a:rPr lang="en-US" sz="2400" b="1">
+              <a:rPr lang="en-US" sz="2400" b="1" dirty="0" err="1">
                 <a:solidFill>
                   <a:srgbClr val="262626"/>
                 </a:solidFill>
               </a:rPr>
-              <a:t>Besoins en constructions neuves pour le scénario privilégié "🟣 Accélération"</a:t>
-            </a:r>
-            <a:endParaRPr sz="1200" i="1">
+              <a:t>Besoins</a:t>
+            </a:r>
+            <a:r>
+              <a:rPr lang="en-US" sz="2400" b="1" dirty="0">
+                <a:solidFill>
+                  <a:srgbClr val="262626"/>
+                </a:solidFill>
+              </a:rPr>
+              <a:t> </a:t>
+            </a:r>
+            <a:r>
+              <a:rPr lang="en-US" sz="2400" b="1" dirty="0" err="1">
+                <a:solidFill>
+                  <a:srgbClr val="262626"/>
+                </a:solidFill>
+              </a:rPr>
+              <a:t>en</a:t>
+            </a:r>
+            <a:r>
+              <a:rPr lang="en-US" sz="2400" b="1" dirty="0">
+                <a:solidFill>
+                  <a:srgbClr val="262626"/>
+                </a:solidFill>
+              </a:rPr>
+              <a:t> constructions </a:t>
+            </a:r>
+            <a:r>
+              <a:rPr lang="en-US" sz="2400" b="1" dirty="0" err="1">
+                <a:solidFill>
+                  <a:srgbClr val="262626"/>
+                </a:solidFill>
+              </a:rPr>
+              <a:t>neuves</a:t>
+            </a:r>
+            <a:r>
+              <a:rPr lang="en-US" sz="2400" b="1" dirty="0">
+                <a:solidFill>
+                  <a:srgbClr val="262626"/>
+                </a:solidFill>
+              </a:rPr>
+              <a:t> pour le </a:t>
+            </a:r>
+            <a:r>
+              <a:rPr lang="en-US" sz="2400" b="1" dirty="0" err="1">
+                <a:solidFill>
+                  <a:srgbClr val="262626"/>
+                </a:solidFill>
+              </a:rPr>
+              <a:t>scénario</a:t>
+            </a:r>
+            <a:r>
+              <a:rPr lang="en-US" sz="2400" b="1" dirty="0">
+                <a:solidFill>
+                  <a:srgbClr val="262626"/>
+                </a:solidFill>
+              </a:rPr>
+              <a:t> </a:t>
+            </a:r>
+            <a:r>
+              <a:rPr lang="en-US" sz="2400" b="1" dirty="0" err="1">
+                <a:solidFill>
+                  <a:srgbClr val="262626"/>
+                </a:solidFill>
+              </a:rPr>
+              <a:t>privilégié</a:t>
+            </a:r>
+            <a:r>
+              <a:rPr lang="en-US" sz="2400" b="1" dirty="0">
+                <a:solidFill>
+                  <a:srgbClr val="262626"/>
+                </a:solidFill>
+              </a:rPr>
+              <a:t> "🟣 {{scenario}}"</a:t>
+            </a:r>
+            <a:endParaRPr sz="1200" i="1" dirty="0">
               <a:solidFill>
                 <a:srgbClr val="262626"/>
               </a:solidFill>
@@ -26753,20 +26903,12 @@
               <a:t> "🟣 </a:t>
             </a:r>
             <a:r>
-              <a:rPr lang="en-US" sz="2400" b="1" dirty="0" err="1">
+              <a:rPr lang="en-US" sz="2400" b="1">
                 <a:solidFill>
                   <a:srgbClr val="262626"/>
                 </a:solidFill>
               </a:rPr>
-              <a:t>Accélération</a:t>
-            </a:r>
-            <a:r>
-              <a:rPr lang="en-US" sz="2400" b="1" dirty="0">
-                <a:solidFill>
-                  <a:srgbClr val="262626"/>
-                </a:solidFill>
-              </a:rPr>
-              <a:t>"</a:t>
+              <a:t>{{scenario}}"</a:t>
             </a:r>
             <a:endParaRPr sz="1200" i="1" dirty="0">
               <a:solidFill>
@@ -30215,7 +30357,7 @@
         <p:spPr>
           <a:xfrm>
             <a:off x="2600438" y="589159"/>
-            <a:ext cx="6267300" cy="707846"/>
+            <a:ext cx="6267300" cy="400069"/>
           </a:xfrm>
           <a:prstGeom prst="rect">
             <a:avLst/>
@@ -30254,7 +30396,7 @@
                   <a:srgbClr val="262626"/>
                 </a:solidFill>
               </a:rPr>
-              <a:t>Objectif : {{total}} </a:t>
+              <a:t>Objectif : </a:t>
             </a:r>
             <a:r>
               <a:rPr lang="en-US" sz="2000" i="1" dirty="0" err="1">
@@ -30262,7 +30404,7 @@
                   <a:srgbClr val="262626"/>
                 </a:solidFill>
               </a:rPr>
-              <a:t>logements</a:t>
+              <a:t>{{nbSituations}}</a:t>
             </a:r>
             <a:r>
               <a:rPr lang="en-US" sz="2000" i="1" dirty="0">
@@ -30270,7 +30412,7 @@
                   <a:srgbClr val="262626"/>
                 </a:solidFill>
               </a:rPr>
-              <a:t> pour </a:t>
+              <a:t> situations </a:t>
             </a:r>
             <a:r>
               <a:rPr lang="en-US" sz="2000" i="1" dirty="0" err="1">
@@ -30278,7 +30420,7 @@
                   <a:srgbClr val="262626"/>
                 </a:solidFill>
               </a:rPr>
-              <a:t>régler {{nbSituations}}</a:t>
+              <a:t>à</a:t>
             </a:r>
             <a:r>
               <a:rPr lang="en-US" sz="2000" i="1" dirty="0">
@@ -30286,7 +30428,15 @@
                   <a:srgbClr val="262626"/>
                 </a:solidFill>
               </a:rPr>
-              <a:t> situations</a:t>
+              <a:t> </a:t>
+            </a:r>
+            <a:r>
+              <a:rPr lang="en-US" sz="2000" i="1" dirty="0" err="1">
+                <a:solidFill>
+                  <a:srgbClr val="262626"/>
+                </a:solidFill>
+              </a:rPr>
+              <a:t>régler</a:t>
             </a:r>
             <a:endParaRPr sz="800" i="1" dirty="0">
               <a:solidFill>
@@ -31864,7 +32014,7 @@
                   <a:schemeClr val="dk1"/>
                 </a:solidFill>
               </a:rPr>
-              <a:t>Impact Document </a:t>
+              <a:t>Publics </a:t>
             </a:r>
             <a:r>
               <a:rPr lang="en-US" sz="1100" b="1" dirty="0" err="1">
@@ -31872,7 +32022,15 @@
                   <a:schemeClr val="dk1"/>
                 </a:solidFill>
               </a:rPr>
-              <a:t>d’urbanisme</a:t>
+              <a:t>prioritaires</a:t>
+            </a:r>
+            <a:r>
+              <a:rPr lang="en-US" sz="1100" b="1" dirty="0">
+                <a:solidFill>
+                  <a:schemeClr val="dk1"/>
+                </a:solidFill>
+              </a:rPr>
+              <a:t> </a:t>
             </a:r>
             <a:r>
               <a:rPr lang="en-US" sz="1100" dirty="0">
@@ -31880,7 +32038,7 @@
                   <a:schemeClr val="dk1"/>
                 </a:solidFill>
               </a:rPr>
-              <a:t>: {{impact}} </a:t>
+              <a:t>: </a:t>
             </a:r>
             <a:r>
               <a:rPr lang="en-US" sz="1100" dirty="0" err="1">
@@ -31888,7 +32046,7 @@
                   <a:schemeClr val="dk1"/>
                 </a:solidFill>
               </a:rPr>
-              <a:t>logements</a:t>
+              <a:t>personnes</a:t>
             </a:r>
             <a:r>
               <a:rPr lang="en-US" sz="1100" dirty="0">
@@ -31904,7 +32062,7 @@
                   <a:schemeClr val="dk1"/>
                 </a:solidFill>
               </a:rPr>
-              <a:t>dédiés</a:t>
+              <a:t>hébergées</a:t>
             </a:r>
             <a:r>
               <a:rPr lang="en-US" sz="1100" dirty="0">
@@ -31912,7 +32070,7 @@
                   <a:schemeClr val="dk1"/>
                 </a:solidFill>
               </a:rPr>
-              <a:t> sur </a:t>
+              <a:t> (tiers, </a:t>
             </a:r>
             <a:r>
               <a:rPr lang="en-US" sz="1100" dirty="0" err="1">
@@ -31920,7 +32078,7 @@
                   <a:schemeClr val="dk1"/>
                 </a:solidFill>
               </a:rPr>
-              <a:t>{{docStart}}</a:t>
+              <a:t>famille</a:t>
             </a:r>
             <a:r>
               <a:rPr lang="en-US" sz="1100" dirty="0">
@@ -31928,7 +32086,7 @@
                   <a:schemeClr val="dk1"/>
                 </a:solidFill>
               </a:rPr>
-              <a:t>-</a:t>
+              <a:t>) et sans </a:t>
             </a:r>
             <a:r>
               <a:rPr lang="en-US" sz="1100" dirty="0" err="1">
@@ -31936,138 +32094,13 @@
                   <a:schemeClr val="dk1"/>
                 </a:solidFill>
               </a:rPr>
-              <a:t>{{docEnd}}</a:t>
-            </a:r>
-          </a:p>
-          <a:p>
-            <a:pPr marL="228600" lvl="0" indent="-184150" algn="l" rtl="0">
-              <a:lnSpc>
-                <a:spcPct val="115000"/>
-              </a:lnSpc>
-              <a:spcBef>
-                <a:spcPts val="0"/>
-              </a:spcBef>
-              <a:spcAft>
-                <a:spcPts val="0"/>
-              </a:spcAft>
-              <a:buClr>
+              <a:t>logement</a:t>
+            </a:r>
+            <a:endParaRPr lang="en-US" sz="1100" dirty="0">
+              <a:solidFill>
                 <a:schemeClr val="dk1"/>
-              </a:buClr>
-              <a:buSzPts val="1100"/>
-              <a:buChar char="●"/>
-            </a:pPr>
-            <a:r>
-              <a:rPr lang="en-US" sz="1100" b="1" dirty="0">
-                <a:solidFill>
-                  <a:schemeClr val="dk1"/>
-                </a:solidFill>
-              </a:rPr>
-              <a:t>Publics </a:t>
-            </a:r>
-            <a:r>
-              <a:rPr lang="en-US" sz="1100" b="1" dirty="0" err="1">
-                <a:solidFill>
-                  <a:schemeClr val="dk1"/>
-                </a:solidFill>
-              </a:rPr>
-              <a:t>prioritaires</a:t>
-            </a:r>
-            <a:r>
-              <a:rPr lang="en-US" sz="1100" b="1" dirty="0">
-                <a:solidFill>
-                  <a:schemeClr val="dk1"/>
-                </a:solidFill>
-              </a:rPr>
-              <a:t> </a:t>
-            </a:r>
-            <a:r>
-              <a:rPr lang="en-US" sz="1100" dirty="0">
-                <a:solidFill>
-                  <a:schemeClr val="dk1"/>
-                </a:solidFill>
-              </a:rPr>
-              <a:t>: </a:t>
-            </a:r>
-            <a:r>
-              <a:rPr lang="en-US" sz="1100" dirty="0" err="1">
-                <a:solidFill>
-                  <a:schemeClr val="dk1"/>
-                </a:solidFill>
-              </a:rPr>
-              <a:t>personnes</a:t>
-            </a:r>
-            <a:r>
-              <a:rPr lang="en-US" sz="1100" dirty="0">
-                <a:solidFill>
-                  <a:schemeClr val="dk1"/>
-                </a:solidFill>
-              </a:rPr>
-              <a:t> </a:t>
-            </a:r>
-            <a:r>
-              <a:rPr lang="en-US" sz="1100" dirty="0" err="1">
-                <a:solidFill>
-                  <a:schemeClr val="dk1"/>
-                </a:solidFill>
-              </a:rPr>
-              <a:t>hébergées</a:t>
-            </a:r>
-            <a:r>
-              <a:rPr lang="en-US" sz="1100" dirty="0">
-                <a:solidFill>
-                  <a:schemeClr val="dk1"/>
-                </a:solidFill>
-              </a:rPr>
-              <a:t> (tiers, </a:t>
-            </a:r>
-            <a:r>
-              <a:rPr lang="en-US" sz="1100" dirty="0" err="1">
-                <a:solidFill>
-                  <a:schemeClr val="dk1"/>
-                </a:solidFill>
-              </a:rPr>
-              <a:t>famille</a:t>
-            </a:r>
-            <a:r>
-              <a:rPr lang="en-US" sz="1100" dirty="0">
-                <a:solidFill>
-                  <a:schemeClr val="dk1"/>
-                </a:solidFill>
-              </a:rPr>
-              <a:t>) et sans </a:t>
-            </a:r>
-            <a:r>
-              <a:rPr lang="en-US" sz="1100" dirty="0" err="1">
-                <a:solidFill>
-                  <a:schemeClr val="dk1"/>
-                </a:solidFill>
-              </a:rPr>
-              <a:t>logement</a:t>
-            </a:r>
-            <a:r>
-              <a:rPr lang="en-US" sz="1100" dirty="0">
-                <a:solidFill>
-                  <a:schemeClr val="dk1"/>
-                </a:solidFill>
-              </a:rPr>
-              <a:t> (X% des </a:t>
-            </a:r>
-            <a:r>
-              <a:rPr lang="en-US" sz="1100" dirty="0" err="1">
-                <a:solidFill>
-                  <a:schemeClr val="dk1"/>
-                </a:solidFill>
-              </a:rPr>
-              <a:t>cas</a:t>
-            </a:r>
-            <a:r>
-              <a:rPr lang="en-US" sz="1100" dirty="0">
-                <a:solidFill>
-                  <a:schemeClr val="dk1"/>
-                </a:solidFill>
-              </a:rPr>
-              <a:t>)</a:t>
-            </a:r>
+              </a:solidFill>
+            </a:endParaRPr>
           </a:p>
         </p:txBody>
       </p:sp>
@@ -32753,269 +32786,6 @@
             <a:endParaRPr sz="1200" i="1">
               <a:solidFill>
                 <a:srgbClr val="262626"/>
-              </a:solidFill>
-            </a:endParaRPr>
-          </a:p>
-        </p:txBody>
-      </p:sp>
-      <p:sp>
-        <p:nvSpPr>
-          <p:cNvPr id="268" name="Google Shape;268;p33"/>
-          <p:cNvSpPr txBox="1"/>
-          <p:nvPr/>
-        </p:nvSpPr>
-        <p:spPr>
-          <a:xfrm>
-            <a:off x="99150" y="1835725"/>
-            <a:ext cx="1924500" cy="2240100"/>
-          </a:xfrm>
-          <a:prstGeom prst="rect">
-            <a:avLst/>
-          </a:prstGeom>
-          <a:solidFill>
-            <a:schemeClr val="accent3"/>
-          </a:solidFill>
-          <a:ln>
-            <a:noFill/>
-          </a:ln>
-        </p:spPr>
-        <p:txBody>
-          <a:bodyPr spcFirstLastPara="1" wrap="square" lIns="91425" tIns="91425" rIns="91425" bIns="91425" anchor="t" anchorCtr="0">
-            <a:noAutofit/>
-          </a:bodyPr>
-          <a:lstStyle/>
-          <a:p>
-            <a:pPr marL="285750" lvl="0" indent="-184150" algn="l" rtl="0">
-              <a:lnSpc>
-                <a:spcPct val="115000"/>
-              </a:lnSpc>
-              <a:spcBef>
-                <a:spcPts val="1200"/>
-              </a:spcBef>
-              <a:spcAft>
-                <a:spcPts val="0"/>
-              </a:spcAft>
-              <a:buClr>
-                <a:schemeClr val="dk1"/>
-              </a:buClr>
-              <a:buSzPts val="1100"/>
-              <a:buChar char="●"/>
-            </a:pPr>
-            <a:r>
-              <a:rPr lang="en-US" sz="1100" b="1" dirty="0">
-                <a:solidFill>
-                  <a:schemeClr val="dk1"/>
-                </a:solidFill>
-              </a:rPr>
-              <a:t>Situation </a:t>
-            </a:r>
-            <a:r>
-              <a:rPr lang="en-US" sz="1100" b="1" dirty="0" err="1">
-                <a:solidFill>
-                  <a:schemeClr val="dk1"/>
-                </a:solidFill>
-              </a:rPr>
-              <a:t>actuelle</a:t>
-            </a:r>
-            <a:r>
-              <a:rPr lang="en-US" sz="1100" b="1" dirty="0">
-                <a:solidFill>
-                  <a:schemeClr val="dk1"/>
-                </a:solidFill>
-              </a:rPr>
-              <a:t> : [Volume arrondi au 100près]</a:t>
-            </a:r>
-            <a:br>
-              <a:rPr lang="en-US" sz="1100" b="1" dirty="0">
-                <a:solidFill>
-                  <a:schemeClr val="dk1"/>
-                </a:solidFill>
-              </a:rPr>
-            </a:br>
-            <a:endParaRPr sz="1100" b="1" dirty="0">
-              <a:solidFill>
-                <a:schemeClr val="dk1"/>
-              </a:solidFill>
-            </a:endParaRPr>
-          </a:p>
-          <a:p>
-            <a:pPr marL="285750" lvl="0" indent="-184150" algn="l" rtl="0">
-              <a:lnSpc>
-                <a:spcPct val="115000"/>
-              </a:lnSpc>
-              <a:spcBef>
-                <a:spcPts val="0"/>
-              </a:spcBef>
-              <a:spcAft>
-                <a:spcPts val="0"/>
-              </a:spcAft>
-              <a:buClr>
-                <a:schemeClr val="dk1"/>
-              </a:buClr>
-              <a:buSzPts val="1100"/>
-              <a:buChar char="●"/>
-            </a:pPr>
-            <a:r>
-              <a:rPr lang="en-US" sz="1100" b="1" dirty="0">
-                <a:solidFill>
-                  <a:schemeClr val="dk1"/>
-                </a:solidFill>
-              </a:rPr>
-              <a:t>Objectif {{projection}}:</a:t>
-            </a:r>
-            <a:r>
-              <a:rPr lang="en-US" sz="1100" dirty="0">
-                <a:solidFill>
-                  <a:schemeClr val="dk1"/>
-                </a:solidFill>
-              </a:rPr>
-              <a:t>  ([</a:t>
-            </a:r>
-            <a:r>
-              <a:rPr lang="en-US" sz="1100" dirty="0" err="1">
-                <a:solidFill>
-                  <a:schemeClr val="dk1"/>
-                </a:solidFill>
-              </a:rPr>
-              <a:t>évolution</a:t>
-            </a:r>
-            <a:r>
-              <a:rPr lang="en-US" sz="1100" dirty="0">
-                <a:solidFill>
-                  <a:schemeClr val="dk1"/>
-                </a:solidFill>
-              </a:rPr>
-              <a:t> </a:t>
-            </a:r>
-            <a:r>
-              <a:rPr lang="en-US" sz="1100" dirty="0" err="1">
-                <a:solidFill>
-                  <a:schemeClr val="dk1"/>
-                </a:solidFill>
-              </a:rPr>
-              <a:t>en</a:t>
-            </a:r>
-            <a:r>
-              <a:rPr lang="en-US" sz="1100" dirty="0">
-                <a:solidFill>
-                  <a:schemeClr val="dk1"/>
-                </a:solidFill>
-              </a:rPr>
-              <a:t> point])</a:t>
-            </a:r>
-            <a:br>
-              <a:rPr lang="en-US" sz="1100" dirty="0">
-                <a:solidFill>
-                  <a:schemeClr val="dk1"/>
-                </a:solidFill>
-              </a:rPr>
-            </a:br>
-            <a:endParaRPr sz="1100" dirty="0">
-              <a:solidFill>
-                <a:schemeClr val="dk1"/>
-              </a:solidFill>
-            </a:endParaRPr>
-          </a:p>
-          <a:p>
-            <a:pPr marL="285750" lvl="0" indent="-184150" algn="l" rtl="0">
-              <a:lnSpc>
-                <a:spcPct val="115000"/>
-              </a:lnSpc>
-              <a:spcBef>
-                <a:spcPts val="0"/>
-              </a:spcBef>
-              <a:spcAft>
-                <a:spcPts val="0"/>
-              </a:spcAft>
-              <a:buClr>
-                <a:schemeClr val="dk1"/>
-              </a:buClr>
-              <a:buSzPts val="1100"/>
-              <a:buChar char="●"/>
-            </a:pPr>
-            <a:r>
-              <a:rPr lang="en-US" sz="1100" dirty="0" err="1">
-                <a:solidFill>
-                  <a:schemeClr val="dk1"/>
-                </a:solidFill>
-              </a:rPr>
-              <a:t>Résultat</a:t>
-            </a:r>
-            <a:r>
-              <a:rPr lang="en-US" sz="1100" dirty="0">
-                <a:solidFill>
-                  <a:schemeClr val="dk1"/>
-                </a:solidFill>
-              </a:rPr>
-              <a:t> : [</a:t>
-            </a:r>
-            <a:r>
-              <a:rPr lang="en-US" sz="1100" dirty="0" err="1">
-                <a:solidFill>
-                  <a:schemeClr val="dk1"/>
-                </a:solidFill>
-              </a:rPr>
-              <a:t>nombre</a:t>
-            </a:r>
-            <a:r>
-              <a:rPr lang="en-US" sz="1100" dirty="0">
-                <a:solidFill>
-                  <a:schemeClr val="dk1"/>
-                </a:solidFill>
-              </a:rPr>
-              <a:t> de </a:t>
-            </a:r>
-            <a:r>
-              <a:rPr lang="en-US" sz="1100" dirty="0" err="1">
-                <a:solidFill>
-                  <a:schemeClr val="dk1"/>
-                </a:solidFill>
-              </a:rPr>
-              <a:t>logements</a:t>
-            </a:r>
-            <a:r>
-              <a:rPr lang="en-US" sz="1100" dirty="0">
-                <a:solidFill>
-                  <a:schemeClr val="dk1"/>
-                </a:solidFill>
-              </a:rPr>
-              <a:t> </a:t>
-            </a:r>
-            <a:r>
-              <a:rPr lang="en-US" sz="1100" dirty="0" err="1">
-                <a:solidFill>
-                  <a:schemeClr val="dk1"/>
-                </a:solidFill>
-              </a:rPr>
-              <a:t>à</a:t>
-            </a:r>
-            <a:r>
-              <a:rPr lang="en-US" sz="1100" dirty="0">
-                <a:solidFill>
-                  <a:schemeClr val="dk1"/>
-                </a:solidFill>
-              </a:rPr>
-              <a:t> </a:t>
-            </a:r>
-            <a:r>
-              <a:rPr lang="en-US" sz="1100" dirty="0" err="1">
-                <a:solidFill>
-                  <a:schemeClr val="dk1"/>
-                </a:solidFill>
-              </a:rPr>
-              <a:t>remobiliser</a:t>
-            </a:r>
-            <a:r>
-              <a:rPr lang="en-US" sz="1100" dirty="0">
-                <a:solidFill>
-                  <a:schemeClr val="dk1"/>
-                </a:solidFill>
-              </a:rPr>
-              <a:t>]</a:t>
-            </a:r>
-            <a:endParaRPr sz="1100" dirty="0">
-              <a:solidFill>
-                <a:schemeClr val="dk1"/>
               </a:solidFill>
             </a:endParaRPr>
           </a:p>

--- a/public/ppt/template.pptx
+++ b/public/ppt/template.pptx
@@ -15916,14 +15916,14 @@
           <p:nvPr>
             <p:extLst>
               <p:ext uri="{D42A27DB-BD31-4B8C-83A1-F6EECF244321}">
-                <p14:modId xmlns:p14="http://schemas.microsoft.com/office/powerpoint/2010/main" val="3154048131"/>
+                <p14:modId xmlns:p14="http://schemas.microsoft.com/office/powerpoint/2010/main" val="3419572948"/>
               </p:ext>
             </p:extLst>
           </p:nvPr>
         </p:nvGraphicFramePr>
         <p:xfrm>
           <a:off x="2154425" y="866100"/>
-          <a:ext cx="6837225" cy="2971389"/>
+          <a:ext cx="6837225" cy="3090803"/>
         </p:xfrm>
         <a:graphic>
           <a:graphicData uri="http://schemas.openxmlformats.org/drawingml/2006/table">
@@ -17424,14 +17424,46 @@
                         <a:buNone/>
                       </a:pPr>
                       <a:r>
-                        <a:rPr lang="en-US" sz="1100" b="1">
+                        <a:rPr lang="en-US" sz="1100" b="1" dirty="0" err="1">
                           <a:solidFill>
                             <a:schemeClr val="accent5"/>
                           </a:solidFill>
                         </a:rPr>
-                        <a:t>Réduction vacance</a:t>
+                        <a:t>Logements</a:t>
                       </a:r>
-                      <a:endParaRPr sz="1100" b="1">
+                      <a:r>
+                        <a:rPr lang="en-US" sz="1100" b="1" dirty="0">
+                          <a:solidFill>
+                            <a:schemeClr val="accent5"/>
+                          </a:solidFill>
+                        </a:rPr>
+                        <a:t> </a:t>
+                      </a:r>
+                      <a:r>
+                        <a:rPr lang="en-US" sz="1100" b="1" dirty="0" err="1">
+                          <a:solidFill>
+                            <a:schemeClr val="accent5"/>
+                          </a:solidFill>
+                        </a:rPr>
+                        <a:t>vacants</a:t>
+                      </a:r>
+                      <a:r>
+                        <a:rPr lang="en-US" sz="1100" b="1" dirty="0">
+                          <a:solidFill>
+                            <a:schemeClr val="accent5"/>
+                          </a:solidFill>
+                        </a:rPr>
+                        <a:t> &gt; 2 </a:t>
+                      </a:r>
+                      <a:r>
+                        <a:rPr lang="en-US" sz="1100" b="1" dirty="0" err="1">
+                          <a:solidFill>
+                            <a:schemeClr val="accent5"/>
+                          </a:solidFill>
+                        </a:rPr>
+                        <a:t>ans</a:t>
+                      </a:r>
+                      <a:endParaRPr sz="1100" b="1" dirty="0">
                         <a:solidFill>
                           <a:schemeClr val="accent5"/>
                         </a:solidFill>
@@ -45586,39 +45618,6 @@
           </a:p>
         </p:txBody>
       </p:sp>
-      <p:pic>
-        <p:nvPicPr>
-          <p:cNvPr id="6" name="Google Shape;165;p22">
-            <a:extLst>
-              <a:ext uri="{FF2B5EF4-FFF2-40B4-BE49-F238E27FC236}">
-                <a16:creationId xmlns:a16="http://schemas.microsoft.com/office/drawing/2014/main" id="{3D5FA5C1-9D4B-9C98-8821-2011527658B6}"/>
-              </a:ext>
-            </a:extLst>
-          </p:cNvPr>
-          <p:cNvPicPr preferRelativeResize="0"/>
-          <p:nvPr/>
-        </p:nvPicPr>
-        <p:blipFill rotWithShape="1">
-          <a:blip r:embed="rId3">
-            <a:alphaModFix/>
-          </a:blip>
-          <a:srcRect l="4387" t="18633" r="4387"/>
-          <a:stretch/>
-        </p:blipFill>
-        <p:spPr>
-          <a:xfrm>
-            <a:off x="2600446" y="1015525"/>
-            <a:ext cx="5711704" cy="3696551"/>
-          </a:xfrm>
-          <a:prstGeom prst="rect">
-            <a:avLst/>
-          </a:prstGeom>
-          <a:noFill/>
-          <a:ln>
-            <a:noFill/>
-          </a:ln>
-        </p:spPr>
-      </p:pic>
     </p:spTree>
   </p:cSld>
   <p:clrMapOvr>

--- a/public/ppt/template.pptx
+++ b/public/ppt/template.pptx
@@ -15916,7 +15916,7 @@
           <p:nvPr>
             <p:extLst>
               <p:ext uri="{D42A27DB-BD31-4B8C-83A1-F6EECF244321}">
-                <p14:modId xmlns:p14="http://schemas.microsoft.com/office/powerpoint/2010/main" val="3419572948"/>
+                <p14:modId xmlns:p14="http://schemas.microsoft.com/office/powerpoint/2010/main" val="1575238142"/>
               </p:ext>
             </p:extLst>
           </p:nvPr>
@@ -17543,7 +17543,7 @@
                             <a:schemeClr val="dk1"/>
                           </a:solidFill>
                         </a:rPr>
-                        <a:t>{{vacance1}}% </a:t>
+                        <a:t>{{vacance1}} </a:t>
                       </a:r>
                       <a:endParaRPr sz="1100" i="1" dirty="0"/>
                     </a:p>
@@ -17614,7 +17614,7 @@
                             <a:schemeClr val="dk1"/>
                           </a:solidFill>
                         </a:rPr>
-                        <a:t>{{vacance2}}% </a:t>
+                        <a:t>{{vacance2}} </a:t>
                       </a:r>
                       <a:endParaRPr sz="1100" i="1" dirty="0"/>
                     </a:p>
@@ -17684,7 +17684,11 @@
                       </a:pPr>
                       <a:r>
                         <a:rPr lang="en-US" sz="1100" i="1" dirty="0"/>
-                        <a:t>{{vacance3}}%</a:t>
+                        <a:t>{{</a:t>
+                      </a:r>
+                      <a:r>
+                        <a:rPr lang="en-US" sz="1100" i="1"/>
+                        <a:t>vacance3}}</a:t>
                       </a:r>
                       <a:endParaRPr sz="1100" i="1" dirty="0"/>
                     </a:p>
